--- a/docs/SportsPulse.pptx
+++ b/docs/SportsPulse.pptx
@@ -1,15 +1,23 @@
 
 <file path=ppt/presentation.xml><?xml version="1.0" encoding="utf-8"?>
-<p:presentation xmlns:a="http://schemas.openxmlformats.org/drawingml/2006/main" xmlns:r="http://schemas.openxmlformats.org/officeDocument/2006/relationships" xmlns:p="http://schemas.openxmlformats.org/presentationml/2006/main" saveSubsetFonts="1">
+<p:presentation xmlns:a="http://schemas.openxmlformats.org/drawingml/2006/main" xmlns:r="http://schemas.openxmlformats.org/officeDocument/2006/relationships" xmlns:p="http://schemas.openxmlformats.org/presentationml/2006/main" autoCompressPictures="0">
   <p:sldMasterIdLst>
-    <p:sldMasterId id="2147483660" r:id="rId1"/>
+    <p:sldMasterId id="2147483648" r:id="rId1"/>
   </p:sldMasterIdLst>
+  <p:notesMasterIdLst>
+    <p:notesMasterId r:id="rId12"/>
+  </p:notesMasterIdLst>
   <p:sldIdLst>
     <p:sldId id="256" r:id="rId2"/>
     <p:sldId id="257" r:id="rId3"/>
     <p:sldId id="258" r:id="rId4"/>
     <p:sldId id="259" r:id="rId5"/>
     <p:sldId id="260" r:id="rId6"/>
+    <p:sldId id="261" r:id="rId7"/>
+    <p:sldId id="262" r:id="rId8"/>
+    <p:sldId id="263" r:id="rId9"/>
+    <p:sldId id="264" r:id="rId10"/>
+    <p:sldId id="265" r:id="rId11"/>
   </p:sldIdLst>
   <p:sldSz cx="12192000" cy="6858000"/>
   <p:notesSz cx="6858000" cy="9144000"/>
@@ -108,11 +116,6 @@
       </a:defRPr>
     </a:lvl9pPr>
   </p:defaultTextStyle>
-  <p:extLst>
-    <p:ext uri="{EFAFB233-063F-42B5-8137-9DF3F51BA10A}">
-      <p15:sldGuideLst xmlns:p15="http://schemas.microsoft.com/office/powerpoint/2012/main"/>
-    </p:ext>
-  </p:extLst>
 </p:presentation>
 </file>
 
@@ -128,58 +131,6 @@
 </p:cmAuthorLst>
 </file>
 
-<file path=ppt/changesInfos/changesInfo1.xml><?xml version="1.0" encoding="utf-8"?>
-<pc:chgInfo xmlns:a="http://schemas.openxmlformats.org/drawingml/2006/main" xmlns:r="http://schemas.openxmlformats.org/officeDocument/2006/relationships" xmlns:ac="http://schemas.microsoft.com/office/drawing/2013/main/command" xmlns:pc="http://schemas.microsoft.com/office/powerpoint/2013/main/command">
-  <pc:docChgLst>
-    <pc:chgData name="Tobias Schilling" userId="80b8404fc73cf6aa" providerId="LiveId" clId="{F4FC8DB7-6CD9-4EEB-A824-5466019D05E7}"/>
-    <pc:docChg chg="undo custSel modSld">
-      <pc:chgData name="Tobias Schilling" userId="80b8404fc73cf6aa" providerId="LiveId" clId="{F4FC8DB7-6CD9-4EEB-A824-5466019D05E7}" dt="2023-03-14T11:43:38.851" v="6" actId="27636"/>
-      <pc:docMkLst>
-        <pc:docMk/>
-      </pc:docMkLst>
-      <pc:sldChg chg="modSp mod">
-        <pc:chgData name="Tobias Schilling" userId="80b8404fc73cf6aa" providerId="LiveId" clId="{F4FC8DB7-6CD9-4EEB-A824-5466019D05E7}" dt="2023-03-13T20:17:07.473" v="4" actId="20577"/>
-        <pc:sldMkLst>
-          <pc:docMk/>
-          <pc:sldMk cId="1391327284" sldId="258"/>
-        </pc:sldMkLst>
-        <pc:spChg chg="mod">
-          <ac:chgData name="Tobias Schilling" userId="80b8404fc73cf6aa" providerId="LiveId" clId="{F4FC8DB7-6CD9-4EEB-A824-5466019D05E7}" dt="2023-03-13T20:17:07.473" v="4" actId="20577"/>
-          <ac:spMkLst>
-            <pc:docMk/>
-            <pc:sldMk cId="1391327284" sldId="258"/>
-            <ac:spMk id="7" creationId="{ED5BFFBB-4D8B-4E2E-9B59-784F85D2AE7A}"/>
-          </ac:spMkLst>
-        </pc:spChg>
-        <pc:picChg chg="mod">
-          <ac:chgData name="Tobias Schilling" userId="80b8404fc73cf6aa" providerId="LiveId" clId="{F4FC8DB7-6CD9-4EEB-A824-5466019D05E7}" dt="2023-03-13T20:16:39.515" v="0" actId="1076"/>
-          <ac:picMkLst>
-            <pc:docMk/>
-            <pc:sldMk cId="1391327284" sldId="258"/>
-            <ac:picMk id="6" creationId="{2D3492A2-8A1D-4B7D-B26E-9CE48CF1EF6F}"/>
-          </ac:picMkLst>
-        </pc:picChg>
-      </pc:sldChg>
-      <pc:sldChg chg="modSp mod">
-        <pc:chgData name="Tobias Schilling" userId="80b8404fc73cf6aa" providerId="LiveId" clId="{F4FC8DB7-6CD9-4EEB-A824-5466019D05E7}" dt="2023-03-14T11:43:38.851" v="6" actId="27636"/>
-        <pc:sldMkLst>
-          <pc:docMk/>
-          <pc:sldMk cId="2398951243" sldId="260"/>
-        </pc:sldMkLst>
-        <pc:spChg chg="mod">
-          <ac:chgData name="Tobias Schilling" userId="80b8404fc73cf6aa" providerId="LiveId" clId="{F4FC8DB7-6CD9-4EEB-A824-5466019D05E7}" dt="2023-03-14T11:43:38.851" v="6" actId="27636"/>
-          <ac:spMkLst>
-            <pc:docMk/>
-            <pc:sldMk cId="2398951243" sldId="260"/>
-            <ac:spMk id="2" creationId="{6F430F57-2D31-4AE3-B18B-E83F2594DC5A}"/>
-          </ac:spMkLst>
-        </pc:spChg>
-      </pc:sldChg>
-    </pc:docChg>
-  </pc:docChgLst>
-</pc:chgInfo>
-</file>
-
 <file path=ppt/comments/comment1.xml><?xml version="1.0" encoding="utf-8"?>
 <p:cmLst xmlns:a="http://schemas.openxmlformats.org/drawingml/2006/main" xmlns:r="http://schemas.openxmlformats.org/officeDocument/2006/relationships" xmlns:p="http://schemas.openxmlformats.org/presentationml/2006/main">
   <p:cm authorId="1" dt="2023-03-13T17:30:51.318" idx="1">
@@ -192,6 +143,355 @@
     </p:extLst>
   </p:cm>
 </p:cmLst>
+</file>
+
+<file path=ppt/notesMasters/notesMaster1.xml><?xml version="1.0" encoding="utf-8"?>
+<p:notesMaster xmlns:a="http://schemas.openxmlformats.org/drawingml/2006/main" xmlns:r="http://schemas.openxmlformats.org/officeDocument/2006/relationships" xmlns:p="http://schemas.openxmlformats.org/presentationml/2006/main">
+  <p:cSld>
+    <p:bg>
+      <p:bgRef idx="1001">
+        <a:schemeClr val="bg1"/>
+      </p:bgRef>
+    </p:bg>
+    <p:spTree>
+      <p:nvGrpSpPr>
+        <p:cNvPr id="1" name=""/>
+        <p:cNvGrpSpPr/>
+        <p:nvPr/>
+      </p:nvGrpSpPr>
+      <p:grpSpPr>
+        <a:xfrm>
+          <a:off x="0" y="0"/>
+          <a:ext cx="0" cy="0"/>
+          <a:chOff x="0" y="0"/>
+          <a:chExt cx="0" cy="0"/>
+        </a:xfrm>
+      </p:grpSpPr>
+      <p:sp>
+        <p:nvSpPr>
+          <p:cNvPr id="2" name="Kopfzeilenplatzhalter 1"/>
+          <p:cNvSpPr>
+            <a:spLocks noGrp="1"/>
+          </p:cNvSpPr>
+          <p:nvPr>
+            <p:ph type="hdr" sz="quarter"/>
+          </p:nvPr>
+        </p:nvSpPr>
+        <p:spPr>
+          <a:xfrm>
+            <a:off x="0" y="0"/>
+            <a:ext cx="2971800" cy="458788"/>
+          </a:xfrm>
+          <a:prstGeom prst="rect">
+            <a:avLst/>
+          </a:prstGeom>
+        </p:spPr>
+        <p:txBody>
+          <a:bodyPr vert="horz" lIns="91440" tIns="45720" rIns="91440" bIns="45720" rtlCol="0"/>
+          <a:lstStyle>
+            <a:lvl1pPr algn="l">
+              <a:defRPr sz="1200"/>
+            </a:lvl1pPr>
+          </a:lstStyle>
+          <a:p>
+            <a:endParaRPr lang="de-DE"/>
+          </a:p>
+        </p:txBody>
+      </p:sp>
+      <p:sp>
+        <p:nvSpPr>
+          <p:cNvPr id="3" name="Datumsplatzhalter 2"/>
+          <p:cNvSpPr>
+            <a:spLocks noGrp="1"/>
+          </p:cNvSpPr>
+          <p:nvPr>
+            <p:ph type="dt" idx="1"/>
+          </p:nvPr>
+        </p:nvSpPr>
+        <p:spPr>
+          <a:xfrm>
+            <a:off x="3884613" y="0"/>
+            <a:ext cx="2971800" cy="458788"/>
+          </a:xfrm>
+          <a:prstGeom prst="rect">
+            <a:avLst/>
+          </a:prstGeom>
+        </p:spPr>
+        <p:txBody>
+          <a:bodyPr vert="horz" lIns="91440" tIns="45720" rIns="91440" bIns="45720" rtlCol="0"/>
+          <a:lstStyle>
+            <a:lvl1pPr algn="r">
+              <a:defRPr sz="1200"/>
+            </a:lvl1pPr>
+          </a:lstStyle>
+          <a:p>
+            <a:fld id="{188686AC-E74A-4848-A714-BC73357CEE95}" type="datetimeFigureOut">
+              <a:rPr lang="de-DE" smtClean="0"/>
+              <a:t>14.03.2023</a:t>
+            </a:fld>
+            <a:endParaRPr lang="de-DE"/>
+          </a:p>
+        </p:txBody>
+      </p:sp>
+      <p:sp>
+        <p:nvSpPr>
+          <p:cNvPr id="4" name="Folienbildplatzhalter 3"/>
+          <p:cNvSpPr>
+            <a:spLocks noGrp="1" noRot="1" noChangeAspect="1"/>
+          </p:cNvSpPr>
+          <p:nvPr>
+            <p:ph type="sldImg" idx="2"/>
+          </p:nvPr>
+        </p:nvSpPr>
+        <p:spPr>
+          <a:xfrm>
+            <a:off x="685800" y="1143000"/>
+            <a:ext cx="5486400" cy="3086100"/>
+          </a:xfrm>
+          <a:prstGeom prst="rect">
+            <a:avLst/>
+          </a:prstGeom>
+          <a:noFill/>
+          <a:ln w="12700">
+            <a:solidFill>
+              <a:prstClr val="black"/>
+            </a:solidFill>
+          </a:ln>
+        </p:spPr>
+        <p:txBody>
+          <a:bodyPr vert="horz" lIns="91440" tIns="45720" rIns="91440" bIns="45720" rtlCol="0" anchor="ctr"/>
+          <a:lstStyle/>
+          <a:p>
+            <a:endParaRPr lang="de-DE"/>
+          </a:p>
+        </p:txBody>
+      </p:sp>
+      <p:sp>
+        <p:nvSpPr>
+          <p:cNvPr id="5" name="Notizenplatzhalter 4"/>
+          <p:cNvSpPr>
+            <a:spLocks noGrp="1"/>
+          </p:cNvSpPr>
+          <p:nvPr>
+            <p:ph type="body" sz="quarter" idx="3"/>
+          </p:nvPr>
+        </p:nvSpPr>
+        <p:spPr>
+          <a:xfrm>
+            <a:off x="685800" y="4400550"/>
+            <a:ext cx="5486400" cy="3600450"/>
+          </a:xfrm>
+          <a:prstGeom prst="rect">
+            <a:avLst/>
+          </a:prstGeom>
+        </p:spPr>
+        <p:txBody>
+          <a:bodyPr vert="horz" lIns="91440" tIns="45720" rIns="91440" bIns="45720" rtlCol="0"/>
+          <a:lstStyle/>
+          <a:p>
+            <a:pPr lvl="0"/>
+            <a:r>
+              <a:rPr lang="de-DE"/>
+              <a:t>Mastertextformat bearbeiten</a:t>
+            </a:r>
+          </a:p>
+          <a:p>
+            <a:pPr lvl="1"/>
+            <a:r>
+              <a:rPr lang="de-DE"/>
+              <a:t>Zweite Ebene</a:t>
+            </a:r>
+          </a:p>
+          <a:p>
+            <a:pPr lvl="2"/>
+            <a:r>
+              <a:rPr lang="de-DE"/>
+              <a:t>Dritte Ebene</a:t>
+            </a:r>
+          </a:p>
+          <a:p>
+            <a:pPr lvl="3"/>
+            <a:r>
+              <a:rPr lang="de-DE"/>
+              <a:t>Vierte Ebene</a:t>
+            </a:r>
+          </a:p>
+          <a:p>
+            <a:pPr lvl="4"/>
+            <a:r>
+              <a:rPr lang="de-DE"/>
+              <a:t>Fünfte Ebene</a:t>
+            </a:r>
+          </a:p>
+        </p:txBody>
+      </p:sp>
+      <p:sp>
+        <p:nvSpPr>
+          <p:cNvPr id="6" name="Fußzeilenplatzhalter 5"/>
+          <p:cNvSpPr>
+            <a:spLocks noGrp="1"/>
+          </p:cNvSpPr>
+          <p:nvPr>
+            <p:ph type="ftr" sz="quarter" idx="4"/>
+          </p:nvPr>
+        </p:nvSpPr>
+        <p:spPr>
+          <a:xfrm>
+            <a:off x="0" y="8685213"/>
+            <a:ext cx="2971800" cy="458787"/>
+          </a:xfrm>
+          <a:prstGeom prst="rect">
+            <a:avLst/>
+          </a:prstGeom>
+        </p:spPr>
+        <p:txBody>
+          <a:bodyPr vert="horz" lIns="91440" tIns="45720" rIns="91440" bIns="45720" rtlCol="0" anchor="b"/>
+          <a:lstStyle>
+            <a:lvl1pPr algn="l">
+              <a:defRPr sz="1200"/>
+            </a:lvl1pPr>
+          </a:lstStyle>
+          <a:p>
+            <a:endParaRPr lang="de-DE"/>
+          </a:p>
+        </p:txBody>
+      </p:sp>
+      <p:sp>
+        <p:nvSpPr>
+          <p:cNvPr id="7" name="Foliennummernplatzhalter 6"/>
+          <p:cNvSpPr>
+            <a:spLocks noGrp="1"/>
+          </p:cNvSpPr>
+          <p:nvPr>
+            <p:ph type="sldNum" sz="quarter" idx="5"/>
+          </p:nvPr>
+        </p:nvSpPr>
+        <p:spPr>
+          <a:xfrm>
+            <a:off x="3884613" y="8685213"/>
+            <a:ext cx="2971800" cy="458787"/>
+          </a:xfrm>
+          <a:prstGeom prst="rect">
+            <a:avLst/>
+          </a:prstGeom>
+        </p:spPr>
+        <p:txBody>
+          <a:bodyPr vert="horz" lIns="91440" tIns="45720" rIns="91440" bIns="45720" rtlCol="0" anchor="b"/>
+          <a:lstStyle>
+            <a:lvl1pPr algn="r">
+              <a:defRPr sz="1200"/>
+            </a:lvl1pPr>
+          </a:lstStyle>
+          <a:p>
+            <a:fld id="{3889DB09-E88F-40FB-827E-A107C5B2B851}" type="slidenum">
+              <a:rPr lang="de-DE" smtClean="0"/>
+              <a:t>‹Nr.›</a:t>
+            </a:fld>
+            <a:endParaRPr lang="de-DE"/>
+          </a:p>
+        </p:txBody>
+      </p:sp>
+    </p:spTree>
+    <p:extLst>
+      <p:ext uri="{BB962C8B-B14F-4D97-AF65-F5344CB8AC3E}">
+        <p14:creationId xmlns:p14="http://schemas.microsoft.com/office/powerpoint/2010/main" val="326619543"/>
+      </p:ext>
+    </p:extLst>
+  </p:cSld>
+  <p:clrMap bg1="lt1" tx1="dk1" bg2="lt2" tx2="dk2" accent1="accent1" accent2="accent2" accent3="accent3" accent4="accent4" accent5="accent5" accent6="accent6" hlink="hlink" folHlink="folHlink"/>
+  <p:notesStyle>
+    <a:lvl1pPr marL="0" algn="l" defTabSz="914400" rtl="0" eaLnBrk="1" latinLnBrk="0" hangingPunct="1">
+      <a:defRPr sz="1200" kern="1200">
+        <a:solidFill>
+          <a:schemeClr val="tx1"/>
+        </a:solidFill>
+        <a:latin typeface="+mn-lt"/>
+        <a:ea typeface="+mn-ea"/>
+        <a:cs typeface="+mn-cs"/>
+      </a:defRPr>
+    </a:lvl1pPr>
+    <a:lvl2pPr marL="457200" algn="l" defTabSz="914400" rtl="0" eaLnBrk="1" latinLnBrk="0" hangingPunct="1">
+      <a:defRPr sz="1200" kern="1200">
+        <a:solidFill>
+          <a:schemeClr val="tx1"/>
+        </a:solidFill>
+        <a:latin typeface="+mn-lt"/>
+        <a:ea typeface="+mn-ea"/>
+        <a:cs typeface="+mn-cs"/>
+      </a:defRPr>
+    </a:lvl2pPr>
+    <a:lvl3pPr marL="914400" algn="l" defTabSz="914400" rtl="0" eaLnBrk="1" latinLnBrk="0" hangingPunct="1">
+      <a:defRPr sz="1200" kern="1200">
+        <a:solidFill>
+          <a:schemeClr val="tx1"/>
+        </a:solidFill>
+        <a:latin typeface="+mn-lt"/>
+        <a:ea typeface="+mn-ea"/>
+        <a:cs typeface="+mn-cs"/>
+      </a:defRPr>
+    </a:lvl3pPr>
+    <a:lvl4pPr marL="1371600" algn="l" defTabSz="914400" rtl="0" eaLnBrk="1" latinLnBrk="0" hangingPunct="1">
+      <a:defRPr sz="1200" kern="1200">
+        <a:solidFill>
+          <a:schemeClr val="tx1"/>
+        </a:solidFill>
+        <a:latin typeface="+mn-lt"/>
+        <a:ea typeface="+mn-ea"/>
+        <a:cs typeface="+mn-cs"/>
+      </a:defRPr>
+    </a:lvl4pPr>
+    <a:lvl5pPr marL="1828800" algn="l" defTabSz="914400" rtl="0" eaLnBrk="1" latinLnBrk="0" hangingPunct="1">
+      <a:defRPr sz="1200" kern="1200">
+        <a:solidFill>
+          <a:schemeClr val="tx1"/>
+        </a:solidFill>
+        <a:latin typeface="+mn-lt"/>
+        <a:ea typeface="+mn-ea"/>
+        <a:cs typeface="+mn-cs"/>
+      </a:defRPr>
+    </a:lvl5pPr>
+    <a:lvl6pPr marL="2286000" algn="l" defTabSz="914400" rtl="0" eaLnBrk="1" latinLnBrk="0" hangingPunct="1">
+      <a:defRPr sz="1200" kern="1200">
+        <a:solidFill>
+          <a:schemeClr val="tx1"/>
+        </a:solidFill>
+        <a:latin typeface="+mn-lt"/>
+        <a:ea typeface="+mn-ea"/>
+        <a:cs typeface="+mn-cs"/>
+      </a:defRPr>
+    </a:lvl6pPr>
+    <a:lvl7pPr marL="2743200" algn="l" defTabSz="914400" rtl="0" eaLnBrk="1" latinLnBrk="0" hangingPunct="1">
+      <a:defRPr sz="1200" kern="1200">
+        <a:solidFill>
+          <a:schemeClr val="tx1"/>
+        </a:solidFill>
+        <a:latin typeface="+mn-lt"/>
+        <a:ea typeface="+mn-ea"/>
+        <a:cs typeface="+mn-cs"/>
+      </a:defRPr>
+    </a:lvl7pPr>
+    <a:lvl8pPr marL="3200400" algn="l" defTabSz="914400" rtl="0" eaLnBrk="1" latinLnBrk="0" hangingPunct="1">
+      <a:defRPr sz="1200" kern="1200">
+        <a:solidFill>
+          <a:schemeClr val="tx1"/>
+        </a:solidFill>
+        <a:latin typeface="+mn-lt"/>
+        <a:ea typeface="+mn-ea"/>
+        <a:cs typeface="+mn-cs"/>
+      </a:defRPr>
+    </a:lvl8pPr>
+    <a:lvl9pPr marL="3657600" algn="l" defTabSz="914400" rtl="0" eaLnBrk="1" latinLnBrk="0" hangingPunct="1">
+      <a:defRPr sz="1200" kern="1200">
+        <a:solidFill>
+          <a:schemeClr val="tx1"/>
+        </a:solidFill>
+        <a:latin typeface="+mn-lt"/>
+        <a:ea typeface="+mn-ea"/>
+        <a:cs typeface="+mn-cs"/>
+      </a:defRPr>
+    </a:lvl9pPr>
+  </p:notesStyle>
+</p:notesMaster>
 </file>
 
 <file path=ppt/slideLayouts/slideLayout1.xml><?xml version="1.0" encoding="utf-8"?>
@@ -213,7 +513,7 @@
       </p:grpSpPr>
       <p:grpSp>
         <p:nvGrpSpPr>
-          <p:cNvPr id="7" name="Group 6"/>
+          <p:cNvPr id="16" name="Group 15"/>
           <p:cNvGrpSpPr/>
           <p:nvPr/>
         </p:nvGrpSpPr>
@@ -227,7 +527,7 @@
         </p:grpSpPr>
         <p:cxnSp>
           <p:nvCxnSpPr>
-            <p:cNvPr id="32" name="Straight Connector 31"/>
+            <p:cNvPr id="19" name="Straight Connector 18"/>
             <p:cNvCxnSpPr/>
             <p:nvPr/>
           </p:nvCxnSpPr>
@@ -241,8 +541,8 @@
             </a:prstGeom>
             <a:ln w="9525">
               <a:solidFill>
-                <a:schemeClr val="bg1">
-                  <a:lumMod val="75000"/>
+                <a:schemeClr val="accent1">
+                  <a:alpha val="70000"/>
                 </a:schemeClr>
               </a:solidFill>
             </a:ln>
@@ -264,7 +564,7 @@
         </p:cxnSp>
         <p:cxnSp>
           <p:nvCxnSpPr>
-            <p:cNvPr id="21" name="Straight Connector 20"/>
+            <p:cNvPr id="20" name="Straight Connector 19"/>
             <p:cNvCxnSpPr/>
             <p:nvPr/>
           </p:nvCxnSpPr>
@@ -278,8 +578,8 @@
             </a:prstGeom>
             <a:ln w="9525">
               <a:solidFill>
-                <a:schemeClr val="bg1">
-                  <a:lumMod val="85000"/>
+                <a:schemeClr val="accent1">
+                  <a:alpha val="70000"/>
                 </a:schemeClr>
               </a:solidFill>
             </a:ln>
@@ -301,7 +601,7 @@
         </p:cxnSp>
         <p:sp>
           <p:nvSpPr>
-            <p:cNvPr id="24" name="Rectangle 23"/>
+            <p:cNvPr id="21" name="Rectangle 23"/>
             <p:cNvSpPr/>
             <p:nvPr/>
           </p:nvSpPr>
@@ -339,7 +639,7 @@
             </a:custGeom>
             <a:solidFill>
               <a:schemeClr val="accent1">
-                <a:alpha val="30000"/>
+                <a:alpha val="36000"/>
               </a:schemeClr>
             </a:solidFill>
             <a:ln>
@@ -364,7 +664,7 @@
         </p:sp>
         <p:sp>
           <p:nvSpPr>
-            <p:cNvPr id="26" name="Rectangle 25"/>
+            <p:cNvPr id="22" name="Rectangle 25"/>
             <p:cNvSpPr/>
             <p:nvPr/>
           </p:nvSpPr>
@@ -427,7 +727,7 @@
         </p:sp>
         <p:sp>
           <p:nvSpPr>
-            <p:cNvPr id="27" name="Isosceles Triangle 26"/>
+            <p:cNvPr id="23" name="Isosceles Triangle 22"/>
             <p:cNvSpPr/>
             <p:nvPr/>
           </p:nvSpPr>
@@ -442,7 +742,7 @@
               </a:avLst>
             </a:prstGeom>
             <a:solidFill>
-              <a:schemeClr val="accent2">
+              <a:schemeClr val="accent1">
                 <a:alpha val="72000"/>
               </a:schemeClr>
             </a:solidFill>
@@ -468,7 +768,7 @@
         </p:sp>
         <p:sp>
           <p:nvSpPr>
-            <p:cNvPr id="28" name="Rectangle 27"/>
+            <p:cNvPr id="24" name="Rectangle 27"/>
             <p:cNvSpPr/>
             <p:nvPr/>
           </p:nvSpPr>
@@ -505,9 +805,9 @@
               </a:pathLst>
             </a:custGeom>
             <a:solidFill>
-              <a:schemeClr val="accent2">
+              <a:schemeClr val="accent1">
                 <a:lumMod val="75000"/>
-                <a:alpha val="70000"/>
+                <a:alpha val="50000"/>
               </a:schemeClr>
             </a:solidFill>
             <a:ln>
@@ -532,7 +832,7 @@
         </p:sp>
         <p:sp>
           <p:nvSpPr>
-            <p:cNvPr id="29" name="Rectangle 28"/>
+            <p:cNvPr id="25" name="Rectangle 28"/>
             <p:cNvSpPr/>
             <p:nvPr/>
           </p:nvSpPr>
@@ -570,8 +870,7 @@
             </a:custGeom>
             <a:solidFill>
               <a:schemeClr val="accent1">
-                <a:lumMod val="60000"/>
-                <a:lumOff val="40000"/>
+                <a:lumMod val="75000"/>
                 <a:alpha val="70000"/>
               </a:schemeClr>
             </a:solidFill>
@@ -597,7 +896,7 @@
         </p:sp>
         <p:sp>
           <p:nvSpPr>
-            <p:cNvPr id="30" name="Rectangle 29"/>
+            <p:cNvPr id="26" name="Rectangle 29"/>
             <p:cNvSpPr/>
             <p:nvPr/>
           </p:nvSpPr>
@@ -635,47 +934,7 @@
             </a:custGeom>
             <a:solidFill>
               <a:schemeClr val="accent1">
-                <a:alpha val="65000"/>
-              </a:schemeClr>
-            </a:solidFill>
-            <a:ln>
-              <a:noFill/>
-            </a:ln>
-            <a:effectLst/>
-          </p:spPr>
-          <p:style>
-            <a:lnRef idx="1">
-              <a:schemeClr val="accent1"/>
-            </a:lnRef>
-            <a:fillRef idx="3">
-              <a:schemeClr val="accent1"/>
-            </a:fillRef>
-            <a:effectRef idx="2">
-              <a:schemeClr val="accent1"/>
-            </a:effectRef>
-            <a:fontRef idx="minor">
-              <a:schemeClr val="lt1"/>
-            </a:fontRef>
-          </p:style>
-        </p:sp>
-        <p:sp>
-          <p:nvSpPr>
-            <p:cNvPr id="31" name="Isosceles Triangle 30"/>
-            <p:cNvSpPr/>
-            <p:nvPr/>
-          </p:nvSpPr>
-          <p:spPr>
-            <a:xfrm>
-              <a:off x="10371666" y="3589867"/>
-              <a:ext cx="1817159" cy="3268133"/>
-            </a:xfrm>
-            <a:prstGeom prst="triangle">
-              <a:avLst>
-                <a:gd name="adj" fmla="val 100000"/>
-              </a:avLst>
-            </a:prstGeom>
-            <a:solidFill>
-              <a:schemeClr val="accent1">
+                <a:lumMod val="50000"/>
                 <a:alpha val="80000"/>
               </a:schemeClr>
             </a:solidFill>
@@ -701,7 +960,49 @@
         </p:sp>
         <p:sp>
           <p:nvSpPr>
-            <p:cNvPr id="19" name="Isosceles Triangle 18"/>
+            <p:cNvPr id="27" name="Isosceles Triangle 26"/>
+            <p:cNvSpPr/>
+            <p:nvPr/>
+          </p:nvSpPr>
+          <p:spPr>
+            <a:xfrm>
+              <a:off x="10371666" y="3589867"/>
+              <a:ext cx="1817159" cy="3268133"/>
+            </a:xfrm>
+            <a:prstGeom prst="triangle">
+              <a:avLst>
+                <a:gd name="adj" fmla="val 100000"/>
+              </a:avLst>
+            </a:prstGeom>
+            <a:solidFill>
+              <a:schemeClr val="accent1">
+                <a:lumMod val="50000"/>
+                <a:alpha val="66000"/>
+              </a:schemeClr>
+            </a:solidFill>
+            <a:ln>
+              <a:noFill/>
+            </a:ln>
+            <a:effectLst/>
+          </p:spPr>
+          <p:style>
+            <a:lnRef idx="1">
+              <a:schemeClr val="accent1"/>
+            </a:lnRef>
+            <a:fillRef idx="3">
+              <a:schemeClr val="accent1"/>
+            </a:fillRef>
+            <a:effectRef idx="2">
+              <a:schemeClr val="accent1"/>
+            </a:effectRef>
+            <a:fontRef idx="minor">
+              <a:schemeClr val="lt1"/>
+            </a:fontRef>
+          </p:style>
+        </p:sp>
+        <p:sp>
+          <p:nvSpPr>
+            <p:cNvPr id="29" name="Isosceles Triangle 28"/>
             <p:cNvSpPr/>
             <p:nvPr/>
           </p:nvSpPr>
@@ -717,7 +1018,8 @@
             </a:prstGeom>
             <a:solidFill>
               <a:schemeClr val="accent1">
-                <a:alpha val="85000"/>
+                <a:lumMod val="75000"/>
+                <a:alpha val="70000"/>
               </a:schemeClr>
             </a:solidFill>
             <a:ln>
@@ -765,7 +1067,9 @@
             <a:lvl1pPr algn="r">
               <a:defRPr sz="5400">
                 <a:solidFill>
-                  <a:schemeClr val="accent1"/>
+                  <a:schemeClr val="accent1">
+                    <a:lumMod val="75000"/>
+                  </a:schemeClr>
                 </a:solidFill>
               </a:defRPr>
             </a:lvl1pPr>
@@ -914,11 +1218,11 @@
           <a:bodyPr/>
           <a:lstStyle/>
           <a:p>
-            <a:fld id="{B33540D6-8D56-4FBC-8FFB-6FDC6448F6FA}" type="datetimeFigureOut">
-              <a:rPr lang="de-DE" smtClean="0"/>
-              <a:t>14.03.2023</a:t>
+            <a:fld id="{2957C8C4-7C1F-48CA-A240-D423CA867B14}" type="datetime1">
+              <a:rPr lang="en-US" smtClean="0"/>
+              <a:t>3/14/2023</a:t>
             </a:fld>
-            <a:endParaRPr lang="de-DE"/>
+            <a:endParaRPr lang="en-US" dirty="0"/>
           </a:p>
         </p:txBody>
       </p:sp>
@@ -937,7 +1241,11 @@
           <a:bodyPr/>
           <a:lstStyle/>
           <a:p>
-            <a:endParaRPr lang="de-DE"/>
+            <a:r>
+              <a:rPr lang="en-US"/>
+              <a:t>Tobias Schilling, Daniel Balla, Marcus Unglert</a:t>
+            </a:r>
+            <a:endParaRPr lang="en-US" dirty="0"/>
           </a:p>
         </p:txBody>
       </p:sp>
@@ -956,20 +1264,16 @@
           <a:bodyPr/>
           <a:lstStyle/>
           <a:p>
-            <a:fld id="{43309969-CDF9-4CE5-A4FA-ADC4B97BD048}" type="slidenum">
-              <a:rPr lang="de-DE" smtClean="0"/>
+            <a:fld id="{D57F1E4F-1CFF-5643-939E-217C01CDF565}" type="slidenum">
+              <a:rPr lang="en-US" dirty="0"/>
+              <a:pPr/>
               <a:t>‹Nr.›</a:t>
             </a:fld>
-            <a:endParaRPr lang="de-DE"/>
+            <a:endParaRPr lang="en-US" dirty="0"/>
           </a:p>
         </p:txBody>
       </p:sp>
     </p:spTree>
-    <p:extLst>
-      <p:ext uri="{BB962C8B-B14F-4D97-AF65-F5344CB8AC3E}">
-        <p14:creationId xmlns:p14="http://schemas.microsoft.com/office/powerpoint/2010/main" val="1021372386"/>
-      </p:ext>
-    </p:extLst>
   </p:cSld>
   <p:clrMapOvr>
     <a:masterClrMapping/>
@@ -1165,11 +1469,11 @@
           <a:bodyPr/>
           <a:lstStyle/>
           <a:p>
-            <a:fld id="{B33540D6-8D56-4FBC-8FFB-6FDC6448F6FA}" type="datetimeFigureOut">
-              <a:rPr lang="de-DE" smtClean="0"/>
-              <a:t>14.03.2023</a:t>
+            <a:fld id="{44155560-F366-491A-A778-F4DFFBDA5E16}" type="datetime1">
+              <a:rPr lang="en-US" smtClean="0"/>
+              <a:t>3/14/2023</a:t>
             </a:fld>
-            <a:endParaRPr lang="de-DE"/>
+            <a:endParaRPr lang="en-US" dirty="0"/>
           </a:p>
         </p:txBody>
       </p:sp>
@@ -1188,7 +1492,11 @@
           <a:bodyPr/>
           <a:lstStyle/>
           <a:p>
-            <a:endParaRPr lang="de-DE"/>
+            <a:r>
+              <a:rPr lang="en-US"/>
+              <a:t>Tobias Schilling, Daniel Balla, Marcus Unglert</a:t>
+            </a:r>
+            <a:endParaRPr lang="en-US" dirty="0"/>
           </a:p>
         </p:txBody>
       </p:sp>
@@ -1207,20 +1515,16 @@
           <a:bodyPr/>
           <a:lstStyle/>
           <a:p>
-            <a:fld id="{43309969-CDF9-4CE5-A4FA-ADC4B97BD048}" type="slidenum">
-              <a:rPr lang="de-DE" smtClean="0"/>
+            <a:fld id="{D57F1E4F-1CFF-5643-939E-217C01CDF565}" type="slidenum">
+              <a:rPr lang="en-US" dirty="0"/>
+              <a:pPr/>
               <a:t>‹Nr.›</a:t>
             </a:fld>
-            <a:endParaRPr lang="de-DE"/>
+            <a:endParaRPr lang="en-US" dirty="0"/>
           </a:p>
         </p:txBody>
       </p:sp>
     </p:spTree>
-    <p:extLst>
-      <p:ext uri="{BB962C8B-B14F-4D97-AF65-F5344CB8AC3E}">
-        <p14:creationId xmlns:p14="http://schemas.microsoft.com/office/powerpoint/2010/main" val="3514668390"/>
-      </p:ext>
-    </p:extLst>
   </p:cSld>
   <p:clrMapOvr>
     <a:masterClrMapping/>
@@ -1479,11 +1783,11 @@
           <a:bodyPr/>
           <a:lstStyle/>
           <a:p>
-            <a:fld id="{B33540D6-8D56-4FBC-8FFB-6FDC6448F6FA}" type="datetimeFigureOut">
-              <a:rPr lang="de-DE" smtClean="0"/>
-              <a:t>14.03.2023</a:t>
+            <a:fld id="{5BCF9B51-A58F-48A3-A6D9-1EF36C816674}" type="datetime1">
+              <a:rPr lang="en-US" smtClean="0"/>
+              <a:t>3/14/2023</a:t>
             </a:fld>
-            <a:endParaRPr lang="de-DE"/>
+            <a:endParaRPr lang="en-US" dirty="0"/>
           </a:p>
         </p:txBody>
       </p:sp>
@@ -1502,7 +1806,11 @@
           <a:bodyPr/>
           <a:lstStyle/>
           <a:p>
-            <a:endParaRPr lang="de-DE"/>
+            <a:r>
+              <a:rPr lang="en-US"/>
+              <a:t>Tobias Schilling, Daniel Balla, Marcus Unglert</a:t>
+            </a:r>
+            <a:endParaRPr lang="en-US" dirty="0"/>
           </a:p>
         </p:txBody>
       </p:sp>
@@ -1521,17 +1829,18 @@
           <a:bodyPr/>
           <a:lstStyle/>
           <a:p>
-            <a:fld id="{43309969-CDF9-4CE5-A4FA-ADC4B97BD048}" type="slidenum">
-              <a:rPr lang="de-DE" smtClean="0"/>
+            <a:fld id="{D57F1E4F-1CFF-5643-939E-217C01CDF565}" type="slidenum">
+              <a:rPr lang="en-US" dirty="0"/>
+              <a:pPr/>
               <a:t>‹Nr.›</a:t>
             </a:fld>
-            <a:endParaRPr lang="de-DE"/>
-          </a:p>
-        </p:txBody>
-      </p:sp>
-      <p:sp>
-        <p:nvSpPr>
-          <p:cNvPr id="20" name="TextBox 19"/>
+            <a:endParaRPr lang="en-US" dirty="0"/>
+          </a:p>
+        </p:txBody>
+      </p:sp>
+      <p:sp>
+        <p:nvSpPr>
+          <p:cNvPr id="24" name="TextBox 23"/>
           <p:cNvSpPr txBox="1"/>
           <p:nvPr/>
         </p:nvSpPr>
@@ -1557,10 +1866,7 @@
                   <a:noFill/>
                 </a:ln>
                 <a:solidFill>
-                  <a:schemeClr val="accent1">
-                    <a:lumMod val="60000"/>
-                    <a:lumOff val="40000"/>
-                  </a:schemeClr>
+                  <a:schemeClr val="accent1"/>
                 </a:solidFill>
                 <a:effectLst/>
                 <a:latin typeface="Arial"/>
@@ -1572,7 +1878,7 @@
       </p:sp>
       <p:sp>
         <p:nvSpPr>
-          <p:cNvPr id="22" name="TextBox 21"/>
+          <p:cNvPr id="25" name="TextBox 24"/>
           <p:cNvSpPr txBox="1"/>
           <p:nvPr/>
         </p:nvSpPr>
@@ -1598,33 +1904,17 @@
                   <a:noFill/>
                 </a:ln>
                 <a:solidFill>
-                  <a:schemeClr val="accent1">
-                    <a:lumMod val="60000"/>
-                    <a:lumOff val="40000"/>
-                  </a:schemeClr>
+                  <a:schemeClr val="accent1"/>
                 </a:solidFill>
+                <a:effectLst/>
                 <a:latin typeface="Arial"/>
               </a:rPr>
               <a:t>”</a:t>
             </a:r>
-            <a:endParaRPr lang="en-US" dirty="0">
-              <a:solidFill>
-                <a:schemeClr val="accent1">
-                  <a:lumMod val="60000"/>
-                  <a:lumOff val="40000"/>
-                </a:schemeClr>
-              </a:solidFill>
-              <a:latin typeface="Arial"/>
-            </a:endParaRPr>
           </a:p>
         </p:txBody>
       </p:sp>
     </p:spTree>
-    <p:extLst>
-      <p:ext uri="{BB962C8B-B14F-4D97-AF65-F5344CB8AC3E}">
-        <p14:creationId xmlns:p14="http://schemas.microsoft.com/office/powerpoint/2010/main" val="832724838"/>
-      </p:ext>
-    </p:extLst>
   </p:cSld>
   <p:clrMapOvr>
     <a:masterClrMapping/>
@@ -1820,11 +2110,11 @@
           <a:bodyPr/>
           <a:lstStyle/>
           <a:p>
-            <a:fld id="{B33540D6-8D56-4FBC-8FFB-6FDC6448F6FA}" type="datetimeFigureOut">
-              <a:rPr lang="de-DE" smtClean="0"/>
-              <a:t>14.03.2023</a:t>
+            <a:fld id="{F489A2FA-B6B6-40B4-B72C-DFA05044A9AD}" type="datetime1">
+              <a:rPr lang="en-US" smtClean="0"/>
+              <a:t>3/14/2023</a:t>
             </a:fld>
-            <a:endParaRPr lang="de-DE"/>
+            <a:endParaRPr lang="en-US" dirty="0"/>
           </a:p>
         </p:txBody>
       </p:sp>
@@ -1843,7 +2133,11 @@
           <a:bodyPr/>
           <a:lstStyle/>
           <a:p>
-            <a:endParaRPr lang="de-DE"/>
+            <a:r>
+              <a:rPr lang="en-US"/>
+              <a:t>Tobias Schilling, Daniel Balla, Marcus Unglert</a:t>
+            </a:r>
+            <a:endParaRPr lang="en-US" dirty="0"/>
           </a:p>
         </p:txBody>
       </p:sp>
@@ -1862,20 +2156,16 @@
           <a:bodyPr/>
           <a:lstStyle/>
           <a:p>
-            <a:fld id="{43309969-CDF9-4CE5-A4FA-ADC4B97BD048}" type="slidenum">
-              <a:rPr lang="de-DE" smtClean="0"/>
+            <a:fld id="{D57F1E4F-1CFF-5643-939E-217C01CDF565}" type="slidenum">
+              <a:rPr lang="en-US" dirty="0"/>
+              <a:pPr/>
               <a:t>‹Nr.›</a:t>
             </a:fld>
-            <a:endParaRPr lang="de-DE"/>
+            <a:endParaRPr lang="en-US" dirty="0"/>
           </a:p>
         </p:txBody>
       </p:sp>
     </p:spTree>
-    <p:extLst>
-      <p:ext uri="{BB962C8B-B14F-4D97-AF65-F5344CB8AC3E}">
-        <p14:creationId xmlns:p14="http://schemas.microsoft.com/office/powerpoint/2010/main" val="2072018336"/>
-      </p:ext>
-    </p:extLst>
   </p:cSld>
   <p:clrMapOvr>
     <a:masterClrMapping/>
@@ -2134,11 +2424,11 @@
           <a:bodyPr/>
           <a:lstStyle/>
           <a:p>
-            <a:fld id="{B33540D6-8D56-4FBC-8FFB-6FDC6448F6FA}" type="datetimeFigureOut">
-              <a:rPr lang="de-DE" smtClean="0"/>
-              <a:t>14.03.2023</a:t>
+            <a:fld id="{D0E3991C-8C57-498B-86EB-BEDB73C77BB0}" type="datetime1">
+              <a:rPr lang="en-US" smtClean="0"/>
+              <a:t>3/14/2023</a:t>
             </a:fld>
-            <a:endParaRPr lang="de-DE"/>
+            <a:endParaRPr lang="en-US" dirty="0"/>
           </a:p>
         </p:txBody>
       </p:sp>
@@ -2157,7 +2447,11 @@
           <a:bodyPr/>
           <a:lstStyle/>
           <a:p>
-            <a:endParaRPr lang="de-DE"/>
+            <a:r>
+              <a:rPr lang="en-US"/>
+              <a:t>Tobias Schilling, Daniel Balla, Marcus Unglert</a:t>
+            </a:r>
+            <a:endParaRPr lang="en-US" dirty="0"/>
           </a:p>
         </p:txBody>
       </p:sp>
@@ -2176,11 +2470,12 @@
           <a:bodyPr/>
           <a:lstStyle/>
           <a:p>
-            <a:fld id="{43309969-CDF9-4CE5-A4FA-ADC4B97BD048}" type="slidenum">
-              <a:rPr lang="de-DE" smtClean="0"/>
+            <a:fld id="{D57F1E4F-1CFF-5643-939E-217C01CDF565}" type="slidenum">
+              <a:rPr lang="en-US" dirty="0"/>
+              <a:pPr/>
               <a:t>‹Nr.›</a:t>
             </a:fld>
-            <a:endParaRPr lang="de-DE"/>
+            <a:endParaRPr lang="en-US" dirty="0"/>
           </a:p>
         </p:txBody>
       </p:sp>
@@ -2212,10 +2507,7 @@
                   <a:noFill/>
                 </a:ln>
                 <a:solidFill>
-                  <a:schemeClr val="accent1">
-                    <a:lumMod val="60000"/>
-                    <a:lumOff val="40000"/>
-                  </a:schemeClr>
+                  <a:schemeClr val="accent1"/>
                 </a:solidFill>
                 <a:effectLst/>
                 <a:latin typeface="Arial"/>
@@ -2253,10 +2545,7 @@
                   <a:noFill/>
                 </a:ln>
                 <a:solidFill>
-                  <a:schemeClr val="accent1">
-                    <a:lumMod val="60000"/>
-                    <a:lumOff val="40000"/>
-                  </a:schemeClr>
+                  <a:schemeClr val="accent1"/>
                 </a:solidFill>
                 <a:effectLst/>
                 <a:latin typeface="Arial"/>
@@ -2267,11 +2556,6 @@
         </p:txBody>
       </p:sp>
     </p:spTree>
-    <p:extLst>
-      <p:ext uri="{BB962C8B-B14F-4D97-AF65-F5344CB8AC3E}">
-        <p14:creationId xmlns:p14="http://schemas.microsoft.com/office/powerpoint/2010/main" val="425054370"/>
-      </p:ext>
-    </p:extLst>
   </p:cSld>
   <p:clrMapOvr>
     <a:masterClrMapping/>
@@ -2527,11 +2811,11 @@
           <a:bodyPr/>
           <a:lstStyle/>
           <a:p>
-            <a:fld id="{B33540D6-8D56-4FBC-8FFB-6FDC6448F6FA}" type="datetimeFigureOut">
-              <a:rPr lang="de-DE" smtClean="0"/>
-              <a:t>14.03.2023</a:t>
+            <a:fld id="{08986AAF-13D4-40C8-823A-7FD7DF9BF24D}" type="datetime1">
+              <a:rPr lang="en-US" smtClean="0"/>
+              <a:t>3/14/2023</a:t>
             </a:fld>
-            <a:endParaRPr lang="de-DE"/>
+            <a:endParaRPr lang="en-US" dirty="0"/>
           </a:p>
         </p:txBody>
       </p:sp>
@@ -2550,7 +2834,11 @@
           <a:bodyPr/>
           <a:lstStyle/>
           <a:p>
-            <a:endParaRPr lang="de-DE"/>
+            <a:r>
+              <a:rPr lang="en-US"/>
+              <a:t>Tobias Schilling, Daniel Balla, Marcus Unglert</a:t>
+            </a:r>
+            <a:endParaRPr lang="en-US" dirty="0"/>
           </a:p>
         </p:txBody>
       </p:sp>
@@ -2569,20 +2857,16 @@
           <a:bodyPr/>
           <a:lstStyle/>
           <a:p>
-            <a:fld id="{43309969-CDF9-4CE5-A4FA-ADC4B97BD048}" type="slidenum">
-              <a:rPr lang="de-DE" smtClean="0"/>
+            <a:fld id="{D57F1E4F-1CFF-5643-939E-217C01CDF565}" type="slidenum">
+              <a:rPr lang="en-US" dirty="0"/>
+              <a:pPr/>
               <a:t>‹Nr.›</a:t>
             </a:fld>
-            <a:endParaRPr lang="de-DE"/>
+            <a:endParaRPr lang="en-US" dirty="0"/>
           </a:p>
         </p:txBody>
       </p:sp>
     </p:spTree>
-    <p:extLst>
-      <p:ext uri="{BB962C8B-B14F-4D97-AF65-F5344CB8AC3E}">
-        <p14:creationId xmlns:p14="http://schemas.microsoft.com/office/powerpoint/2010/main" val="3611853890"/>
-      </p:ext>
-    </p:extLst>
   </p:cSld>
   <p:clrMapOvr>
     <a:masterClrMapping/>
@@ -2697,11 +2981,11 @@
           <a:bodyPr/>
           <a:lstStyle/>
           <a:p>
-            <a:fld id="{B33540D6-8D56-4FBC-8FFB-6FDC6448F6FA}" type="datetimeFigureOut">
-              <a:rPr lang="de-DE" smtClean="0"/>
-              <a:t>14.03.2023</a:t>
+            <a:fld id="{A13B8F0A-AD57-4CB6-8764-4F0DA7B84BEC}" type="datetime1">
+              <a:rPr lang="en-US" smtClean="0"/>
+              <a:t>3/14/2023</a:t>
             </a:fld>
-            <a:endParaRPr lang="de-DE"/>
+            <a:endParaRPr lang="en-US" dirty="0"/>
           </a:p>
         </p:txBody>
       </p:sp>
@@ -2720,7 +3004,11 @@
           <a:bodyPr/>
           <a:lstStyle/>
           <a:p>
-            <a:endParaRPr lang="de-DE"/>
+            <a:r>
+              <a:rPr lang="en-US"/>
+              <a:t>Tobias Schilling, Daniel Balla, Marcus Unglert</a:t>
+            </a:r>
+            <a:endParaRPr lang="en-US" dirty="0"/>
           </a:p>
         </p:txBody>
       </p:sp>
@@ -2739,20 +3027,15 @@
           <a:bodyPr/>
           <a:lstStyle/>
           <a:p>
-            <a:fld id="{43309969-CDF9-4CE5-A4FA-ADC4B97BD048}" type="slidenum">
-              <a:rPr lang="de-DE" smtClean="0"/>
+            <a:fld id="{89333C77-0158-454C-844F-B7AB9BD7DAD4}" type="slidenum">
+              <a:rPr lang="en-US" dirty="0"/>
               <a:t>‹Nr.›</a:t>
             </a:fld>
-            <a:endParaRPr lang="de-DE"/>
+            <a:endParaRPr lang="en-US" dirty="0"/>
           </a:p>
         </p:txBody>
       </p:sp>
     </p:spTree>
-    <p:extLst>
-      <p:ext uri="{BB962C8B-B14F-4D97-AF65-F5344CB8AC3E}">
-        <p14:creationId xmlns:p14="http://schemas.microsoft.com/office/powerpoint/2010/main" val="2846251127"/>
-      </p:ext>
-    </p:extLst>
   </p:cSld>
   <p:clrMapOvr>
     <a:masterClrMapping/>
@@ -2877,11 +3160,11 @@
           <a:bodyPr/>
           <a:lstStyle/>
           <a:p>
-            <a:fld id="{B33540D6-8D56-4FBC-8FFB-6FDC6448F6FA}" type="datetimeFigureOut">
-              <a:rPr lang="de-DE" smtClean="0"/>
-              <a:t>14.03.2023</a:t>
+            <a:fld id="{F7E480D1-A83C-4D2C-BA9A-F79C997F365E}" type="datetime1">
+              <a:rPr lang="en-US" smtClean="0"/>
+              <a:t>3/14/2023</a:t>
             </a:fld>
-            <a:endParaRPr lang="de-DE"/>
+            <a:endParaRPr lang="en-US" dirty="0"/>
           </a:p>
         </p:txBody>
       </p:sp>
@@ -2900,7 +3183,11 @@
           <a:bodyPr/>
           <a:lstStyle/>
           <a:p>
-            <a:endParaRPr lang="de-DE"/>
+            <a:r>
+              <a:rPr lang="en-US"/>
+              <a:t>Tobias Schilling, Daniel Balla, Marcus Unglert</a:t>
+            </a:r>
+            <a:endParaRPr lang="en-US" dirty="0"/>
           </a:p>
         </p:txBody>
       </p:sp>
@@ -2919,20 +3206,16 @@
           <a:bodyPr/>
           <a:lstStyle/>
           <a:p>
-            <a:fld id="{43309969-CDF9-4CE5-A4FA-ADC4B97BD048}" type="slidenum">
-              <a:rPr lang="de-DE" smtClean="0"/>
+            <a:fld id="{D57F1E4F-1CFF-5643-939E-217C01CDF565}" type="slidenum">
+              <a:rPr lang="en-US" dirty="0"/>
+              <a:pPr/>
               <a:t>‹Nr.›</a:t>
             </a:fld>
-            <a:endParaRPr lang="de-DE"/>
+            <a:endParaRPr lang="en-US" dirty="0"/>
           </a:p>
         </p:txBody>
       </p:sp>
     </p:spTree>
-    <p:extLst>
-      <p:ext uri="{BB962C8B-B14F-4D97-AF65-F5344CB8AC3E}">
-        <p14:creationId xmlns:p14="http://schemas.microsoft.com/office/powerpoint/2010/main" val="2839886666"/>
-      </p:ext>
-    </p:extLst>
   </p:cSld>
   <p:clrMapOvr>
     <a:masterClrMapping/>
@@ -2969,14 +3252,8 @@
         </p:nvSpPr>
         <p:spPr/>
         <p:txBody>
-          <a:bodyPr>
-            <a:normAutofit/>
-          </a:bodyPr>
-          <a:lstStyle>
-            <a:lvl1pPr>
-              <a:defRPr sz="3600"/>
-            </a:lvl1pPr>
-          </a:lstStyle>
+          <a:bodyPr/>
+          <a:lstStyle/>
           <a:p>
             <a:r>
               <a:rPr lang="de-DE"/>
@@ -3053,11 +3330,11 @@
           <a:bodyPr/>
           <a:lstStyle/>
           <a:p>
-            <a:fld id="{B33540D6-8D56-4FBC-8FFB-6FDC6448F6FA}" type="datetimeFigureOut">
-              <a:rPr lang="de-DE" smtClean="0"/>
-              <a:t>14.03.2023</a:t>
+            <a:fld id="{6E94BAB2-1816-4C12-8B6A-92179E885B57}" type="datetime1">
+              <a:rPr lang="en-US" smtClean="0"/>
+              <a:t>3/14/2023</a:t>
             </a:fld>
-            <a:endParaRPr lang="de-DE"/>
+            <a:endParaRPr lang="en-US" dirty="0"/>
           </a:p>
         </p:txBody>
       </p:sp>
@@ -3076,7 +3353,11 @@
           <a:bodyPr/>
           <a:lstStyle/>
           <a:p>
-            <a:endParaRPr lang="de-DE"/>
+            <a:r>
+              <a:rPr lang="en-US"/>
+              <a:t>Tobias Schilling, Daniel Balla, Marcus Unglert</a:t>
+            </a:r>
+            <a:endParaRPr lang="en-US" dirty="0"/>
           </a:p>
         </p:txBody>
       </p:sp>
@@ -3095,20 +3376,15 @@
           <a:bodyPr/>
           <a:lstStyle/>
           <a:p>
-            <a:fld id="{43309969-CDF9-4CE5-A4FA-ADC4B97BD048}" type="slidenum">
-              <a:rPr lang="de-DE" smtClean="0"/>
+            <a:fld id="{519954A3-9DFD-4C44-94BA-B95130A3BA1C}" type="slidenum">
+              <a:rPr lang="en-US" dirty="0"/>
               <a:t>‹Nr.›</a:t>
             </a:fld>
-            <a:endParaRPr lang="de-DE"/>
+            <a:endParaRPr lang="en-US" dirty="0"/>
           </a:p>
         </p:txBody>
       </p:sp>
     </p:spTree>
-    <p:extLst>
-      <p:ext uri="{BB962C8B-B14F-4D97-AF65-F5344CB8AC3E}">
-        <p14:creationId xmlns:p14="http://schemas.microsoft.com/office/powerpoint/2010/main" val="2147678672"/>
-      </p:ext>
-    </p:extLst>
   </p:cSld>
   <p:clrMapOvr>
     <a:masterClrMapping/>
@@ -3300,11 +3576,11 @@
           <a:bodyPr/>
           <a:lstStyle/>
           <a:p>
-            <a:fld id="{B33540D6-8D56-4FBC-8FFB-6FDC6448F6FA}" type="datetimeFigureOut">
-              <a:rPr lang="de-DE" smtClean="0"/>
-              <a:t>14.03.2023</a:t>
+            <a:fld id="{61D59537-30F4-481F-A8B9-ABF36DB77F3D}" type="datetime1">
+              <a:rPr lang="en-US" smtClean="0"/>
+              <a:t>3/14/2023</a:t>
             </a:fld>
-            <a:endParaRPr lang="de-DE"/>
+            <a:endParaRPr lang="en-US" dirty="0"/>
           </a:p>
         </p:txBody>
       </p:sp>
@@ -3323,7 +3599,11 @@
           <a:bodyPr/>
           <a:lstStyle/>
           <a:p>
-            <a:endParaRPr lang="de-DE"/>
+            <a:r>
+              <a:rPr lang="en-US"/>
+              <a:t>Tobias Schilling, Daniel Balla, Marcus Unglert</a:t>
+            </a:r>
+            <a:endParaRPr lang="en-US" dirty="0"/>
           </a:p>
         </p:txBody>
       </p:sp>
@@ -3342,20 +3622,16 @@
           <a:bodyPr/>
           <a:lstStyle/>
           <a:p>
-            <a:fld id="{43309969-CDF9-4CE5-A4FA-ADC4B97BD048}" type="slidenum">
-              <a:rPr lang="de-DE" smtClean="0"/>
+            <a:fld id="{D57F1E4F-1CFF-5643-939E-217C01CDF565}" type="slidenum">
+              <a:rPr lang="en-US" dirty="0"/>
+              <a:pPr/>
               <a:t>‹Nr.›</a:t>
             </a:fld>
-            <a:endParaRPr lang="de-DE"/>
+            <a:endParaRPr lang="en-US" dirty="0"/>
           </a:p>
         </p:txBody>
       </p:sp>
     </p:spTree>
-    <p:extLst>
-      <p:ext uri="{BB962C8B-B14F-4D97-AF65-F5344CB8AC3E}">
-        <p14:creationId xmlns:p14="http://schemas.microsoft.com/office/powerpoint/2010/main" val="901113600"/>
-      </p:ext>
-    </p:extLst>
   </p:cSld>
   <p:clrMapOvr>
     <a:masterClrMapping/>
@@ -3532,11 +3808,11 @@
           <a:bodyPr/>
           <a:lstStyle/>
           <a:p>
-            <a:fld id="{B33540D6-8D56-4FBC-8FFB-6FDC6448F6FA}" type="datetimeFigureOut">
-              <a:rPr lang="de-DE" smtClean="0"/>
-              <a:t>14.03.2023</a:t>
+            <a:fld id="{8CD4BE1A-3C45-4753-A111-94F0467FF5A3}" type="datetime1">
+              <a:rPr lang="en-US" smtClean="0"/>
+              <a:t>3/14/2023</a:t>
             </a:fld>
-            <a:endParaRPr lang="de-DE"/>
+            <a:endParaRPr lang="en-US" dirty="0"/>
           </a:p>
         </p:txBody>
       </p:sp>
@@ -3555,7 +3831,11 @@
           <a:bodyPr/>
           <a:lstStyle/>
           <a:p>
-            <a:endParaRPr lang="de-DE"/>
+            <a:r>
+              <a:rPr lang="en-US"/>
+              <a:t>Tobias Schilling, Daniel Balla, Marcus Unglert</a:t>
+            </a:r>
+            <a:endParaRPr lang="en-US" dirty="0"/>
           </a:p>
         </p:txBody>
       </p:sp>
@@ -3574,20 +3854,15 @@
           <a:bodyPr/>
           <a:lstStyle/>
           <a:p>
-            <a:fld id="{43309969-CDF9-4CE5-A4FA-ADC4B97BD048}" type="slidenum">
-              <a:rPr lang="de-DE" smtClean="0"/>
+            <a:fld id="{519954A3-9DFD-4C44-94BA-B95130A3BA1C}" type="slidenum">
+              <a:rPr lang="en-US" dirty="0"/>
               <a:t>‹Nr.›</a:t>
             </a:fld>
-            <a:endParaRPr lang="de-DE"/>
+            <a:endParaRPr lang="en-US" dirty="0"/>
           </a:p>
         </p:txBody>
       </p:sp>
     </p:spTree>
-    <p:extLst>
-      <p:ext uri="{BB962C8B-B14F-4D97-AF65-F5344CB8AC3E}">
-        <p14:creationId xmlns:p14="http://schemas.microsoft.com/office/powerpoint/2010/main" val="842861722"/>
-      </p:ext>
-    </p:extLst>
   </p:cSld>
   <p:clrMapOvr>
     <a:masterClrMapping/>
@@ -3906,11 +4181,11 @@
           <a:bodyPr/>
           <a:lstStyle/>
           <a:p>
-            <a:fld id="{B33540D6-8D56-4FBC-8FFB-6FDC6448F6FA}" type="datetimeFigureOut">
-              <a:rPr lang="de-DE" smtClean="0"/>
-              <a:t>14.03.2023</a:t>
+            <a:fld id="{3CE0A341-418A-41E6-BAEF-715CC61ECF6F}" type="datetime1">
+              <a:rPr lang="en-US" smtClean="0"/>
+              <a:t>3/14/2023</a:t>
             </a:fld>
-            <a:endParaRPr lang="de-DE"/>
+            <a:endParaRPr lang="en-US" dirty="0"/>
           </a:p>
         </p:txBody>
       </p:sp>
@@ -3929,7 +4204,11 @@
           <a:bodyPr/>
           <a:lstStyle/>
           <a:p>
-            <a:endParaRPr lang="de-DE"/>
+            <a:r>
+              <a:rPr lang="en-US"/>
+              <a:t>Tobias Schilling, Daniel Balla, Marcus Unglert</a:t>
+            </a:r>
+            <a:endParaRPr lang="en-US" dirty="0"/>
           </a:p>
         </p:txBody>
       </p:sp>
@@ -3948,20 +4227,16 @@
           <a:bodyPr/>
           <a:lstStyle/>
           <a:p>
-            <a:fld id="{43309969-CDF9-4CE5-A4FA-ADC4B97BD048}" type="slidenum">
-              <a:rPr lang="de-DE" smtClean="0"/>
+            <a:fld id="{D57F1E4F-1CFF-5643-939E-217C01CDF565}" type="slidenum">
+              <a:rPr lang="en-US" dirty="0"/>
+              <a:pPr/>
               <a:t>‹Nr.›</a:t>
             </a:fld>
-            <a:endParaRPr lang="de-DE"/>
+            <a:endParaRPr lang="en-US" dirty="0"/>
           </a:p>
         </p:txBody>
       </p:sp>
     </p:spTree>
-    <p:extLst>
-      <p:ext uri="{BB962C8B-B14F-4D97-AF65-F5344CB8AC3E}">
-        <p14:creationId xmlns:p14="http://schemas.microsoft.com/office/powerpoint/2010/main" val="332530091"/>
-      </p:ext>
-    </p:extLst>
   </p:cSld>
   <p:clrMapOvr>
     <a:masterClrMapping/>
@@ -4029,11 +4304,11 @@
           <a:bodyPr/>
           <a:lstStyle/>
           <a:p>
-            <a:fld id="{B33540D6-8D56-4FBC-8FFB-6FDC6448F6FA}" type="datetimeFigureOut">
-              <a:rPr lang="de-DE" smtClean="0"/>
-              <a:t>14.03.2023</a:t>
+            <a:fld id="{78D03174-CD18-412D-BD4D-8009959BE2A7}" type="datetime1">
+              <a:rPr lang="en-US" smtClean="0"/>
+              <a:t>3/14/2023</a:t>
             </a:fld>
-            <a:endParaRPr lang="de-DE"/>
+            <a:endParaRPr lang="en-US" dirty="0"/>
           </a:p>
         </p:txBody>
       </p:sp>
@@ -4052,7 +4327,11 @@
           <a:bodyPr/>
           <a:lstStyle/>
           <a:p>
-            <a:endParaRPr lang="de-DE"/>
+            <a:r>
+              <a:rPr lang="en-US"/>
+              <a:t>Tobias Schilling, Daniel Balla, Marcus Unglert</a:t>
+            </a:r>
+            <a:endParaRPr lang="en-US" dirty="0"/>
           </a:p>
         </p:txBody>
       </p:sp>
@@ -4071,20 +4350,16 @@
           <a:bodyPr/>
           <a:lstStyle/>
           <a:p>
-            <a:fld id="{43309969-CDF9-4CE5-A4FA-ADC4B97BD048}" type="slidenum">
-              <a:rPr lang="de-DE" smtClean="0"/>
+            <a:fld id="{D57F1E4F-1CFF-5643-939E-217C01CDF565}" type="slidenum">
+              <a:rPr lang="en-US" dirty="0"/>
+              <a:pPr/>
               <a:t>‹Nr.›</a:t>
             </a:fld>
-            <a:endParaRPr lang="de-DE"/>
+            <a:endParaRPr lang="en-US" dirty="0"/>
           </a:p>
         </p:txBody>
       </p:sp>
     </p:spTree>
-    <p:extLst>
-      <p:ext uri="{BB962C8B-B14F-4D97-AF65-F5344CB8AC3E}">
-        <p14:creationId xmlns:p14="http://schemas.microsoft.com/office/powerpoint/2010/main" val="2150683588"/>
-      </p:ext>
-    </p:extLst>
   </p:cSld>
   <p:clrMapOvr>
     <a:masterClrMapping/>
@@ -4124,11 +4399,11 @@
           <a:bodyPr/>
           <a:lstStyle/>
           <a:p>
-            <a:fld id="{B33540D6-8D56-4FBC-8FFB-6FDC6448F6FA}" type="datetimeFigureOut">
-              <a:rPr lang="de-DE" smtClean="0"/>
-              <a:t>14.03.2023</a:t>
+            <a:fld id="{09A7D92D-5644-42EF-9808-E0A40775221D}" type="datetime1">
+              <a:rPr lang="en-US" smtClean="0"/>
+              <a:t>3/14/2023</a:t>
             </a:fld>
-            <a:endParaRPr lang="de-DE"/>
+            <a:endParaRPr lang="en-US" dirty="0"/>
           </a:p>
         </p:txBody>
       </p:sp>
@@ -4147,7 +4422,11 @@
           <a:bodyPr/>
           <a:lstStyle/>
           <a:p>
-            <a:endParaRPr lang="de-DE"/>
+            <a:r>
+              <a:rPr lang="en-US"/>
+              <a:t>Tobias Schilling, Daniel Balla, Marcus Unglert</a:t>
+            </a:r>
+            <a:endParaRPr lang="en-US" dirty="0"/>
           </a:p>
         </p:txBody>
       </p:sp>
@@ -4166,20 +4445,16 @@
           <a:bodyPr/>
           <a:lstStyle/>
           <a:p>
-            <a:fld id="{43309969-CDF9-4CE5-A4FA-ADC4B97BD048}" type="slidenum">
-              <a:rPr lang="de-DE" smtClean="0"/>
+            <a:fld id="{D57F1E4F-1CFF-5643-939E-217C01CDF565}" type="slidenum">
+              <a:rPr lang="en-US" dirty="0"/>
+              <a:pPr/>
               <a:t>‹Nr.›</a:t>
             </a:fld>
-            <a:endParaRPr lang="de-DE"/>
+            <a:endParaRPr lang="en-US" dirty="0"/>
           </a:p>
         </p:txBody>
       </p:sp>
     </p:spTree>
-    <p:extLst>
-      <p:ext uri="{BB962C8B-B14F-4D97-AF65-F5344CB8AC3E}">
-        <p14:creationId xmlns:p14="http://schemas.microsoft.com/office/powerpoint/2010/main" val="903691601"/>
-      </p:ext>
-    </p:extLst>
   </p:cSld>
   <p:clrMapOvr>
     <a:masterClrMapping/>
@@ -4379,11 +4654,11 @@
           <a:bodyPr/>
           <a:lstStyle/>
           <a:p>
-            <a:fld id="{B33540D6-8D56-4FBC-8FFB-6FDC6448F6FA}" type="datetimeFigureOut">
-              <a:rPr lang="de-DE" smtClean="0"/>
-              <a:t>14.03.2023</a:t>
+            <a:fld id="{D8BEFB77-819F-4E69-91F4-F0F014359E4F}" type="datetime1">
+              <a:rPr lang="en-US" smtClean="0"/>
+              <a:t>3/14/2023</a:t>
             </a:fld>
-            <a:endParaRPr lang="de-DE"/>
+            <a:endParaRPr lang="en-US" dirty="0"/>
           </a:p>
         </p:txBody>
       </p:sp>
@@ -4402,7 +4677,11 @@
           <a:bodyPr/>
           <a:lstStyle/>
           <a:p>
-            <a:endParaRPr lang="de-DE"/>
+            <a:r>
+              <a:rPr lang="en-US"/>
+              <a:t>Tobias Schilling, Daniel Balla, Marcus Unglert</a:t>
+            </a:r>
+            <a:endParaRPr lang="en-US" dirty="0"/>
           </a:p>
         </p:txBody>
       </p:sp>
@@ -4421,20 +4700,15 @@
           <a:bodyPr/>
           <a:lstStyle/>
           <a:p>
-            <a:fld id="{43309969-CDF9-4CE5-A4FA-ADC4B97BD048}" type="slidenum">
-              <a:rPr lang="de-DE" smtClean="0"/>
+            <a:fld id="{519954A3-9DFD-4C44-94BA-B95130A3BA1C}" type="slidenum">
+              <a:rPr lang="en-US" dirty="0"/>
               <a:t>‹Nr.›</a:t>
             </a:fld>
-            <a:endParaRPr lang="de-DE"/>
+            <a:endParaRPr lang="en-US" dirty="0"/>
           </a:p>
         </p:txBody>
       </p:sp>
     </p:spTree>
-    <p:extLst>
-      <p:ext uri="{BB962C8B-B14F-4D97-AF65-F5344CB8AC3E}">
-        <p14:creationId xmlns:p14="http://schemas.microsoft.com/office/powerpoint/2010/main" val="2241549342"/>
-      </p:ext>
-    </p:extLst>
   </p:cSld>
   <p:clrMapOvr>
     <a:masterClrMapping/>
@@ -4642,11 +4916,11 @@
           <a:bodyPr/>
           <a:lstStyle/>
           <a:p>
-            <a:fld id="{B33540D6-8D56-4FBC-8FFB-6FDC6448F6FA}" type="datetimeFigureOut">
-              <a:rPr lang="de-DE" smtClean="0"/>
-              <a:t>14.03.2023</a:t>
+            <a:fld id="{12D3A5C7-3FEC-4EDD-8E03-3AEDE08F33F3}" type="datetime1">
+              <a:rPr lang="en-US" smtClean="0"/>
+              <a:t>3/14/2023</a:t>
             </a:fld>
-            <a:endParaRPr lang="de-DE"/>
+            <a:endParaRPr lang="en-US" dirty="0"/>
           </a:p>
         </p:txBody>
       </p:sp>
@@ -4665,7 +4939,11 @@
           <a:bodyPr/>
           <a:lstStyle/>
           <a:p>
-            <a:endParaRPr lang="de-DE"/>
+            <a:r>
+              <a:rPr lang="en-US"/>
+              <a:t>Tobias Schilling, Daniel Balla, Marcus Unglert</a:t>
+            </a:r>
+            <a:endParaRPr lang="en-US" dirty="0"/>
           </a:p>
         </p:txBody>
       </p:sp>
@@ -4684,20 +4962,16 @@
           <a:bodyPr/>
           <a:lstStyle/>
           <a:p>
-            <a:fld id="{43309969-CDF9-4CE5-A4FA-ADC4B97BD048}" type="slidenum">
-              <a:rPr lang="de-DE" smtClean="0"/>
+            <a:fld id="{D57F1E4F-1CFF-5643-939E-217C01CDF565}" type="slidenum">
+              <a:rPr lang="en-US" dirty="0"/>
+              <a:pPr/>
               <a:t>‹Nr.›</a:t>
             </a:fld>
-            <a:endParaRPr lang="de-DE"/>
+            <a:endParaRPr lang="en-US" dirty="0"/>
           </a:p>
         </p:txBody>
       </p:sp>
     </p:spTree>
-    <p:extLst>
-      <p:ext uri="{BB962C8B-B14F-4D97-AF65-F5344CB8AC3E}">
-        <p14:creationId xmlns:p14="http://schemas.microsoft.com/office/powerpoint/2010/main" val="4239823911"/>
-      </p:ext>
-    </p:extLst>
   </p:cSld>
   <p:clrMapOvr>
     <a:masterClrMapping/>
@@ -4729,7 +5003,7 @@
       </p:grpSpPr>
       <p:grpSp>
         <p:nvGrpSpPr>
-          <p:cNvPr id="7" name="Group 6"/>
+          <p:cNvPr id="29" name="Group 28"/>
           <p:cNvGrpSpPr/>
           <p:nvPr/>
         </p:nvGrpSpPr>
@@ -4743,7 +5017,7 @@
         </p:grpSpPr>
         <p:cxnSp>
           <p:nvCxnSpPr>
-            <p:cNvPr id="20" name="Straight Connector 19"/>
+            <p:cNvPr id="19" name="Straight Connector 18"/>
             <p:cNvCxnSpPr/>
             <p:nvPr/>
           </p:nvCxnSpPr>
@@ -4757,8 +5031,8 @@
             </a:prstGeom>
             <a:ln w="9525">
               <a:solidFill>
-                <a:schemeClr val="bg1">
-                  <a:lumMod val="75000"/>
+                <a:schemeClr val="accent1">
+                  <a:alpha val="70000"/>
                 </a:schemeClr>
               </a:solidFill>
             </a:ln>
@@ -4780,7 +5054,7 @@
         </p:cxnSp>
         <p:cxnSp>
           <p:nvCxnSpPr>
-            <p:cNvPr id="21" name="Straight Connector 20"/>
+            <p:cNvPr id="20" name="Straight Connector 19"/>
             <p:cNvCxnSpPr/>
             <p:nvPr/>
           </p:nvCxnSpPr>
@@ -4794,8 +5068,8 @@
             </a:prstGeom>
             <a:ln w="9525">
               <a:solidFill>
-                <a:schemeClr val="bg1">
-                  <a:lumMod val="85000"/>
+                <a:schemeClr val="accent1">
+                  <a:alpha val="70000"/>
                 </a:schemeClr>
               </a:solidFill>
             </a:ln>
@@ -4817,7 +5091,7 @@
         </p:cxnSp>
         <p:sp>
           <p:nvSpPr>
-            <p:cNvPr id="22" name="Rectangle 23"/>
+            <p:cNvPr id="21" name="Rectangle 23"/>
             <p:cNvSpPr/>
             <p:nvPr/>
           </p:nvSpPr>
@@ -4855,7 +5129,7 @@
             </a:custGeom>
             <a:solidFill>
               <a:schemeClr val="accent1">
-                <a:alpha val="30000"/>
+                <a:alpha val="36000"/>
               </a:schemeClr>
             </a:solidFill>
             <a:ln>
@@ -4880,7 +5154,7 @@
         </p:sp>
         <p:sp>
           <p:nvSpPr>
-            <p:cNvPr id="23" name="Rectangle 25"/>
+            <p:cNvPr id="22" name="Rectangle 25"/>
             <p:cNvSpPr/>
             <p:nvPr/>
           </p:nvSpPr>
@@ -4943,7 +5217,7 @@
         </p:sp>
         <p:sp>
           <p:nvSpPr>
-            <p:cNvPr id="24" name="Isosceles Triangle 23"/>
+            <p:cNvPr id="23" name="Isosceles Triangle 22"/>
             <p:cNvSpPr/>
             <p:nvPr/>
           </p:nvSpPr>
@@ -4958,7 +5232,7 @@
               </a:avLst>
             </a:prstGeom>
             <a:solidFill>
-              <a:schemeClr val="accent2">
+              <a:schemeClr val="accent1">
                 <a:alpha val="72000"/>
               </a:schemeClr>
             </a:solidFill>
@@ -4984,7 +5258,7 @@
         </p:sp>
         <p:sp>
           <p:nvSpPr>
-            <p:cNvPr id="25" name="Rectangle 27"/>
+            <p:cNvPr id="24" name="Rectangle 27"/>
             <p:cNvSpPr/>
             <p:nvPr/>
           </p:nvSpPr>
@@ -5021,9 +5295,9 @@
               </a:pathLst>
             </a:custGeom>
             <a:solidFill>
-              <a:schemeClr val="accent2">
+              <a:schemeClr val="accent1">
                 <a:lumMod val="75000"/>
-                <a:alpha val="70000"/>
+                <a:alpha val="50000"/>
               </a:schemeClr>
             </a:solidFill>
             <a:ln>
@@ -5048,7 +5322,7 @@
         </p:sp>
         <p:sp>
           <p:nvSpPr>
-            <p:cNvPr id="26" name="Rectangle 28"/>
+            <p:cNvPr id="25" name="Rectangle 28"/>
             <p:cNvSpPr/>
             <p:nvPr/>
           </p:nvSpPr>
@@ -5086,8 +5360,7 @@
             </a:custGeom>
             <a:solidFill>
               <a:schemeClr val="accent1">
-                <a:lumMod val="60000"/>
-                <a:lumOff val="40000"/>
+                <a:lumMod val="75000"/>
                 <a:alpha val="70000"/>
               </a:schemeClr>
             </a:solidFill>
@@ -5113,7 +5386,7 @@
         </p:sp>
         <p:sp>
           <p:nvSpPr>
-            <p:cNvPr id="27" name="Rectangle 29"/>
+            <p:cNvPr id="26" name="Rectangle 29"/>
             <p:cNvSpPr/>
             <p:nvPr/>
           </p:nvSpPr>
@@ -5151,7 +5424,50 @@
             </a:custGeom>
             <a:solidFill>
               <a:schemeClr val="accent1">
-                <a:alpha val="65000"/>
+                <a:lumMod val="50000"/>
+                <a:alpha val="80000"/>
+              </a:schemeClr>
+            </a:solidFill>
+            <a:ln>
+              <a:noFill/>
+            </a:ln>
+            <a:effectLst/>
+          </p:spPr>
+          <p:style>
+            <a:lnRef idx="1">
+              <a:schemeClr val="accent1"/>
+            </a:lnRef>
+            <a:fillRef idx="3">
+              <a:schemeClr val="accent1"/>
+            </a:fillRef>
+            <a:effectRef idx="2">
+              <a:schemeClr val="accent1"/>
+            </a:effectRef>
+            <a:fontRef idx="minor">
+              <a:schemeClr val="lt1"/>
+            </a:fontRef>
+          </p:style>
+        </p:sp>
+        <p:sp>
+          <p:nvSpPr>
+            <p:cNvPr id="27" name="Isosceles Triangle 26"/>
+            <p:cNvSpPr/>
+            <p:nvPr/>
+          </p:nvSpPr>
+          <p:spPr>
+            <a:xfrm>
+              <a:off x="10371666" y="3589867"/>
+              <a:ext cx="1817159" cy="3268133"/>
+            </a:xfrm>
+            <a:prstGeom prst="triangle">
+              <a:avLst>
+                <a:gd name="adj" fmla="val 100000"/>
+              </a:avLst>
+            </a:prstGeom>
+            <a:solidFill>
+              <a:schemeClr val="accent1">
+                <a:lumMod val="50000"/>
+                <a:alpha val="66000"/>
               </a:schemeClr>
             </a:solidFill>
             <a:ln>
@@ -5182,47 +5498,6 @@
           </p:nvSpPr>
           <p:spPr>
             <a:xfrm>
-              <a:off x="10371666" y="3589867"/>
-              <a:ext cx="1817159" cy="3268133"/>
-            </a:xfrm>
-            <a:prstGeom prst="triangle">
-              <a:avLst>
-                <a:gd name="adj" fmla="val 100000"/>
-              </a:avLst>
-            </a:prstGeom>
-            <a:solidFill>
-              <a:schemeClr val="accent1">
-                <a:alpha val="80000"/>
-              </a:schemeClr>
-            </a:solidFill>
-            <a:ln>
-              <a:noFill/>
-            </a:ln>
-            <a:effectLst/>
-          </p:spPr>
-          <p:style>
-            <a:lnRef idx="1">
-              <a:schemeClr val="accent1"/>
-            </a:lnRef>
-            <a:fillRef idx="3">
-              <a:schemeClr val="accent1"/>
-            </a:fillRef>
-            <a:effectRef idx="2">
-              <a:schemeClr val="accent1"/>
-            </a:effectRef>
-            <a:fontRef idx="minor">
-              <a:schemeClr val="lt1"/>
-            </a:fontRef>
-          </p:style>
-        </p:sp>
-        <p:sp>
-          <p:nvSpPr>
-            <p:cNvPr id="29" name="Isosceles Triangle 28"/>
-            <p:cNvSpPr/>
-            <p:nvPr/>
-          </p:nvSpPr>
-          <p:spPr>
-            <a:xfrm>
               <a:off x="0" y="4013200"/>
               <a:ext cx="448733" cy="2844800"/>
             </a:xfrm>
@@ -5233,7 +5508,8 @@
             </a:prstGeom>
             <a:solidFill>
               <a:schemeClr val="accent1">
-                <a:alpha val="85000"/>
+                <a:lumMod val="75000"/>
+                <a:alpha val="70000"/>
               </a:schemeClr>
             </a:solidFill>
             <a:ln>
@@ -5385,11 +5661,11 @@
             </a:lvl1pPr>
           </a:lstStyle>
           <a:p>
-            <a:fld id="{B33540D6-8D56-4FBC-8FFB-6FDC6448F6FA}" type="datetimeFigureOut">
-              <a:rPr lang="de-DE" smtClean="0"/>
-              <a:t>14.03.2023</a:t>
+            <a:fld id="{B1E255F1-2F80-472F-BAD1-6EE6D65EE82E}" type="datetime1">
+              <a:rPr lang="en-US" smtClean="0"/>
+              <a:t>3/14/2023</a:t>
             </a:fld>
-            <a:endParaRPr lang="de-DE"/>
+            <a:endParaRPr lang="en-US" dirty="0"/>
           </a:p>
         </p:txBody>
       </p:sp>
@@ -5426,7 +5702,11 @@
             </a:lvl1pPr>
           </a:lstStyle>
           <a:p>
-            <a:endParaRPr lang="de-DE"/>
+            <a:r>
+              <a:rPr lang="en-US"/>
+              <a:t>Tobias Schilling, Daniel Balla, Marcus Unglert</a:t>
+            </a:r>
+            <a:endParaRPr lang="en-US" dirty="0"/>
           </a:p>
         </p:txBody>
       </p:sp>
@@ -5455,46 +5735,45 @@
             <a:lvl1pPr algn="r">
               <a:defRPr sz="900">
                 <a:solidFill>
-                  <a:schemeClr val="accent1"/>
+                  <a:schemeClr val="accent1">
+                    <a:lumMod val="75000"/>
+                  </a:schemeClr>
                 </a:solidFill>
               </a:defRPr>
             </a:lvl1pPr>
           </a:lstStyle>
           <a:p>
-            <a:fld id="{43309969-CDF9-4CE5-A4FA-ADC4B97BD048}" type="slidenum">
-              <a:rPr lang="de-DE" smtClean="0"/>
+            <a:fld id="{D57F1E4F-1CFF-5643-939E-217C01CDF565}" type="slidenum">
+              <a:rPr lang="en-US" dirty="0"/>
+              <a:pPr/>
               <a:t>‹Nr.›</a:t>
             </a:fld>
-            <a:endParaRPr lang="de-DE"/>
+            <a:endParaRPr lang="en-US" dirty="0"/>
           </a:p>
         </p:txBody>
       </p:sp>
     </p:spTree>
-    <p:extLst>
-      <p:ext uri="{BB962C8B-B14F-4D97-AF65-F5344CB8AC3E}">
-        <p14:creationId xmlns:p14="http://schemas.microsoft.com/office/powerpoint/2010/main" val="3748141693"/>
-      </p:ext>
-    </p:extLst>
   </p:cSld>
   <p:clrMap bg1="lt1" tx1="dk1" bg2="lt2" tx2="dk2" accent1="accent1" accent2="accent2" accent3="accent3" accent4="accent4" accent5="accent5" accent6="accent6" hlink="hlink" folHlink="folHlink"/>
   <p:sldLayoutIdLst>
-    <p:sldLayoutId id="2147483661" r:id="rId1"/>
-    <p:sldLayoutId id="2147483662" r:id="rId2"/>
-    <p:sldLayoutId id="2147483663" r:id="rId3"/>
-    <p:sldLayoutId id="2147483664" r:id="rId4"/>
-    <p:sldLayoutId id="2147483665" r:id="rId5"/>
-    <p:sldLayoutId id="2147483666" r:id="rId6"/>
-    <p:sldLayoutId id="2147483667" r:id="rId7"/>
-    <p:sldLayoutId id="2147483668" r:id="rId8"/>
-    <p:sldLayoutId id="2147483669" r:id="rId9"/>
-    <p:sldLayoutId id="2147483670" r:id="rId10"/>
-    <p:sldLayoutId id="2147483671" r:id="rId11"/>
-    <p:sldLayoutId id="2147483672" r:id="rId12"/>
-    <p:sldLayoutId id="2147483673" r:id="rId13"/>
-    <p:sldLayoutId id="2147483674" r:id="rId14"/>
-    <p:sldLayoutId id="2147483675" r:id="rId15"/>
-    <p:sldLayoutId id="2147483676" r:id="rId16"/>
+    <p:sldLayoutId id="2147483649" r:id="rId1"/>
+    <p:sldLayoutId id="2147483665" r:id="rId2"/>
+    <p:sldLayoutId id="2147483651" r:id="rId3"/>
+    <p:sldLayoutId id="2147483666" r:id="rId4"/>
+    <p:sldLayoutId id="2147483653" r:id="rId5"/>
+    <p:sldLayoutId id="2147483654" r:id="rId6"/>
+    <p:sldLayoutId id="2147483655" r:id="rId7"/>
+    <p:sldLayoutId id="2147483667" r:id="rId8"/>
+    <p:sldLayoutId id="2147483657" r:id="rId9"/>
+    <p:sldLayoutId id="2147483660" r:id="rId10"/>
+    <p:sldLayoutId id="2147483661" r:id="rId11"/>
+    <p:sldLayoutId id="2147483662" r:id="rId12"/>
+    <p:sldLayoutId id="2147483663" r:id="rId13"/>
+    <p:sldLayoutId id="2147483664" r:id="rId14"/>
+    <p:sldLayoutId id="2147483668" r:id="rId15"/>
+    <p:sldLayoutId id="2147483659" r:id="rId16"/>
   </p:sldLayoutIdLst>
+  <p:hf hdr="0" dt="0"/>
   <p:txStyles>
     <p:titleStyle>
       <a:lvl1pPr algn="l" defTabSz="457200" rtl="0" eaLnBrk="1" latinLnBrk="0" hangingPunct="1">
@@ -5504,7 +5783,9 @@
         <a:buNone/>
         <a:defRPr sz="3600" kern="1200">
           <a:solidFill>
-            <a:schemeClr val="accent1"/>
+            <a:schemeClr val="accent1">
+              <a:lumMod val="75000"/>
+            </a:schemeClr>
           </a:solidFill>
           <a:latin typeface="+mj-lt"/>
           <a:ea typeface="+mj-ea"/>
@@ -5577,7 +5858,9 @@
           <a:spcPts val="0"/>
         </a:spcAft>
         <a:buClr>
-          <a:schemeClr val="accent1"/>
+          <a:schemeClr val="accent1">
+            <a:lumMod val="75000"/>
+          </a:schemeClr>
         </a:buClr>
         <a:buSzPct val="80000"/>
         <a:buFont typeface="Wingdings 3" charset="2"/>
@@ -5602,7 +5885,9 @@
           <a:spcPts val="0"/>
         </a:spcAft>
         <a:buClr>
-          <a:schemeClr val="accent1"/>
+          <a:schemeClr val="accent1">
+            <a:lumMod val="75000"/>
+          </a:schemeClr>
         </a:buClr>
         <a:buSzPct val="80000"/>
         <a:buFont typeface="Wingdings 3" charset="2"/>
@@ -5627,7 +5912,9 @@
           <a:spcPts val="0"/>
         </a:spcAft>
         <a:buClr>
-          <a:schemeClr val="accent1"/>
+          <a:schemeClr val="accent1">
+            <a:lumMod val="75000"/>
+          </a:schemeClr>
         </a:buClr>
         <a:buSzPct val="80000"/>
         <a:buFont typeface="Wingdings 3" charset="2"/>
@@ -5652,7 +5939,9 @@
           <a:spcPts val="0"/>
         </a:spcAft>
         <a:buClr>
-          <a:schemeClr val="accent1"/>
+          <a:schemeClr val="accent1">
+            <a:lumMod val="75000"/>
+          </a:schemeClr>
         </a:buClr>
         <a:buSzPct val="80000"/>
         <a:buFont typeface="Wingdings 3" charset="2"/>
@@ -5677,7 +5966,9 @@
           <a:spcPts val="0"/>
         </a:spcAft>
         <a:buClr>
-          <a:schemeClr val="accent1"/>
+          <a:schemeClr val="accent1">
+            <a:lumMod val="75000"/>
+          </a:schemeClr>
         </a:buClr>
         <a:buSzPct val="80000"/>
         <a:buFont typeface="Wingdings 3" charset="2"/>
@@ -5702,7 +5993,9 @@
           <a:spcPts val="0"/>
         </a:spcAft>
         <a:buClr>
-          <a:schemeClr val="accent1"/>
+          <a:schemeClr val="accent1">
+            <a:lumMod val="75000"/>
+          </a:schemeClr>
         </a:buClr>
         <a:buSzPct val="80000"/>
         <a:buFont typeface="Wingdings 3" charset="2"/>
@@ -5727,7 +6020,9 @@
           <a:spcPts val="0"/>
         </a:spcAft>
         <a:buClr>
-          <a:schemeClr val="accent1"/>
+          <a:schemeClr val="accent1">
+            <a:lumMod val="75000"/>
+          </a:schemeClr>
         </a:buClr>
         <a:buSzPct val="80000"/>
         <a:buFont typeface="Wingdings 3" charset="2"/>
@@ -5752,7 +6047,9 @@
           <a:spcPts val="0"/>
         </a:spcAft>
         <a:buClr>
-          <a:schemeClr val="accent1"/>
+          <a:schemeClr val="accent1">
+            <a:lumMod val="75000"/>
+          </a:schemeClr>
         </a:buClr>
         <a:buSzPct val="80000"/>
         <a:buFont typeface="Wingdings 3" charset="2"/>
@@ -5777,7 +6074,9 @@
           <a:spcPts val="0"/>
         </a:spcAft>
         <a:buClr>
-          <a:schemeClr val="accent1"/>
+          <a:schemeClr val="accent1">
+            <a:lumMod val="75000"/>
+          </a:schemeClr>
         </a:buClr>
         <a:buSzPct val="80000"/>
         <a:buFont typeface="Wingdings 3" charset="2"/>
@@ -5916,7 +6215,7 @@
           <p:cNvPr id="2" name="Titel 1">
             <a:extLst>
               <a:ext uri="{FF2B5EF4-FFF2-40B4-BE49-F238E27FC236}">
-                <a16:creationId xmlns:a16="http://schemas.microsoft.com/office/drawing/2014/main" id="{4D445699-2147-4F29-B7AB-1F3FEC89B5E6}"/>
+                <a16:creationId xmlns:a16="http://schemas.microsoft.com/office/drawing/2014/main" id="{33C77929-F6BF-53CB-B279-462AC4EC38C2}"/>
               </a:ext>
             </a:extLst>
           </p:cNvPr>
@@ -5933,26 +6232,40 @@
           <a:lstStyle/>
           <a:p>
             <a:r>
-              <a:rPr lang="de-DE" sz="3600" dirty="0" err="1">
+              <a:rPr kumimoji="0" lang="de-DE" sz="3600" b="0" i="0" u="none" strike="noStrike" kern="1200" cap="none" spc="0" normalizeH="0" baseline="0" noProof="0" dirty="0" err="1">
+                <a:ln>
+                  <a:noFill/>
+                </a:ln>
                 <a:solidFill>
                   <a:srgbClr val="FF0000"/>
                 </a:solidFill>
+                <a:effectLst/>
+                <a:uLnTx/>
+                <a:uFillTx/>
+                <a:latin typeface="Trebuchet MS" panose="020B0603020202020204"/>
+                <a:ea typeface="+mj-ea"/>
+                <a:cs typeface="+mj-cs"/>
               </a:rPr>
               <a:t>Sports</a:t>
             </a:r>
             <a:r>
-              <a:rPr lang="de-DE" dirty="0" err="1">
+              <a:rPr kumimoji="0" lang="de-DE" sz="5400" b="0" i="0" u="none" strike="noStrike" kern="1200" cap="none" spc="0" normalizeH="0" baseline="0" noProof="0" dirty="0" err="1">
+                <a:ln>
+                  <a:noFill/>
+                </a:ln>
                 <a:solidFill>
-                  <a:schemeClr val="tx1"/>
+                  <a:prstClr val="black"/>
                 </a:solidFill>
+                <a:effectLst/>
+                <a:uLnTx/>
+                <a:uFillTx/>
+                <a:latin typeface="Trebuchet MS" panose="020B0603020202020204"/>
+                <a:ea typeface="+mj-ea"/>
+                <a:cs typeface="+mj-cs"/>
               </a:rPr>
               <a:t>Pulse</a:t>
             </a:r>
-            <a:endParaRPr lang="de-DE" sz="3600" dirty="0">
-              <a:solidFill>
-                <a:srgbClr val="FF0000"/>
-              </a:solidFill>
-            </a:endParaRPr>
+            <a:endParaRPr lang="de-DE" dirty="0"/>
           </a:p>
         </p:txBody>
       </p:sp>
@@ -5961,7 +6274,7 @@
           <p:cNvPr id="3" name="Untertitel 2">
             <a:extLst>
               <a:ext uri="{FF2B5EF4-FFF2-40B4-BE49-F238E27FC236}">
-                <a16:creationId xmlns:a16="http://schemas.microsoft.com/office/drawing/2014/main" id="{1C3BC889-DF3E-4D41-9905-7A741BE06DAB}"/>
+                <a16:creationId xmlns:a16="http://schemas.microsoft.com/office/drawing/2014/main" id="{D0B78940-7DF4-C9E4-4FD2-119A3E3E5713}"/>
               </a:ext>
             </a:extLst>
           </p:cNvPr>
@@ -5977,14 +6290,429 @@
           <a:bodyPr/>
           <a:lstStyle/>
           <a:p>
-            <a:endParaRPr lang="de-DE" dirty="0"/>
+            <a:r>
+              <a:rPr lang="de-DE" dirty="0"/>
+              <a:t>Eine interaktive News-Seite rund um das Thema Sport </a:t>
+            </a:r>
+          </a:p>
+        </p:txBody>
+      </p:sp>
+      <p:sp>
+        <p:nvSpPr>
+          <p:cNvPr id="5" name="Fußzeilenplatzhalter 4">
+            <a:extLst>
+              <a:ext uri="{FF2B5EF4-FFF2-40B4-BE49-F238E27FC236}">
+                <a16:creationId xmlns:a16="http://schemas.microsoft.com/office/drawing/2014/main" id="{5507C879-3D35-1D17-38AD-2D4B257C468F}"/>
+              </a:ext>
+            </a:extLst>
+          </p:cNvPr>
+          <p:cNvSpPr>
+            <a:spLocks noGrp="1"/>
+          </p:cNvSpPr>
+          <p:nvPr>
+            <p:ph type="ftr" sz="quarter" idx="11"/>
+          </p:nvPr>
+        </p:nvSpPr>
+        <p:spPr/>
+        <p:txBody>
+          <a:bodyPr/>
+          <a:lstStyle/>
+          <a:p>
+            <a:r>
+              <a:rPr lang="en-US" dirty="0"/>
+              <a:t>Tobias Schilling, Daniel </a:t>
+            </a:r>
+            <a:r>
+              <a:rPr lang="en-US" dirty="0" err="1"/>
+              <a:t>Balla</a:t>
+            </a:r>
+            <a:r>
+              <a:rPr lang="en-US" dirty="0"/>
+              <a:t>, Marcus Unglert</a:t>
+            </a:r>
+          </a:p>
+        </p:txBody>
+      </p:sp>
+      <p:sp>
+        <p:nvSpPr>
+          <p:cNvPr id="6" name="Foliennummernplatzhalter 5">
+            <a:extLst>
+              <a:ext uri="{FF2B5EF4-FFF2-40B4-BE49-F238E27FC236}">
+                <a16:creationId xmlns:a16="http://schemas.microsoft.com/office/drawing/2014/main" id="{9187F83F-6C82-4661-B7BE-18360E5E4DB7}"/>
+              </a:ext>
+            </a:extLst>
+          </p:cNvPr>
+          <p:cNvSpPr>
+            <a:spLocks noGrp="1"/>
+          </p:cNvSpPr>
+          <p:nvPr>
+            <p:ph type="sldNum" sz="quarter" idx="12"/>
+          </p:nvPr>
+        </p:nvSpPr>
+        <p:spPr/>
+        <p:txBody>
+          <a:bodyPr/>
+          <a:lstStyle/>
+          <a:p>
+            <a:fld id="{D57F1E4F-1CFF-5643-939E-217C01CDF565}" type="slidenum">
+              <a:rPr lang="en-US" smtClean="0"/>
+              <a:pPr/>
+              <a:t>1</a:t>
+            </a:fld>
+            <a:endParaRPr lang="en-US" dirty="0"/>
           </a:p>
         </p:txBody>
       </p:sp>
     </p:spTree>
     <p:extLst>
       <p:ext uri="{BB962C8B-B14F-4D97-AF65-F5344CB8AC3E}">
-        <p14:creationId xmlns:p14="http://schemas.microsoft.com/office/powerpoint/2010/main" val="3456948305"/>
+        <p14:creationId xmlns:p14="http://schemas.microsoft.com/office/powerpoint/2010/main" val="398561933"/>
+      </p:ext>
+    </p:extLst>
+  </p:cSld>
+  <p:clrMapOvr>
+    <a:masterClrMapping/>
+  </p:clrMapOvr>
+</p:sld>
+</file>
+
+<file path=ppt/slides/slide10.xml><?xml version="1.0" encoding="utf-8"?>
+<p:sld xmlns:a="http://schemas.openxmlformats.org/drawingml/2006/main" xmlns:r="http://schemas.openxmlformats.org/officeDocument/2006/relationships" xmlns:p="http://schemas.openxmlformats.org/presentationml/2006/main">
+  <p:cSld>
+    <p:spTree>
+      <p:nvGrpSpPr>
+        <p:cNvPr id="1" name=""/>
+        <p:cNvGrpSpPr/>
+        <p:nvPr/>
+      </p:nvGrpSpPr>
+      <p:grpSpPr>
+        <a:xfrm>
+          <a:off x="0" y="0"/>
+          <a:ext cx="0" cy="0"/>
+          <a:chOff x="0" y="0"/>
+          <a:chExt cx="0" cy="0"/>
+        </a:xfrm>
+      </p:grpSpPr>
+      <p:sp>
+        <p:nvSpPr>
+          <p:cNvPr id="2" name="Titel 1">
+            <a:extLst>
+              <a:ext uri="{FF2B5EF4-FFF2-40B4-BE49-F238E27FC236}">
+                <a16:creationId xmlns:a16="http://schemas.microsoft.com/office/drawing/2014/main" id="{97D41DFA-C0D0-E795-49AC-E018B7F1E054}"/>
+              </a:ext>
+            </a:extLst>
+          </p:cNvPr>
+          <p:cNvSpPr>
+            <a:spLocks noGrp="1"/>
+          </p:cNvSpPr>
+          <p:nvPr>
+            <p:ph type="title"/>
+          </p:nvPr>
+        </p:nvSpPr>
+        <p:spPr/>
+        <p:txBody>
+          <a:bodyPr/>
+          <a:lstStyle/>
+          <a:p>
+            <a:r>
+              <a:rPr lang="de-DE" dirty="0" err="1"/>
+              <a:t>Ejs</a:t>
+            </a:r>
+            <a:r>
+              <a:rPr lang="de-DE" dirty="0"/>
+              <a:t> – View Engine</a:t>
+            </a:r>
+          </a:p>
+        </p:txBody>
+      </p:sp>
+      <p:sp>
+        <p:nvSpPr>
+          <p:cNvPr id="3" name="Fußzeilenplatzhalter 2">
+            <a:extLst>
+              <a:ext uri="{FF2B5EF4-FFF2-40B4-BE49-F238E27FC236}">
+                <a16:creationId xmlns:a16="http://schemas.microsoft.com/office/drawing/2014/main" id="{CBCD713C-4BA1-64AF-D242-481BF7388FF2}"/>
+              </a:ext>
+            </a:extLst>
+          </p:cNvPr>
+          <p:cNvSpPr>
+            <a:spLocks noGrp="1"/>
+          </p:cNvSpPr>
+          <p:nvPr>
+            <p:ph type="ftr" sz="quarter" idx="11"/>
+          </p:nvPr>
+        </p:nvSpPr>
+        <p:spPr/>
+        <p:txBody>
+          <a:bodyPr/>
+          <a:lstStyle/>
+          <a:p>
+            <a:r>
+              <a:rPr lang="en-US"/>
+              <a:t>Tobias Schilling, Daniel Balla, Marcus Unglert</a:t>
+            </a:r>
+            <a:endParaRPr lang="en-US" dirty="0"/>
+          </a:p>
+        </p:txBody>
+      </p:sp>
+      <p:sp>
+        <p:nvSpPr>
+          <p:cNvPr id="4" name="Foliennummernplatzhalter 3">
+            <a:extLst>
+              <a:ext uri="{FF2B5EF4-FFF2-40B4-BE49-F238E27FC236}">
+                <a16:creationId xmlns:a16="http://schemas.microsoft.com/office/drawing/2014/main" id="{521CFEFE-162E-0E8C-AA86-4DF300248158}"/>
+              </a:ext>
+            </a:extLst>
+          </p:cNvPr>
+          <p:cNvSpPr>
+            <a:spLocks noGrp="1"/>
+          </p:cNvSpPr>
+          <p:nvPr>
+            <p:ph type="sldNum" sz="quarter" idx="12"/>
+          </p:nvPr>
+        </p:nvSpPr>
+        <p:spPr/>
+        <p:txBody>
+          <a:bodyPr/>
+          <a:lstStyle/>
+          <a:p>
+            <a:fld id="{D57F1E4F-1CFF-5643-939E-217C01CDF565}" type="slidenum">
+              <a:rPr lang="en-US" smtClean="0"/>
+              <a:pPr/>
+              <a:t>10</a:t>
+            </a:fld>
+            <a:endParaRPr lang="en-US" dirty="0"/>
+          </a:p>
+        </p:txBody>
+      </p:sp>
+      <p:sp>
+        <p:nvSpPr>
+          <p:cNvPr id="5" name="Textfeld 4">
+            <a:extLst>
+              <a:ext uri="{FF2B5EF4-FFF2-40B4-BE49-F238E27FC236}">
+                <a16:creationId xmlns:a16="http://schemas.microsoft.com/office/drawing/2014/main" id="{769CF292-94A9-41A2-2372-070122758865}"/>
+              </a:ext>
+            </a:extLst>
+          </p:cNvPr>
+          <p:cNvSpPr txBox="1"/>
+          <p:nvPr/>
+        </p:nvSpPr>
+        <p:spPr>
+          <a:xfrm>
+            <a:off x="677334" y="1494314"/>
+            <a:ext cx="5985934" cy="1200329"/>
+          </a:xfrm>
+          <a:prstGeom prst="rect">
+            <a:avLst/>
+          </a:prstGeom>
+          <a:noFill/>
+        </p:spPr>
+        <p:txBody>
+          <a:bodyPr wrap="none" rtlCol="0">
+            <a:spAutoFit/>
+          </a:bodyPr>
+          <a:lstStyle/>
+          <a:p>
+            <a:pPr marL="285750" indent="-285750">
+              <a:buFont typeface="Arial" panose="020B0604020202020204" pitchFamily="34" charset="0"/>
+              <a:buChar char="•"/>
+            </a:pPr>
+            <a:r>
+              <a:rPr lang="de-DE" dirty="0"/>
+              <a:t>Vermeidet Wiederholungen von HTML-Code</a:t>
+            </a:r>
+          </a:p>
+          <a:p>
+            <a:pPr marL="285750" indent="-285750">
+              <a:buFont typeface="Arial" panose="020B0604020202020204" pitchFamily="34" charset="0"/>
+              <a:buChar char="•"/>
+            </a:pPr>
+            <a:r>
+              <a:rPr lang="de-DE" dirty="0"/>
+              <a:t>Bietet die Möglichkeit, Inhalt dynamisch darzustellen</a:t>
+            </a:r>
+          </a:p>
+          <a:p>
+            <a:pPr marL="285750" indent="-285750">
+              <a:buFont typeface="Arial" panose="020B0604020202020204" pitchFamily="34" charset="0"/>
+              <a:buChar char="•"/>
+            </a:pPr>
+            <a:r>
+              <a:rPr lang="de-DE" dirty="0"/>
+              <a:t>Einfache Implementierung</a:t>
+            </a:r>
+          </a:p>
+          <a:p>
+            <a:pPr marL="285750" indent="-285750">
+              <a:buFont typeface="Arial" panose="020B0604020202020204" pitchFamily="34" charset="0"/>
+              <a:buChar char="•"/>
+            </a:pPr>
+            <a:endParaRPr lang="de-DE" dirty="0"/>
+          </a:p>
+        </p:txBody>
+      </p:sp>
+      <p:pic>
+        <p:nvPicPr>
+          <p:cNvPr id="7" name="Grafik 6">
+            <a:extLst>
+              <a:ext uri="{FF2B5EF4-FFF2-40B4-BE49-F238E27FC236}">
+                <a16:creationId xmlns:a16="http://schemas.microsoft.com/office/drawing/2014/main" id="{5D70E6D1-36B5-5773-0967-0F56841600AD}"/>
+              </a:ext>
+            </a:extLst>
+          </p:cNvPr>
+          <p:cNvPicPr>
+            <a:picLocks noChangeAspect="1"/>
+          </p:cNvPicPr>
+          <p:nvPr/>
+        </p:nvPicPr>
+        <p:blipFill>
+          <a:blip r:embed="rId2"/>
+          <a:stretch>
+            <a:fillRect/>
+          </a:stretch>
+        </p:blipFill>
+        <p:spPr>
+          <a:xfrm>
+            <a:off x="677334" y="2508309"/>
+            <a:ext cx="7078246" cy="2902590"/>
+          </a:xfrm>
+          <a:prstGeom prst="rect">
+            <a:avLst/>
+          </a:prstGeom>
+        </p:spPr>
+      </p:pic>
+      <p:sp>
+        <p:nvSpPr>
+          <p:cNvPr id="8" name="Textfeld 7">
+            <a:extLst>
+              <a:ext uri="{FF2B5EF4-FFF2-40B4-BE49-F238E27FC236}">
+                <a16:creationId xmlns:a16="http://schemas.microsoft.com/office/drawing/2014/main" id="{93EA5AF2-7D9E-9DA8-F5A2-2BB7431E7EAB}"/>
+              </a:ext>
+            </a:extLst>
+          </p:cNvPr>
+          <p:cNvSpPr txBox="1"/>
+          <p:nvPr/>
+        </p:nvSpPr>
+        <p:spPr>
+          <a:xfrm>
+            <a:off x="677334" y="5541464"/>
+            <a:ext cx="6978192" cy="369332"/>
+          </a:xfrm>
+          <a:prstGeom prst="rect">
+            <a:avLst/>
+          </a:prstGeom>
+          <a:noFill/>
+        </p:spPr>
+        <p:txBody>
+          <a:bodyPr wrap="none" rtlCol="0">
+            <a:spAutoFit/>
+          </a:bodyPr>
+          <a:lstStyle/>
+          <a:p>
+            <a:r>
+              <a:rPr lang="de-DE" dirty="0" err="1"/>
+              <a:t>Implentierung</a:t>
+            </a:r>
+            <a:r>
+              <a:rPr lang="de-DE" dirty="0"/>
+              <a:t>: </a:t>
+            </a:r>
+            <a:r>
+              <a:rPr lang="de-DE" b="0" dirty="0">
+                <a:solidFill>
+                  <a:srgbClr val="000000"/>
+                </a:solidFill>
+                <a:effectLst/>
+                <a:latin typeface="Consolas" panose="020B0609020204030204" pitchFamily="49" charset="0"/>
+              </a:rPr>
+              <a:t>&lt;%- </a:t>
+            </a:r>
+            <a:r>
+              <a:rPr lang="de-DE" b="0" dirty="0" err="1">
+                <a:solidFill>
+                  <a:srgbClr val="795E26"/>
+                </a:solidFill>
+                <a:effectLst/>
+                <a:latin typeface="Consolas" panose="020B0609020204030204" pitchFamily="49" charset="0"/>
+              </a:rPr>
+              <a:t>include</a:t>
+            </a:r>
+            <a:r>
+              <a:rPr lang="de-DE" b="0" dirty="0">
+                <a:solidFill>
+                  <a:srgbClr val="000000"/>
+                </a:solidFill>
+                <a:effectLst/>
+                <a:latin typeface="Consolas" panose="020B0609020204030204" pitchFamily="49" charset="0"/>
+              </a:rPr>
+              <a:t>(</a:t>
+            </a:r>
+            <a:r>
+              <a:rPr lang="de-DE" b="0" dirty="0">
+                <a:solidFill>
+                  <a:srgbClr val="A31515"/>
+                </a:solidFill>
+                <a:effectLst/>
+                <a:latin typeface="Consolas" panose="020B0609020204030204" pitchFamily="49" charset="0"/>
+              </a:rPr>
+              <a:t>'../../</a:t>
+            </a:r>
+            <a:r>
+              <a:rPr lang="de-DE" b="0" dirty="0" err="1">
+                <a:solidFill>
+                  <a:srgbClr val="A31515"/>
+                </a:solidFill>
+                <a:effectLst/>
+                <a:latin typeface="Consolas" panose="020B0609020204030204" pitchFamily="49" charset="0"/>
+              </a:rPr>
+              <a:t>partials</a:t>
+            </a:r>
+            <a:r>
+              <a:rPr lang="de-DE" b="0" dirty="0">
+                <a:solidFill>
+                  <a:srgbClr val="A31515"/>
+                </a:solidFill>
+                <a:effectLst/>
+                <a:latin typeface="Consolas" panose="020B0609020204030204" pitchFamily="49" charset="0"/>
+              </a:rPr>
+              <a:t>/</a:t>
+            </a:r>
+            <a:r>
+              <a:rPr lang="de-DE" b="0" dirty="0" err="1">
+                <a:solidFill>
+                  <a:srgbClr val="A31515"/>
+                </a:solidFill>
+                <a:effectLst/>
+                <a:latin typeface="Consolas" panose="020B0609020204030204" pitchFamily="49" charset="0"/>
+              </a:rPr>
+              <a:t>comment</a:t>
+            </a:r>
+            <a:r>
+              <a:rPr lang="de-DE" b="0" dirty="0">
+                <a:solidFill>
+                  <a:srgbClr val="A31515"/>
+                </a:solidFill>
+                <a:effectLst/>
+                <a:latin typeface="Consolas" panose="020B0609020204030204" pitchFamily="49" charset="0"/>
+              </a:rPr>
+              <a:t>'</a:t>
+            </a:r>
+            <a:r>
+              <a:rPr lang="de-DE" b="0" dirty="0">
+                <a:solidFill>
+                  <a:srgbClr val="000000"/>
+                </a:solidFill>
+                <a:effectLst/>
+                <a:latin typeface="Consolas" panose="020B0609020204030204" pitchFamily="49" charset="0"/>
+              </a:rPr>
+              <a:t>); %&gt;</a:t>
+            </a:r>
+          </a:p>
+        </p:txBody>
+      </p:sp>
+    </p:spTree>
+    <p:extLst>
+      <p:ext uri="{BB962C8B-B14F-4D97-AF65-F5344CB8AC3E}">
+        <p14:creationId xmlns:p14="http://schemas.microsoft.com/office/powerpoint/2010/main" val="1072330656"/>
       </p:ext>
     </p:extLst>
   </p:cSld>
@@ -6153,6 +6881,65 @@
           </a:p>
         </p:txBody>
       </p:sp>
+      <p:sp>
+        <p:nvSpPr>
+          <p:cNvPr id="5" name="Fußzeilenplatzhalter 4">
+            <a:extLst>
+              <a:ext uri="{FF2B5EF4-FFF2-40B4-BE49-F238E27FC236}">
+                <a16:creationId xmlns:a16="http://schemas.microsoft.com/office/drawing/2014/main" id="{23E50305-A43E-A49A-C698-14C02D64ED8E}"/>
+              </a:ext>
+            </a:extLst>
+          </p:cNvPr>
+          <p:cNvSpPr>
+            <a:spLocks noGrp="1"/>
+          </p:cNvSpPr>
+          <p:nvPr>
+            <p:ph type="ftr" sz="quarter" idx="11"/>
+          </p:nvPr>
+        </p:nvSpPr>
+        <p:spPr/>
+        <p:txBody>
+          <a:bodyPr/>
+          <a:lstStyle/>
+          <a:p>
+            <a:r>
+              <a:rPr lang="en-US"/>
+              <a:t>Tobias Schilling, Daniel Balla, Marcus Unglert</a:t>
+            </a:r>
+            <a:endParaRPr lang="en-US" dirty="0"/>
+          </a:p>
+        </p:txBody>
+      </p:sp>
+      <p:sp>
+        <p:nvSpPr>
+          <p:cNvPr id="6" name="Foliennummernplatzhalter 5">
+            <a:extLst>
+              <a:ext uri="{FF2B5EF4-FFF2-40B4-BE49-F238E27FC236}">
+                <a16:creationId xmlns:a16="http://schemas.microsoft.com/office/drawing/2014/main" id="{CD946A44-8011-30F9-A98A-B2BCE419E5F9}"/>
+              </a:ext>
+            </a:extLst>
+          </p:cNvPr>
+          <p:cNvSpPr>
+            <a:spLocks noGrp="1"/>
+          </p:cNvSpPr>
+          <p:nvPr>
+            <p:ph type="sldNum" sz="quarter" idx="12"/>
+          </p:nvPr>
+        </p:nvSpPr>
+        <p:spPr/>
+        <p:txBody>
+          <a:bodyPr/>
+          <a:lstStyle/>
+          <a:p>
+            <a:fld id="{D57F1E4F-1CFF-5643-939E-217C01CDF565}" type="slidenum">
+              <a:rPr lang="en-US" smtClean="0"/>
+              <a:pPr/>
+              <a:t>2</a:t>
+            </a:fld>
+            <a:endParaRPr lang="en-US" dirty="0"/>
+          </a:p>
+        </p:txBody>
+      </p:sp>
     </p:spTree>
     <p:extLst>
       <p:ext uri="{BB962C8B-B14F-4D97-AF65-F5344CB8AC3E}">
@@ -6333,6 +7120,65 @@
           </a:p>
         </p:txBody>
       </p:sp>
+      <p:sp>
+        <p:nvSpPr>
+          <p:cNvPr id="3" name="Fußzeilenplatzhalter 2">
+            <a:extLst>
+              <a:ext uri="{FF2B5EF4-FFF2-40B4-BE49-F238E27FC236}">
+                <a16:creationId xmlns:a16="http://schemas.microsoft.com/office/drawing/2014/main" id="{29ADB3B2-6624-24F4-0E5A-2120284B6384}"/>
+              </a:ext>
+            </a:extLst>
+          </p:cNvPr>
+          <p:cNvSpPr>
+            <a:spLocks noGrp="1"/>
+          </p:cNvSpPr>
+          <p:nvPr>
+            <p:ph type="ftr" sz="quarter" idx="11"/>
+          </p:nvPr>
+        </p:nvSpPr>
+        <p:spPr/>
+        <p:txBody>
+          <a:bodyPr/>
+          <a:lstStyle/>
+          <a:p>
+            <a:r>
+              <a:rPr lang="en-US"/>
+              <a:t>Tobias Schilling, Daniel Balla, Marcus Unglert</a:t>
+            </a:r>
+            <a:endParaRPr lang="en-US" dirty="0"/>
+          </a:p>
+        </p:txBody>
+      </p:sp>
+      <p:sp>
+        <p:nvSpPr>
+          <p:cNvPr id="4" name="Foliennummernplatzhalter 3">
+            <a:extLst>
+              <a:ext uri="{FF2B5EF4-FFF2-40B4-BE49-F238E27FC236}">
+                <a16:creationId xmlns:a16="http://schemas.microsoft.com/office/drawing/2014/main" id="{06FE2CD6-EB68-5B24-7969-B93CADDF86A5}"/>
+              </a:ext>
+            </a:extLst>
+          </p:cNvPr>
+          <p:cNvSpPr>
+            <a:spLocks noGrp="1"/>
+          </p:cNvSpPr>
+          <p:nvPr>
+            <p:ph type="sldNum" sz="quarter" idx="12"/>
+          </p:nvPr>
+        </p:nvSpPr>
+        <p:spPr/>
+        <p:txBody>
+          <a:bodyPr/>
+          <a:lstStyle/>
+          <a:p>
+            <a:fld id="{D57F1E4F-1CFF-5643-939E-217C01CDF565}" type="slidenum">
+              <a:rPr lang="en-US" smtClean="0"/>
+              <a:pPr/>
+              <a:t>3</a:t>
+            </a:fld>
+            <a:endParaRPr lang="en-US" dirty="0"/>
+          </a:p>
+        </p:txBody>
+      </p:sp>
     </p:spTree>
     <p:extLst>
       <p:ext uri="{BB962C8B-B14F-4D97-AF65-F5344CB8AC3E}">
@@ -6384,7 +7230,10 @@
           <a:bodyPr/>
           <a:lstStyle/>
           <a:p>
-            <a:endParaRPr lang="de-DE"/>
+            <a:r>
+              <a:rPr lang="de-DE" dirty="0"/>
+              <a:t>Quiz.css</a:t>
+            </a:r>
           </a:p>
         </p:txBody>
       </p:sp>
@@ -6479,6 +7328,65 @@
           </a:p>
         </p:txBody>
       </p:sp>
+      <p:sp>
+        <p:nvSpPr>
+          <p:cNvPr id="5" name="Fußzeilenplatzhalter 4">
+            <a:extLst>
+              <a:ext uri="{FF2B5EF4-FFF2-40B4-BE49-F238E27FC236}">
+                <a16:creationId xmlns:a16="http://schemas.microsoft.com/office/drawing/2014/main" id="{4C29A20C-C0E1-B7FE-2538-17871A713E05}"/>
+              </a:ext>
+            </a:extLst>
+          </p:cNvPr>
+          <p:cNvSpPr>
+            <a:spLocks noGrp="1"/>
+          </p:cNvSpPr>
+          <p:nvPr>
+            <p:ph type="ftr" sz="quarter" idx="11"/>
+          </p:nvPr>
+        </p:nvSpPr>
+        <p:spPr/>
+        <p:txBody>
+          <a:bodyPr/>
+          <a:lstStyle/>
+          <a:p>
+            <a:r>
+              <a:rPr lang="en-US"/>
+              <a:t>Tobias Schilling, Daniel Balla, Marcus Unglert</a:t>
+            </a:r>
+            <a:endParaRPr lang="en-US" dirty="0"/>
+          </a:p>
+        </p:txBody>
+      </p:sp>
+      <p:sp>
+        <p:nvSpPr>
+          <p:cNvPr id="6" name="Foliennummernplatzhalter 5">
+            <a:extLst>
+              <a:ext uri="{FF2B5EF4-FFF2-40B4-BE49-F238E27FC236}">
+                <a16:creationId xmlns:a16="http://schemas.microsoft.com/office/drawing/2014/main" id="{0C689310-6A32-3B18-8C5F-CDE6F86E9B54}"/>
+              </a:ext>
+            </a:extLst>
+          </p:cNvPr>
+          <p:cNvSpPr>
+            <a:spLocks noGrp="1"/>
+          </p:cNvSpPr>
+          <p:nvPr>
+            <p:ph type="sldNum" sz="quarter" idx="12"/>
+          </p:nvPr>
+        </p:nvSpPr>
+        <p:spPr/>
+        <p:txBody>
+          <a:bodyPr/>
+          <a:lstStyle/>
+          <a:p>
+            <a:fld id="{D57F1E4F-1CFF-5643-939E-217C01CDF565}" type="slidenum">
+              <a:rPr lang="en-US" smtClean="0"/>
+              <a:pPr/>
+              <a:t>4</a:t>
+            </a:fld>
+            <a:endParaRPr lang="en-US" dirty="0"/>
+          </a:p>
+        </p:txBody>
+      </p:sp>
     </p:spTree>
     <p:extLst>
       <p:ext uri="{BB962C8B-B14F-4D97-AF65-F5344CB8AC3E}">
@@ -6528,16 +7436,19 @@
         <p:spPr>
           <a:xfrm>
             <a:off x="677334" y="609600"/>
-            <a:ext cx="8596668" cy="45719"/>
+            <a:ext cx="8596668" cy="908807"/>
           </a:xfrm>
         </p:spPr>
         <p:txBody>
           <a:bodyPr>
-            <a:normAutofit fontScale="90000"/>
+            <a:normAutofit/>
           </a:bodyPr>
           <a:lstStyle/>
           <a:p>
-            <a:endParaRPr lang="de-DE" dirty="0"/>
+            <a:r>
+              <a:rPr lang="de-DE" dirty="0"/>
+              <a:t>Quiz.css</a:t>
+            </a:r>
           </a:p>
         </p:txBody>
       </p:sp>
@@ -6707,6 +7618,65 @@
           </a:p>
         </p:txBody>
       </p:sp>
+      <p:sp>
+        <p:nvSpPr>
+          <p:cNvPr id="5" name="Fußzeilenplatzhalter 4">
+            <a:extLst>
+              <a:ext uri="{FF2B5EF4-FFF2-40B4-BE49-F238E27FC236}">
+                <a16:creationId xmlns:a16="http://schemas.microsoft.com/office/drawing/2014/main" id="{EFF19168-8184-FD2B-92E6-07E85777E7B3}"/>
+              </a:ext>
+            </a:extLst>
+          </p:cNvPr>
+          <p:cNvSpPr>
+            <a:spLocks noGrp="1"/>
+          </p:cNvSpPr>
+          <p:nvPr>
+            <p:ph type="ftr" sz="quarter" idx="11"/>
+          </p:nvPr>
+        </p:nvSpPr>
+        <p:spPr/>
+        <p:txBody>
+          <a:bodyPr/>
+          <a:lstStyle/>
+          <a:p>
+            <a:r>
+              <a:rPr lang="en-US"/>
+              <a:t>Tobias Schilling, Daniel Balla, Marcus Unglert</a:t>
+            </a:r>
+            <a:endParaRPr lang="en-US" dirty="0"/>
+          </a:p>
+        </p:txBody>
+      </p:sp>
+      <p:sp>
+        <p:nvSpPr>
+          <p:cNvPr id="6" name="Foliennummernplatzhalter 5">
+            <a:extLst>
+              <a:ext uri="{FF2B5EF4-FFF2-40B4-BE49-F238E27FC236}">
+                <a16:creationId xmlns:a16="http://schemas.microsoft.com/office/drawing/2014/main" id="{D765CB23-EF6C-B842-88E0-A8214DBFDA5F}"/>
+              </a:ext>
+            </a:extLst>
+          </p:cNvPr>
+          <p:cNvSpPr>
+            <a:spLocks noGrp="1"/>
+          </p:cNvSpPr>
+          <p:nvPr>
+            <p:ph type="sldNum" sz="quarter" idx="12"/>
+          </p:nvPr>
+        </p:nvSpPr>
+        <p:spPr/>
+        <p:txBody>
+          <a:bodyPr/>
+          <a:lstStyle/>
+          <a:p>
+            <a:fld id="{D57F1E4F-1CFF-5643-939E-217C01CDF565}" type="slidenum">
+              <a:rPr lang="en-US" smtClean="0"/>
+              <a:pPr/>
+              <a:t>5</a:t>
+            </a:fld>
+            <a:endParaRPr lang="en-US" dirty="0"/>
+          </a:p>
+        </p:txBody>
+      </p:sp>
     </p:spTree>
     <p:extLst>
       <p:ext uri="{BB962C8B-B14F-4D97-AF65-F5344CB8AC3E}">
@@ -6720,10 +7690,941 @@
 </p:sld>
 </file>
 
+<file path=ppt/slides/slide6.xml><?xml version="1.0" encoding="utf-8"?>
+<p:sld xmlns:a="http://schemas.openxmlformats.org/drawingml/2006/main" xmlns:r="http://schemas.openxmlformats.org/officeDocument/2006/relationships" xmlns:p="http://schemas.openxmlformats.org/presentationml/2006/main">
+  <p:cSld>
+    <p:spTree>
+      <p:nvGrpSpPr>
+        <p:cNvPr id="1" name=""/>
+        <p:cNvGrpSpPr/>
+        <p:nvPr/>
+      </p:nvGrpSpPr>
+      <p:grpSpPr>
+        <a:xfrm>
+          <a:off x="0" y="0"/>
+          <a:ext cx="0" cy="0"/>
+          <a:chOff x="0" y="0"/>
+          <a:chExt cx="0" cy="0"/>
+        </a:xfrm>
+      </p:grpSpPr>
+      <p:sp>
+        <p:nvSpPr>
+          <p:cNvPr id="2" name="Titel 1">
+            <a:extLst>
+              <a:ext uri="{FF2B5EF4-FFF2-40B4-BE49-F238E27FC236}">
+                <a16:creationId xmlns:a16="http://schemas.microsoft.com/office/drawing/2014/main" id="{2D3CEE97-EF69-F25E-4464-163241033C4A}"/>
+              </a:ext>
+            </a:extLst>
+          </p:cNvPr>
+          <p:cNvSpPr>
+            <a:spLocks noGrp="1"/>
+          </p:cNvSpPr>
+          <p:nvPr>
+            <p:ph type="title"/>
+          </p:nvPr>
+        </p:nvSpPr>
+        <p:spPr/>
+        <p:txBody>
+          <a:bodyPr/>
+          <a:lstStyle/>
+          <a:p>
+            <a:r>
+              <a:rPr lang="de-DE" dirty="0" err="1"/>
+              <a:t>Package.json</a:t>
+            </a:r>
+            <a:endParaRPr lang="de-DE" dirty="0"/>
+          </a:p>
+        </p:txBody>
+      </p:sp>
+      <p:sp>
+        <p:nvSpPr>
+          <p:cNvPr id="3" name="Fußzeilenplatzhalter 2">
+            <a:extLst>
+              <a:ext uri="{FF2B5EF4-FFF2-40B4-BE49-F238E27FC236}">
+                <a16:creationId xmlns:a16="http://schemas.microsoft.com/office/drawing/2014/main" id="{DC853E5C-D416-CD61-EC22-ED38097DFE1B}"/>
+              </a:ext>
+            </a:extLst>
+          </p:cNvPr>
+          <p:cNvSpPr>
+            <a:spLocks noGrp="1"/>
+          </p:cNvSpPr>
+          <p:nvPr>
+            <p:ph type="ftr" sz="quarter" idx="11"/>
+          </p:nvPr>
+        </p:nvSpPr>
+        <p:spPr/>
+        <p:txBody>
+          <a:bodyPr/>
+          <a:lstStyle/>
+          <a:p>
+            <a:r>
+              <a:rPr lang="en-US"/>
+              <a:t>Tobias Schilling, Daniel Balla, Marcus Unglert</a:t>
+            </a:r>
+            <a:endParaRPr lang="en-US" dirty="0"/>
+          </a:p>
+        </p:txBody>
+      </p:sp>
+      <p:sp>
+        <p:nvSpPr>
+          <p:cNvPr id="4" name="Foliennummernplatzhalter 3">
+            <a:extLst>
+              <a:ext uri="{FF2B5EF4-FFF2-40B4-BE49-F238E27FC236}">
+                <a16:creationId xmlns:a16="http://schemas.microsoft.com/office/drawing/2014/main" id="{FA5D1188-32ED-66A5-4CE1-0101AA9E7576}"/>
+              </a:ext>
+            </a:extLst>
+          </p:cNvPr>
+          <p:cNvSpPr>
+            <a:spLocks noGrp="1"/>
+          </p:cNvSpPr>
+          <p:nvPr>
+            <p:ph type="sldNum" sz="quarter" idx="12"/>
+          </p:nvPr>
+        </p:nvSpPr>
+        <p:spPr/>
+        <p:txBody>
+          <a:bodyPr/>
+          <a:lstStyle/>
+          <a:p>
+            <a:fld id="{D57F1E4F-1CFF-5643-939E-217C01CDF565}" type="slidenum">
+              <a:rPr lang="en-US" smtClean="0"/>
+              <a:pPr/>
+              <a:t>6</a:t>
+            </a:fld>
+            <a:endParaRPr lang="en-US" dirty="0"/>
+          </a:p>
+        </p:txBody>
+      </p:sp>
+      <p:pic>
+        <p:nvPicPr>
+          <p:cNvPr id="6" name="Grafik 5">
+            <a:extLst>
+              <a:ext uri="{FF2B5EF4-FFF2-40B4-BE49-F238E27FC236}">
+                <a16:creationId xmlns:a16="http://schemas.microsoft.com/office/drawing/2014/main" id="{7878E3B2-3853-6BF9-2903-979869C2762C}"/>
+              </a:ext>
+            </a:extLst>
+          </p:cNvPr>
+          <p:cNvPicPr>
+            <a:picLocks noChangeAspect="1"/>
+          </p:cNvPicPr>
+          <p:nvPr/>
+        </p:nvPicPr>
+        <p:blipFill>
+          <a:blip r:embed="rId2"/>
+          <a:stretch>
+            <a:fillRect/>
+          </a:stretch>
+        </p:blipFill>
+        <p:spPr>
+          <a:xfrm>
+            <a:off x="677334" y="3314583"/>
+            <a:ext cx="3212158" cy="2289262"/>
+          </a:xfrm>
+          <a:prstGeom prst="rect">
+            <a:avLst/>
+          </a:prstGeom>
+        </p:spPr>
+      </p:pic>
+      <p:sp>
+        <p:nvSpPr>
+          <p:cNvPr id="7" name="Textfeld 6">
+            <a:extLst>
+              <a:ext uri="{FF2B5EF4-FFF2-40B4-BE49-F238E27FC236}">
+                <a16:creationId xmlns:a16="http://schemas.microsoft.com/office/drawing/2014/main" id="{EB040016-FF8D-5F3E-473A-4369DC5C6A7A}"/>
+              </a:ext>
+            </a:extLst>
+          </p:cNvPr>
+          <p:cNvSpPr txBox="1"/>
+          <p:nvPr/>
+        </p:nvSpPr>
+        <p:spPr>
+          <a:xfrm>
+            <a:off x="677334" y="5562435"/>
+            <a:ext cx="1122423" cy="276999"/>
+          </a:xfrm>
+          <a:prstGeom prst="rect">
+            <a:avLst/>
+          </a:prstGeom>
+          <a:noFill/>
+        </p:spPr>
+        <p:txBody>
+          <a:bodyPr wrap="none" rtlCol="0">
+            <a:spAutoFit/>
+          </a:bodyPr>
+          <a:lstStyle/>
+          <a:p>
+            <a:r>
+              <a:rPr lang="de-DE" sz="1200" dirty="0" err="1"/>
+              <a:t>dependencies</a:t>
+            </a:r>
+            <a:endParaRPr lang="de-DE" sz="1200" dirty="0"/>
+          </a:p>
+        </p:txBody>
+      </p:sp>
+      <p:pic>
+        <p:nvPicPr>
+          <p:cNvPr id="9" name="Grafik 8">
+            <a:extLst>
+              <a:ext uri="{FF2B5EF4-FFF2-40B4-BE49-F238E27FC236}">
+                <a16:creationId xmlns:a16="http://schemas.microsoft.com/office/drawing/2014/main" id="{2EAD35CA-0061-374C-B5BE-44568B8512E1}"/>
+              </a:ext>
+            </a:extLst>
+          </p:cNvPr>
+          <p:cNvPicPr>
+            <a:picLocks noChangeAspect="1"/>
+          </p:cNvPicPr>
+          <p:nvPr/>
+        </p:nvPicPr>
+        <p:blipFill>
+          <a:blip r:embed="rId3"/>
+          <a:stretch>
+            <a:fillRect/>
+          </a:stretch>
+        </p:blipFill>
+        <p:spPr>
+          <a:xfrm>
+            <a:off x="677333" y="1697577"/>
+            <a:ext cx="4119283" cy="1011097"/>
+          </a:xfrm>
+          <a:prstGeom prst="rect">
+            <a:avLst/>
+          </a:prstGeom>
+        </p:spPr>
+      </p:pic>
+      <p:sp>
+        <p:nvSpPr>
+          <p:cNvPr id="12" name="Textfeld 11">
+            <a:extLst>
+              <a:ext uri="{FF2B5EF4-FFF2-40B4-BE49-F238E27FC236}">
+                <a16:creationId xmlns:a16="http://schemas.microsoft.com/office/drawing/2014/main" id="{82868ACD-0A8B-0C55-7A68-E191C90A4FA4}"/>
+              </a:ext>
+            </a:extLst>
+          </p:cNvPr>
+          <p:cNvSpPr txBox="1"/>
+          <p:nvPr/>
+        </p:nvSpPr>
+        <p:spPr>
+          <a:xfrm>
+            <a:off x="677332" y="2641371"/>
+            <a:ext cx="910827" cy="276999"/>
+          </a:xfrm>
+          <a:prstGeom prst="rect">
+            <a:avLst/>
+          </a:prstGeom>
+          <a:noFill/>
+        </p:spPr>
+        <p:txBody>
+          <a:bodyPr wrap="none" rtlCol="0">
+            <a:spAutoFit/>
+          </a:bodyPr>
+          <a:lstStyle/>
+          <a:p>
+            <a:r>
+              <a:rPr lang="de-DE" sz="1200" dirty="0"/>
+              <a:t>Metadaten</a:t>
+            </a:r>
+          </a:p>
+        </p:txBody>
+      </p:sp>
+      <p:sp>
+        <p:nvSpPr>
+          <p:cNvPr id="13" name="Textfeld 12">
+            <a:extLst>
+              <a:ext uri="{FF2B5EF4-FFF2-40B4-BE49-F238E27FC236}">
+                <a16:creationId xmlns:a16="http://schemas.microsoft.com/office/drawing/2014/main" id="{8464C33E-E0BA-29B2-1B71-A4374FB3EBD6}"/>
+              </a:ext>
+            </a:extLst>
+          </p:cNvPr>
+          <p:cNvSpPr txBox="1"/>
+          <p:nvPr/>
+        </p:nvSpPr>
+        <p:spPr>
+          <a:xfrm>
+            <a:off x="5805181" y="1579541"/>
+            <a:ext cx="2785481" cy="1200329"/>
+          </a:xfrm>
+          <a:prstGeom prst="rect">
+            <a:avLst/>
+          </a:prstGeom>
+          <a:noFill/>
+        </p:spPr>
+        <p:txBody>
+          <a:bodyPr wrap="square" rtlCol="0">
+            <a:spAutoFit/>
+          </a:bodyPr>
+          <a:lstStyle/>
+          <a:p>
+            <a:r>
+              <a:rPr lang="de-DE" dirty="0"/>
+              <a:t>Metadaten wie Name und Version.</a:t>
+            </a:r>
+          </a:p>
+          <a:p>
+            <a:r>
+              <a:rPr lang="de-DE" dirty="0"/>
+              <a:t>„</a:t>
+            </a:r>
+            <a:r>
+              <a:rPr lang="de-DE" dirty="0" err="1"/>
+              <a:t>main</a:t>
+            </a:r>
+            <a:r>
+              <a:rPr lang="de-DE" dirty="0"/>
+              <a:t>“ definiert die Einstiegsdatei.</a:t>
+            </a:r>
+          </a:p>
+        </p:txBody>
+      </p:sp>
+      <p:sp>
+        <p:nvSpPr>
+          <p:cNvPr id="14" name="Textfeld 13">
+            <a:extLst>
+              <a:ext uri="{FF2B5EF4-FFF2-40B4-BE49-F238E27FC236}">
+                <a16:creationId xmlns:a16="http://schemas.microsoft.com/office/drawing/2014/main" id="{CE83F4E7-4B57-060C-7941-23E2E843B9A7}"/>
+              </a:ext>
+            </a:extLst>
+          </p:cNvPr>
+          <p:cNvSpPr txBox="1"/>
+          <p:nvPr/>
+        </p:nvSpPr>
+        <p:spPr>
+          <a:xfrm>
+            <a:off x="5805181" y="3217387"/>
+            <a:ext cx="2413438" cy="1754326"/>
+          </a:xfrm>
+          <a:prstGeom prst="rect">
+            <a:avLst/>
+          </a:prstGeom>
+          <a:noFill/>
+        </p:spPr>
+        <p:txBody>
+          <a:bodyPr wrap="square" rtlCol="0">
+            <a:spAutoFit/>
+          </a:bodyPr>
+          <a:lstStyle/>
+          <a:p>
+            <a:r>
+              <a:rPr lang="de-DE" dirty="0"/>
+              <a:t>NPM Pakete, die für die Anwendung benötigt werden. Können mit „</a:t>
+            </a:r>
+            <a:r>
+              <a:rPr lang="de-DE" dirty="0" err="1"/>
+              <a:t>npm</a:t>
+            </a:r>
+            <a:r>
+              <a:rPr lang="de-DE" dirty="0"/>
+              <a:t> </a:t>
+            </a:r>
+            <a:r>
+              <a:rPr lang="de-DE" dirty="0" err="1"/>
+              <a:t>install</a:t>
+            </a:r>
+            <a:r>
+              <a:rPr lang="de-DE" dirty="0"/>
+              <a:t>“ installiert werden.</a:t>
+            </a:r>
+          </a:p>
+        </p:txBody>
+      </p:sp>
+    </p:spTree>
+    <p:extLst>
+      <p:ext uri="{BB962C8B-B14F-4D97-AF65-F5344CB8AC3E}">
+        <p14:creationId xmlns:p14="http://schemas.microsoft.com/office/powerpoint/2010/main" val="637176654"/>
+      </p:ext>
+    </p:extLst>
+  </p:cSld>
+  <p:clrMapOvr>
+    <a:masterClrMapping/>
+  </p:clrMapOvr>
+</p:sld>
+</file>
+
+<file path=ppt/slides/slide7.xml><?xml version="1.0" encoding="utf-8"?>
+<p:sld xmlns:a="http://schemas.openxmlformats.org/drawingml/2006/main" xmlns:r="http://schemas.openxmlformats.org/officeDocument/2006/relationships" xmlns:p="http://schemas.openxmlformats.org/presentationml/2006/main">
+  <p:cSld>
+    <p:spTree>
+      <p:nvGrpSpPr>
+        <p:cNvPr id="1" name=""/>
+        <p:cNvGrpSpPr/>
+        <p:nvPr/>
+      </p:nvGrpSpPr>
+      <p:grpSpPr>
+        <a:xfrm>
+          <a:off x="0" y="0"/>
+          <a:ext cx="0" cy="0"/>
+          <a:chOff x="0" y="0"/>
+          <a:chExt cx="0" cy="0"/>
+        </a:xfrm>
+      </p:grpSpPr>
+      <p:sp>
+        <p:nvSpPr>
+          <p:cNvPr id="2" name="Titel 1">
+            <a:extLst>
+              <a:ext uri="{FF2B5EF4-FFF2-40B4-BE49-F238E27FC236}">
+                <a16:creationId xmlns:a16="http://schemas.microsoft.com/office/drawing/2014/main" id="{1F7AC5EB-2596-4E52-7831-87DCFED82254}"/>
+              </a:ext>
+            </a:extLst>
+          </p:cNvPr>
+          <p:cNvSpPr>
+            <a:spLocks noGrp="1"/>
+          </p:cNvSpPr>
+          <p:nvPr>
+            <p:ph type="title"/>
+          </p:nvPr>
+        </p:nvSpPr>
+        <p:spPr/>
+        <p:txBody>
+          <a:bodyPr/>
+          <a:lstStyle/>
+          <a:p>
+            <a:r>
+              <a:rPr lang="de-DE" dirty="0"/>
+              <a:t>Index.js</a:t>
+            </a:r>
+            <a:br>
+              <a:rPr lang="de-DE" dirty="0"/>
+            </a:br>
+            <a:r>
+              <a:rPr lang="de-DE" sz="2800" dirty="0"/>
+              <a:t>/</a:t>
+            </a:r>
+            <a:r>
+              <a:rPr lang="de-DE" sz="2800" dirty="0" err="1"/>
+              <a:t>newUser</a:t>
+            </a:r>
+            <a:endParaRPr lang="de-DE" sz="2800" dirty="0"/>
+          </a:p>
+        </p:txBody>
+      </p:sp>
+      <p:sp>
+        <p:nvSpPr>
+          <p:cNvPr id="3" name="Fußzeilenplatzhalter 2">
+            <a:extLst>
+              <a:ext uri="{FF2B5EF4-FFF2-40B4-BE49-F238E27FC236}">
+                <a16:creationId xmlns:a16="http://schemas.microsoft.com/office/drawing/2014/main" id="{C2454D19-0042-039A-FF2A-0958E7E90850}"/>
+              </a:ext>
+            </a:extLst>
+          </p:cNvPr>
+          <p:cNvSpPr>
+            <a:spLocks noGrp="1"/>
+          </p:cNvSpPr>
+          <p:nvPr>
+            <p:ph type="ftr" sz="quarter" idx="11"/>
+          </p:nvPr>
+        </p:nvSpPr>
+        <p:spPr/>
+        <p:txBody>
+          <a:bodyPr/>
+          <a:lstStyle/>
+          <a:p>
+            <a:r>
+              <a:rPr lang="en-US"/>
+              <a:t>Tobias Schilling, Daniel Balla, Marcus Unglert</a:t>
+            </a:r>
+            <a:endParaRPr lang="en-US" dirty="0"/>
+          </a:p>
+        </p:txBody>
+      </p:sp>
+      <p:sp>
+        <p:nvSpPr>
+          <p:cNvPr id="4" name="Foliennummernplatzhalter 3">
+            <a:extLst>
+              <a:ext uri="{FF2B5EF4-FFF2-40B4-BE49-F238E27FC236}">
+                <a16:creationId xmlns:a16="http://schemas.microsoft.com/office/drawing/2014/main" id="{81B46057-5BA2-9F6F-D448-F2EF6A060B9C}"/>
+              </a:ext>
+            </a:extLst>
+          </p:cNvPr>
+          <p:cNvSpPr>
+            <a:spLocks noGrp="1"/>
+          </p:cNvSpPr>
+          <p:nvPr>
+            <p:ph type="sldNum" sz="quarter" idx="12"/>
+          </p:nvPr>
+        </p:nvSpPr>
+        <p:spPr/>
+        <p:txBody>
+          <a:bodyPr/>
+          <a:lstStyle/>
+          <a:p>
+            <a:fld id="{D57F1E4F-1CFF-5643-939E-217C01CDF565}" type="slidenum">
+              <a:rPr lang="en-US" smtClean="0"/>
+              <a:pPr/>
+              <a:t>7</a:t>
+            </a:fld>
+            <a:endParaRPr lang="en-US" dirty="0"/>
+          </a:p>
+        </p:txBody>
+      </p:sp>
+      <p:pic>
+        <p:nvPicPr>
+          <p:cNvPr id="6" name="Grafik 5">
+            <a:extLst>
+              <a:ext uri="{FF2B5EF4-FFF2-40B4-BE49-F238E27FC236}">
+                <a16:creationId xmlns:a16="http://schemas.microsoft.com/office/drawing/2014/main" id="{FF626BCF-64F7-9F0B-918E-69D20FC0D1F2}"/>
+              </a:ext>
+            </a:extLst>
+          </p:cNvPr>
+          <p:cNvPicPr>
+            <a:picLocks noChangeAspect="1"/>
+          </p:cNvPicPr>
+          <p:nvPr/>
+        </p:nvPicPr>
+        <p:blipFill>
+          <a:blip r:embed="rId2"/>
+          <a:stretch>
+            <a:fillRect/>
+          </a:stretch>
+        </p:blipFill>
+        <p:spPr>
+          <a:xfrm>
+            <a:off x="3448186" y="468071"/>
+            <a:ext cx="4657945" cy="5938416"/>
+          </a:xfrm>
+          <a:prstGeom prst="rect">
+            <a:avLst/>
+          </a:prstGeom>
+        </p:spPr>
+      </p:pic>
+      <p:sp>
+        <p:nvSpPr>
+          <p:cNvPr id="7" name="Textfeld 6">
+            <a:extLst>
+              <a:ext uri="{FF2B5EF4-FFF2-40B4-BE49-F238E27FC236}">
+                <a16:creationId xmlns:a16="http://schemas.microsoft.com/office/drawing/2014/main" id="{B5BC27A2-5EAD-B8AD-6C29-8212852C7DB1}"/>
+              </a:ext>
+            </a:extLst>
+          </p:cNvPr>
+          <p:cNvSpPr txBox="1"/>
+          <p:nvPr/>
+        </p:nvSpPr>
+        <p:spPr>
+          <a:xfrm>
+            <a:off x="677334" y="2785551"/>
+            <a:ext cx="2626065" cy="1200329"/>
+          </a:xfrm>
+          <a:prstGeom prst="rect">
+            <a:avLst/>
+          </a:prstGeom>
+          <a:noFill/>
+        </p:spPr>
+        <p:txBody>
+          <a:bodyPr wrap="square" rtlCol="0">
+            <a:spAutoFit/>
+          </a:bodyPr>
+          <a:lstStyle/>
+          <a:p>
+            <a:r>
+              <a:rPr lang="de-DE" dirty="0"/>
+              <a:t>Route wird aufgerufen, wenn ein neuer Benutzer angelegt werden soll.</a:t>
+            </a:r>
+          </a:p>
+        </p:txBody>
+      </p:sp>
+    </p:spTree>
+    <p:extLst>
+      <p:ext uri="{BB962C8B-B14F-4D97-AF65-F5344CB8AC3E}">
+        <p14:creationId xmlns:p14="http://schemas.microsoft.com/office/powerpoint/2010/main" val="1421041455"/>
+      </p:ext>
+    </p:extLst>
+  </p:cSld>
+  <p:clrMapOvr>
+    <a:masterClrMapping/>
+  </p:clrMapOvr>
+</p:sld>
+</file>
+
+<file path=ppt/slides/slide8.xml><?xml version="1.0" encoding="utf-8"?>
+<p:sld xmlns:a="http://schemas.openxmlformats.org/drawingml/2006/main" xmlns:r="http://schemas.openxmlformats.org/officeDocument/2006/relationships" xmlns:p="http://schemas.openxmlformats.org/presentationml/2006/main">
+  <p:cSld>
+    <p:spTree>
+      <p:nvGrpSpPr>
+        <p:cNvPr id="1" name=""/>
+        <p:cNvGrpSpPr/>
+        <p:nvPr/>
+      </p:nvGrpSpPr>
+      <p:grpSpPr>
+        <a:xfrm>
+          <a:off x="0" y="0"/>
+          <a:ext cx="0" cy="0"/>
+          <a:chOff x="0" y="0"/>
+          <a:chExt cx="0" cy="0"/>
+        </a:xfrm>
+      </p:grpSpPr>
+      <p:sp>
+        <p:nvSpPr>
+          <p:cNvPr id="2" name="Titel 1">
+            <a:extLst>
+              <a:ext uri="{FF2B5EF4-FFF2-40B4-BE49-F238E27FC236}">
+                <a16:creationId xmlns:a16="http://schemas.microsoft.com/office/drawing/2014/main" id="{F16F57FB-0A31-BB09-06CB-5AD3335295D5}"/>
+              </a:ext>
+            </a:extLst>
+          </p:cNvPr>
+          <p:cNvSpPr>
+            <a:spLocks noGrp="1"/>
+          </p:cNvSpPr>
+          <p:nvPr>
+            <p:ph type="title"/>
+          </p:nvPr>
+        </p:nvSpPr>
+        <p:spPr/>
+        <p:txBody>
+          <a:bodyPr/>
+          <a:lstStyle/>
+          <a:p>
+            <a:r>
+              <a:rPr lang="de-DE" dirty="0"/>
+              <a:t>Index.js</a:t>
+            </a:r>
+            <a:br>
+              <a:rPr lang="de-DE" dirty="0"/>
+            </a:br>
+            <a:r>
+              <a:rPr lang="de-DE" sz="2800" dirty="0"/>
+              <a:t>/</a:t>
+            </a:r>
+            <a:r>
+              <a:rPr lang="de-DE" sz="2800" dirty="0" err="1"/>
+              <a:t>auth</a:t>
+            </a:r>
+            <a:endParaRPr lang="de-DE" sz="2800" dirty="0"/>
+          </a:p>
+        </p:txBody>
+      </p:sp>
+      <p:sp>
+        <p:nvSpPr>
+          <p:cNvPr id="3" name="Fußzeilenplatzhalter 2">
+            <a:extLst>
+              <a:ext uri="{FF2B5EF4-FFF2-40B4-BE49-F238E27FC236}">
+                <a16:creationId xmlns:a16="http://schemas.microsoft.com/office/drawing/2014/main" id="{3D8AA3C1-B423-A863-832E-CB325C4F263C}"/>
+              </a:ext>
+            </a:extLst>
+          </p:cNvPr>
+          <p:cNvSpPr>
+            <a:spLocks noGrp="1"/>
+          </p:cNvSpPr>
+          <p:nvPr>
+            <p:ph type="ftr" sz="quarter" idx="11"/>
+          </p:nvPr>
+        </p:nvSpPr>
+        <p:spPr/>
+        <p:txBody>
+          <a:bodyPr/>
+          <a:lstStyle/>
+          <a:p>
+            <a:r>
+              <a:rPr lang="en-US"/>
+              <a:t>Tobias Schilling, Daniel Balla, Marcus Unglert</a:t>
+            </a:r>
+            <a:endParaRPr lang="en-US" dirty="0"/>
+          </a:p>
+        </p:txBody>
+      </p:sp>
+      <p:sp>
+        <p:nvSpPr>
+          <p:cNvPr id="4" name="Foliennummernplatzhalter 3">
+            <a:extLst>
+              <a:ext uri="{FF2B5EF4-FFF2-40B4-BE49-F238E27FC236}">
+                <a16:creationId xmlns:a16="http://schemas.microsoft.com/office/drawing/2014/main" id="{C5456591-7018-3B20-A69C-2204DFFB8452}"/>
+              </a:ext>
+            </a:extLst>
+          </p:cNvPr>
+          <p:cNvSpPr>
+            <a:spLocks noGrp="1"/>
+          </p:cNvSpPr>
+          <p:nvPr>
+            <p:ph type="sldNum" sz="quarter" idx="12"/>
+          </p:nvPr>
+        </p:nvSpPr>
+        <p:spPr/>
+        <p:txBody>
+          <a:bodyPr/>
+          <a:lstStyle/>
+          <a:p>
+            <a:fld id="{D57F1E4F-1CFF-5643-939E-217C01CDF565}" type="slidenum">
+              <a:rPr lang="en-US" smtClean="0"/>
+              <a:pPr/>
+              <a:t>8</a:t>
+            </a:fld>
+            <a:endParaRPr lang="en-US" dirty="0"/>
+          </a:p>
+        </p:txBody>
+      </p:sp>
+      <p:pic>
+        <p:nvPicPr>
+          <p:cNvPr id="6" name="Grafik 5">
+            <a:extLst>
+              <a:ext uri="{FF2B5EF4-FFF2-40B4-BE49-F238E27FC236}">
+                <a16:creationId xmlns:a16="http://schemas.microsoft.com/office/drawing/2014/main" id="{E8363000-85F9-E5BE-F663-7E7179D49874}"/>
+              </a:ext>
+            </a:extLst>
+          </p:cNvPr>
+          <p:cNvPicPr>
+            <a:picLocks noChangeAspect="1"/>
+          </p:cNvPicPr>
+          <p:nvPr/>
+        </p:nvPicPr>
+        <p:blipFill>
+          <a:blip r:embed="rId2"/>
+          <a:stretch>
+            <a:fillRect/>
+          </a:stretch>
+        </p:blipFill>
+        <p:spPr>
+          <a:xfrm>
+            <a:off x="3194834" y="693490"/>
+            <a:ext cx="6224099" cy="4776132"/>
+          </a:xfrm>
+          <a:prstGeom prst="rect">
+            <a:avLst/>
+          </a:prstGeom>
+        </p:spPr>
+      </p:pic>
+      <p:sp>
+        <p:nvSpPr>
+          <p:cNvPr id="7" name="Textfeld 6">
+            <a:extLst>
+              <a:ext uri="{FF2B5EF4-FFF2-40B4-BE49-F238E27FC236}">
+                <a16:creationId xmlns:a16="http://schemas.microsoft.com/office/drawing/2014/main" id="{0C418E01-3EAC-6B9C-B825-B567ED715E45}"/>
+              </a:ext>
+            </a:extLst>
+          </p:cNvPr>
+          <p:cNvSpPr txBox="1"/>
+          <p:nvPr/>
+        </p:nvSpPr>
+        <p:spPr>
+          <a:xfrm>
+            <a:off x="677334" y="2785551"/>
+            <a:ext cx="2426593" cy="1200329"/>
+          </a:xfrm>
+          <a:prstGeom prst="rect">
+            <a:avLst/>
+          </a:prstGeom>
+          <a:noFill/>
+        </p:spPr>
+        <p:txBody>
+          <a:bodyPr wrap="square" rtlCol="0">
+            <a:spAutoFit/>
+          </a:bodyPr>
+          <a:lstStyle/>
+          <a:p>
+            <a:r>
+              <a:rPr lang="de-DE" dirty="0"/>
+              <a:t>Route wird aufgerufen, wenn ein neuer Benutzer sich anmeldet.</a:t>
+            </a:r>
+          </a:p>
+        </p:txBody>
+      </p:sp>
+    </p:spTree>
+    <p:extLst>
+      <p:ext uri="{BB962C8B-B14F-4D97-AF65-F5344CB8AC3E}">
+        <p14:creationId xmlns:p14="http://schemas.microsoft.com/office/powerpoint/2010/main" val="688233161"/>
+      </p:ext>
+    </p:extLst>
+  </p:cSld>
+  <p:clrMapOvr>
+    <a:masterClrMapping/>
+  </p:clrMapOvr>
+</p:sld>
+</file>
+
+<file path=ppt/slides/slide9.xml><?xml version="1.0" encoding="utf-8"?>
+<p:sld xmlns:a="http://schemas.openxmlformats.org/drawingml/2006/main" xmlns:r="http://schemas.openxmlformats.org/officeDocument/2006/relationships" xmlns:p="http://schemas.openxmlformats.org/presentationml/2006/main">
+  <p:cSld>
+    <p:spTree>
+      <p:nvGrpSpPr>
+        <p:cNvPr id="1" name=""/>
+        <p:cNvGrpSpPr/>
+        <p:nvPr/>
+      </p:nvGrpSpPr>
+      <p:grpSpPr>
+        <a:xfrm>
+          <a:off x="0" y="0"/>
+          <a:ext cx="0" cy="0"/>
+          <a:chOff x="0" y="0"/>
+          <a:chExt cx="0" cy="0"/>
+        </a:xfrm>
+      </p:grpSpPr>
+      <p:pic>
+        <p:nvPicPr>
+          <p:cNvPr id="7" name="Grafik 6">
+            <a:extLst>
+              <a:ext uri="{FF2B5EF4-FFF2-40B4-BE49-F238E27FC236}">
+                <a16:creationId xmlns:a16="http://schemas.microsoft.com/office/drawing/2014/main" id="{198F8F01-31BB-3EDD-CA04-F97413B22006}"/>
+              </a:ext>
+            </a:extLst>
+          </p:cNvPr>
+          <p:cNvPicPr>
+            <a:picLocks noChangeAspect="1"/>
+          </p:cNvPicPr>
+          <p:nvPr/>
+        </p:nvPicPr>
+        <p:blipFill>
+          <a:blip r:embed="rId2"/>
+          <a:stretch>
+            <a:fillRect/>
+          </a:stretch>
+        </p:blipFill>
+        <p:spPr>
+          <a:xfrm>
+            <a:off x="3329929" y="609600"/>
+            <a:ext cx="5944073" cy="4994246"/>
+          </a:xfrm>
+          <a:prstGeom prst="rect">
+            <a:avLst/>
+          </a:prstGeom>
+        </p:spPr>
+      </p:pic>
+      <p:sp>
+        <p:nvSpPr>
+          <p:cNvPr id="2" name="Titel 1">
+            <a:extLst>
+              <a:ext uri="{FF2B5EF4-FFF2-40B4-BE49-F238E27FC236}">
+                <a16:creationId xmlns:a16="http://schemas.microsoft.com/office/drawing/2014/main" id="{EBF997AB-BA9E-53A3-5907-0B5F715DAFA3}"/>
+              </a:ext>
+            </a:extLst>
+          </p:cNvPr>
+          <p:cNvSpPr>
+            <a:spLocks noGrp="1"/>
+          </p:cNvSpPr>
+          <p:nvPr>
+            <p:ph type="title"/>
+          </p:nvPr>
+        </p:nvSpPr>
+        <p:spPr/>
+        <p:txBody>
+          <a:bodyPr/>
+          <a:lstStyle/>
+          <a:p>
+            <a:r>
+              <a:rPr lang="de-DE" dirty="0"/>
+              <a:t>Index.js</a:t>
+            </a:r>
+            <a:br>
+              <a:rPr lang="de-DE" dirty="0"/>
+            </a:br>
+            <a:r>
+              <a:rPr lang="de-DE" sz="2800" dirty="0"/>
+              <a:t>/</a:t>
+            </a:r>
+            <a:r>
+              <a:rPr lang="de-DE" sz="2800" dirty="0" err="1"/>
+              <a:t>newComment</a:t>
+            </a:r>
+            <a:endParaRPr lang="de-DE" sz="2800" dirty="0"/>
+          </a:p>
+        </p:txBody>
+      </p:sp>
+      <p:sp>
+        <p:nvSpPr>
+          <p:cNvPr id="3" name="Fußzeilenplatzhalter 2">
+            <a:extLst>
+              <a:ext uri="{FF2B5EF4-FFF2-40B4-BE49-F238E27FC236}">
+                <a16:creationId xmlns:a16="http://schemas.microsoft.com/office/drawing/2014/main" id="{87210FE0-7DE1-AF39-D78F-9244D5EB8856}"/>
+              </a:ext>
+            </a:extLst>
+          </p:cNvPr>
+          <p:cNvSpPr>
+            <a:spLocks noGrp="1"/>
+          </p:cNvSpPr>
+          <p:nvPr>
+            <p:ph type="ftr" sz="quarter" idx="11"/>
+          </p:nvPr>
+        </p:nvSpPr>
+        <p:spPr/>
+        <p:txBody>
+          <a:bodyPr/>
+          <a:lstStyle/>
+          <a:p>
+            <a:r>
+              <a:rPr lang="en-US"/>
+              <a:t>Tobias Schilling, Daniel Balla, Marcus Unglert</a:t>
+            </a:r>
+            <a:endParaRPr lang="en-US" dirty="0"/>
+          </a:p>
+        </p:txBody>
+      </p:sp>
+      <p:sp>
+        <p:nvSpPr>
+          <p:cNvPr id="4" name="Foliennummernplatzhalter 3">
+            <a:extLst>
+              <a:ext uri="{FF2B5EF4-FFF2-40B4-BE49-F238E27FC236}">
+                <a16:creationId xmlns:a16="http://schemas.microsoft.com/office/drawing/2014/main" id="{FA6ED27F-ECF6-1DB0-2C0E-376F11E5B3E3}"/>
+              </a:ext>
+            </a:extLst>
+          </p:cNvPr>
+          <p:cNvSpPr>
+            <a:spLocks noGrp="1"/>
+          </p:cNvSpPr>
+          <p:nvPr>
+            <p:ph type="sldNum" sz="quarter" idx="12"/>
+          </p:nvPr>
+        </p:nvSpPr>
+        <p:spPr/>
+        <p:txBody>
+          <a:bodyPr/>
+          <a:lstStyle/>
+          <a:p>
+            <a:fld id="{D57F1E4F-1CFF-5643-939E-217C01CDF565}" type="slidenum">
+              <a:rPr lang="en-US" smtClean="0"/>
+              <a:pPr/>
+              <a:t>9</a:t>
+            </a:fld>
+            <a:endParaRPr lang="en-US" dirty="0"/>
+          </a:p>
+        </p:txBody>
+      </p:sp>
+      <p:sp>
+        <p:nvSpPr>
+          <p:cNvPr id="8" name="Textfeld 7">
+            <a:extLst>
+              <a:ext uri="{FF2B5EF4-FFF2-40B4-BE49-F238E27FC236}">
+                <a16:creationId xmlns:a16="http://schemas.microsoft.com/office/drawing/2014/main" id="{D5A87EBF-B34A-3163-EDF0-0EC46D3D4FE0}"/>
+              </a:ext>
+            </a:extLst>
+          </p:cNvPr>
+          <p:cNvSpPr txBox="1"/>
+          <p:nvPr/>
+        </p:nvSpPr>
+        <p:spPr>
+          <a:xfrm>
+            <a:off x="677334" y="2785551"/>
+            <a:ext cx="2426593" cy="1200329"/>
+          </a:xfrm>
+          <a:prstGeom prst="rect">
+            <a:avLst/>
+          </a:prstGeom>
+          <a:noFill/>
+        </p:spPr>
+        <p:txBody>
+          <a:bodyPr wrap="square" rtlCol="0">
+            <a:spAutoFit/>
+          </a:bodyPr>
+          <a:lstStyle/>
+          <a:p>
+            <a:r>
+              <a:rPr lang="de-DE" dirty="0"/>
+              <a:t>Route wird aufgerufen, wenn ein neuer Benutzer sich anmeldet.</a:t>
+            </a:r>
+          </a:p>
+        </p:txBody>
+      </p:sp>
+    </p:spTree>
+    <p:extLst>
+      <p:ext uri="{BB962C8B-B14F-4D97-AF65-F5344CB8AC3E}">
+        <p14:creationId xmlns:p14="http://schemas.microsoft.com/office/powerpoint/2010/main" val="1301987213"/>
+      </p:ext>
+    </p:extLst>
+  </p:cSld>
+  <p:clrMapOvr>
+    <a:masterClrMapping/>
+  </p:clrMapOvr>
+</p:sld>
+</file>
+
 <file path=ppt/theme/theme1.xml><?xml version="1.0" encoding="utf-8"?>
 <a:theme xmlns:a="http://schemas.openxmlformats.org/drawingml/2006/main" name="Facette">
   <a:themeElements>
-    <a:clrScheme name="Rot">
+    <a:clrScheme name="Rotorange">
       <a:dk1>
         <a:sysClr val="windowText" lastClr="000000"/>
       </a:dk1>
@@ -6731,37 +8632,37 @@
         <a:sysClr val="window" lastClr="FFFFFF"/>
       </a:lt1>
       <a:dk2>
-        <a:srgbClr val="323232"/>
+        <a:srgbClr val="505046"/>
       </a:dk2>
       <a:lt2>
-        <a:srgbClr val="E5C243"/>
+        <a:srgbClr val="EEECE1"/>
       </a:lt2>
       <a:accent1>
-        <a:srgbClr val="A5300F"/>
+        <a:srgbClr val="E84C22"/>
       </a:accent1>
       <a:accent2>
-        <a:srgbClr val="D55816"/>
+        <a:srgbClr val="FFBD47"/>
       </a:accent2>
       <a:accent3>
-        <a:srgbClr val="E19825"/>
+        <a:srgbClr val="B64926"/>
       </a:accent3>
       <a:accent4>
-        <a:srgbClr val="B19C7D"/>
+        <a:srgbClr val="FF8427"/>
       </a:accent4>
       <a:accent5>
-        <a:srgbClr val="7F5F52"/>
+        <a:srgbClr val="CC9900"/>
       </a:accent5>
       <a:accent6>
-        <a:srgbClr val="B27D49"/>
+        <a:srgbClr val="B22600"/>
       </a:accent6>
       <a:hlink>
-        <a:srgbClr val="6B9F25"/>
+        <a:srgbClr val="CC9900"/>
       </a:hlink>
       <a:folHlink>
-        <a:srgbClr val="B26B02"/>
+        <a:srgbClr val="666699"/>
       </a:folHlink>
     </a:clrScheme>
-    <a:fontScheme name="Facette">
+    <a:fontScheme name="Facet">
       <a:majorFont>
         <a:latin typeface="Trebuchet MS" panose="020B0603020202020204"/>
         <a:ea typeface=""/>
@@ -6833,7 +8734,7 @@
         <a:font script="Geor" typeface="Sylfaen"/>
       </a:minorFont>
     </a:fontScheme>
-    <a:fmtScheme name="Office 2007-2010">
+    <a:fmtScheme name="Facet">
       <a:fillStyleLst>
         <a:solidFill>
           <a:schemeClr val="phClr"/>
@@ -6842,66 +8743,50 @@
           <a:gsLst>
             <a:gs pos="0">
               <a:schemeClr val="phClr">
-                <a:tint val="50000"/>
-                <a:satMod val="300000"/>
+                <a:tint val="65000"/>
+                <a:lumMod val="110000"/>
               </a:schemeClr>
             </a:gs>
-            <a:gs pos="35000">
+            <a:gs pos="88000">
               <a:schemeClr val="phClr">
-                <a:tint val="37000"/>
-                <a:satMod val="300000"/>
-              </a:schemeClr>
-            </a:gs>
-            <a:gs pos="100000">
-              <a:schemeClr val="phClr">
-                <a:tint val="15000"/>
-                <a:satMod val="350000"/>
+                <a:tint val="90000"/>
               </a:schemeClr>
             </a:gs>
           </a:gsLst>
-          <a:lin ang="16200000" scaled="1"/>
+          <a:lin ang="5400000" scaled="0"/>
         </a:gradFill>
         <a:gradFill rotWithShape="1">
           <a:gsLst>
             <a:gs pos="0">
               <a:schemeClr val="phClr">
-                <a:shade val="51000"/>
-                <a:satMod val="130000"/>
+                <a:tint val="96000"/>
+                <a:lumMod val="100000"/>
               </a:schemeClr>
             </a:gs>
-            <a:gs pos="80000">
-              <a:schemeClr val="phClr">
-                <a:shade val="93000"/>
-                <a:satMod val="130000"/>
-              </a:schemeClr>
-            </a:gs>
-            <a:gs pos="100000">
+            <a:gs pos="78000">
               <a:schemeClr val="phClr">
                 <a:shade val="94000"/>
-                <a:satMod val="135000"/>
+                <a:lumMod val="94000"/>
               </a:schemeClr>
             </a:gs>
           </a:gsLst>
-          <a:lin ang="16200000" scaled="0"/>
+          <a:lin ang="5400000" scaled="0"/>
         </a:gradFill>
       </a:fillStyleLst>
       <a:lnStyleLst>
-        <a:ln w="9525" cap="flat" cmpd="sng" algn="ctr">
-          <a:solidFill>
-            <a:schemeClr val="phClr">
-              <a:shade val="95000"/>
-              <a:satMod val="105000"/>
-            </a:schemeClr>
-          </a:solidFill>
-          <a:prstDash val="solid"/>
-        </a:ln>
-        <a:ln w="25400" cap="flat" cmpd="sng" algn="ctr">
+        <a:ln w="12700" cap="rnd" cmpd="sng" algn="ctr">
           <a:solidFill>
             <a:schemeClr val="phClr"/>
           </a:solidFill>
           <a:prstDash val="solid"/>
         </a:ln>
-        <a:ln w="38100" cap="flat" cmpd="sng" algn="ctr">
+        <a:ln w="19050" cap="rnd" cmpd="sng" algn="ctr">
+          <a:solidFill>
+            <a:schemeClr val="phClr"/>
+          </a:solidFill>
+          <a:prstDash val="solid"/>
+        </a:ln>
+        <a:ln w="25400" cap="rnd" cmpd="sng" algn="ctr">
           <a:solidFill>
             <a:schemeClr val="phClr"/>
           </a:solidFill>
@@ -6910,17 +8795,11 @@
       </a:lnStyleLst>
       <a:effectStyleLst>
         <a:effectStyle>
-          <a:effectLst>
-            <a:outerShdw blurRad="40000" dist="20000" dir="5400000" rotWithShape="0">
-              <a:srgbClr val="000000">
-                <a:alpha val="38000"/>
-              </a:srgbClr>
-            </a:outerShdw>
-          </a:effectLst>
+          <a:effectLst/>
         </a:effectStyle>
         <a:effectStyle>
           <a:effectLst>
-            <a:outerShdw blurRad="40000" dist="23000" dir="5400000" rotWithShape="0">
+            <a:outerShdw blurRad="38100" dist="25400" dir="5400000" rotWithShape="0">
               <a:srgbClr val="000000">
                 <a:alpha val="35000"/>
               </a:srgbClr>
@@ -6929,7 +8808,7 @@
         </a:effectStyle>
         <a:effectStyle>
           <a:effectLst>
-            <a:outerShdw blurRad="40000" dist="23000" dir="5400000" rotWithShape="0">
+            <a:outerShdw blurRad="50800" dist="38100" dir="5400000" rotWithShape="0">
               <a:srgbClr val="000000">
                 <a:alpha val="35000"/>
               </a:srgbClr>
@@ -6939,12 +8818,10 @@
             <a:camera prst="orthographicFront">
               <a:rot lat="0" lon="0" rev="0"/>
             </a:camera>
-            <a:lightRig rig="threePt" dir="t">
-              <a:rot lat="0" lon="0" rev="1200000"/>
-            </a:lightRig>
+            <a:lightRig rig="threePt" dir="tl"/>
           </a:scene3d>
-          <a:sp3d>
-            <a:bevelT w="63500" h="25400"/>
+          <a:sp3d prstMaterial="plastic">
+            <a:bevelT w="0" h="0"/>
           </a:sp3d>
         </a:effectStyle>
       </a:effectStyleLst>
@@ -6995,7 +8872,302 @@
   <a:extraClrSchemeLst/>
   <a:extLst>
     <a:ext uri="{05A4C25C-085E-4340-85A3-A5531E510DB2}">
-      <thm15:themeFamily xmlns:thm15="http://schemas.microsoft.com/office/thememl/2012/main" name="Facet" id="{C0C680CD-088A-49FC-A102-D699147F32B2}" vid="{CFBC31BA-B70F-4F30-BCAA-4F3011E16C4D}"/>
+      <thm15:themeFamily xmlns:thm15="http://schemas.microsoft.com/office/thememl/2012/main" name="Facet" id="{C0C680CD-088A-49FC-A102-D699147F32B2}" vid="{23659B44-6E34-4CE8-8F0D-387DA7996826}"/>
+    </a:ext>
+  </a:extLst>
+</a:theme>
+</file>
+
+<file path=ppt/theme/theme2.xml><?xml version="1.0" encoding="utf-8"?>
+<a:theme xmlns:a="http://schemas.openxmlformats.org/drawingml/2006/main" name="Office">
+  <a:themeElements>
+    <a:clrScheme name="Office">
+      <a:dk1>
+        <a:sysClr val="windowText" lastClr="000000"/>
+      </a:dk1>
+      <a:lt1>
+        <a:sysClr val="window" lastClr="FFFFFF"/>
+      </a:lt1>
+      <a:dk2>
+        <a:srgbClr val="44546A"/>
+      </a:dk2>
+      <a:lt2>
+        <a:srgbClr val="E7E6E6"/>
+      </a:lt2>
+      <a:accent1>
+        <a:srgbClr val="4472C4"/>
+      </a:accent1>
+      <a:accent2>
+        <a:srgbClr val="ED7D31"/>
+      </a:accent2>
+      <a:accent3>
+        <a:srgbClr val="A5A5A5"/>
+      </a:accent3>
+      <a:accent4>
+        <a:srgbClr val="FFC000"/>
+      </a:accent4>
+      <a:accent5>
+        <a:srgbClr val="5B9BD5"/>
+      </a:accent5>
+      <a:accent6>
+        <a:srgbClr val="70AD47"/>
+      </a:accent6>
+      <a:hlink>
+        <a:srgbClr val="0563C1"/>
+      </a:hlink>
+      <a:folHlink>
+        <a:srgbClr val="954F72"/>
+      </a:folHlink>
+    </a:clrScheme>
+    <a:fontScheme name="Office">
+      <a:majorFont>
+        <a:latin typeface="Calibri Light" panose="020F0302020204030204"/>
+        <a:ea typeface=""/>
+        <a:cs typeface=""/>
+        <a:font script="Jpan" typeface="游ゴシック Light"/>
+        <a:font script="Hang" typeface="맑은 고딕"/>
+        <a:font script="Hans" typeface="等线 Light"/>
+        <a:font script="Hant" typeface="新細明體"/>
+        <a:font script="Arab" typeface="Times New Roman"/>
+        <a:font script="Hebr" typeface="Times New Roman"/>
+        <a:font script="Thai" typeface="Angsana New"/>
+        <a:font script="Ethi" typeface="Nyala"/>
+        <a:font script="Beng" typeface="Vrinda"/>
+        <a:font script="Gujr" typeface="Shruti"/>
+        <a:font script="Khmr" typeface="MoolBoran"/>
+        <a:font script="Knda" typeface="Tunga"/>
+        <a:font script="Guru" typeface="Raavi"/>
+        <a:font script="Cans" typeface="Euphemia"/>
+        <a:font script="Cher" typeface="Plantagenet Cherokee"/>
+        <a:font script="Yiii" typeface="Microsoft Yi Baiti"/>
+        <a:font script="Tibt" typeface="Microsoft Himalaya"/>
+        <a:font script="Thaa" typeface="MV Boli"/>
+        <a:font script="Deva" typeface="Mangal"/>
+        <a:font script="Telu" typeface="Gautami"/>
+        <a:font script="Taml" typeface="Latha"/>
+        <a:font script="Syrc" typeface="Estrangelo Edessa"/>
+        <a:font script="Orya" typeface="Kalinga"/>
+        <a:font script="Mlym" typeface="Kartika"/>
+        <a:font script="Laoo" typeface="DokChampa"/>
+        <a:font script="Sinh" typeface="Iskoola Pota"/>
+        <a:font script="Mong" typeface="Mongolian Baiti"/>
+        <a:font script="Viet" typeface="Times New Roman"/>
+        <a:font script="Uigh" typeface="Microsoft Uighur"/>
+        <a:font script="Geor" typeface="Sylfaen"/>
+        <a:font script="Armn" typeface="Arial"/>
+        <a:font script="Bugi" typeface="Leelawadee UI"/>
+        <a:font script="Bopo" typeface="Microsoft JhengHei"/>
+        <a:font script="Java" typeface="Javanese Text"/>
+        <a:font script="Lisu" typeface="Segoe UI"/>
+        <a:font script="Mymr" typeface="Myanmar Text"/>
+        <a:font script="Nkoo" typeface="Ebrima"/>
+        <a:font script="Olck" typeface="Nirmala UI"/>
+        <a:font script="Osma" typeface="Ebrima"/>
+        <a:font script="Phag" typeface="Phagspa"/>
+        <a:font script="Syrn" typeface="Estrangelo Edessa"/>
+        <a:font script="Syrj" typeface="Estrangelo Edessa"/>
+        <a:font script="Syre" typeface="Estrangelo Edessa"/>
+        <a:font script="Sora" typeface="Nirmala UI"/>
+        <a:font script="Tale" typeface="Microsoft Tai Le"/>
+        <a:font script="Talu" typeface="Microsoft New Tai Lue"/>
+        <a:font script="Tfng" typeface="Ebrima"/>
+      </a:majorFont>
+      <a:minorFont>
+        <a:latin typeface="Calibri" panose="020F0502020204030204"/>
+        <a:ea typeface=""/>
+        <a:cs typeface=""/>
+        <a:font script="Jpan" typeface="游ゴシック"/>
+        <a:font script="Hang" typeface="맑은 고딕"/>
+        <a:font script="Hans" typeface="等线"/>
+        <a:font script="Hant" typeface="新細明體"/>
+        <a:font script="Arab" typeface="Arial"/>
+        <a:font script="Hebr" typeface="Arial"/>
+        <a:font script="Thai" typeface="Cordia New"/>
+        <a:font script="Ethi" typeface="Nyala"/>
+        <a:font script="Beng" typeface="Vrinda"/>
+        <a:font script="Gujr" typeface="Shruti"/>
+        <a:font script="Khmr" typeface="DaunPenh"/>
+        <a:font script="Knda" typeface="Tunga"/>
+        <a:font script="Guru" typeface="Raavi"/>
+        <a:font script="Cans" typeface="Euphemia"/>
+        <a:font script="Cher" typeface="Plantagenet Cherokee"/>
+        <a:font script="Yiii" typeface="Microsoft Yi Baiti"/>
+        <a:font script="Tibt" typeface="Microsoft Himalaya"/>
+        <a:font script="Thaa" typeface="MV Boli"/>
+        <a:font script="Deva" typeface="Mangal"/>
+        <a:font script="Telu" typeface="Gautami"/>
+        <a:font script="Taml" typeface="Latha"/>
+        <a:font script="Syrc" typeface="Estrangelo Edessa"/>
+        <a:font script="Orya" typeface="Kalinga"/>
+        <a:font script="Mlym" typeface="Kartika"/>
+        <a:font script="Laoo" typeface="DokChampa"/>
+        <a:font script="Sinh" typeface="Iskoola Pota"/>
+        <a:font script="Mong" typeface="Mongolian Baiti"/>
+        <a:font script="Viet" typeface="Arial"/>
+        <a:font script="Uigh" typeface="Microsoft Uighur"/>
+        <a:font script="Geor" typeface="Sylfaen"/>
+        <a:font script="Armn" typeface="Arial"/>
+        <a:font script="Bugi" typeface="Leelawadee UI"/>
+        <a:font script="Bopo" typeface="Microsoft JhengHei"/>
+        <a:font script="Java" typeface="Javanese Text"/>
+        <a:font script="Lisu" typeface="Segoe UI"/>
+        <a:font script="Mymr" typeface="Myanmar Text"/>
+        <a:font script="Nkoo" typeface="Ebrima"/>
+        <a:font script="Olck" typeface="Nirmala UI"/>
+        <a:font script="Osma" typeface="Ebrima"/>
+        <a:font script="Phag" typeface="Phagspa"/>
+        <a:font script="Syrn" typeface="Estrangelo Edessa"/>
+        <a:font script="Syrj" typeface="Estrangelo Edessa"/>
+        <a:font script="Syre" typeface="Estrangelo Edessa"/>
+        <a:font script="Sora" typeface="Nirmala UI"/>
+        <a:font script="Tale" typeface="Microsoft Tai Le"/>
+        <a:font script="Talu" typeface="Microsoft New Tai Lue"/>
+        <a:font script="Tfng" typeface="Ebrima"/>
+      </a:minorFont>
+    </a:fontScheme>
+    <a:fmtScheme name="Office">
+      <a:fillStyleLst>
+        <a:solidFill>
+          <a:schemeClr val="phClr"/>
+        </a:solidFill>
+        <a:gradFill rotWithShape="1">
+          <a:gsLst>
+            <a:gs pos="0">
+              <a:schemeClr val="phClr">
+                <a:lumMod val="110000"/>
+                <a:satMod val="105000"/>
+                <a:tint val="67000"/>
+              </a:schemeClr>
+            </a:gs>
+            <a:gs pos="50000">
+              <a:schemeClr val="phClr">
+                <a:lumMod val="105000"/>
+                <a:satMod val="103000"/>
+                <a:tint val="73000"/>
+              </a:schemeClr>
+            </a:gs>
+            <a:gs pos="100000">
+              <a:schemeClr val="phClr">
+                <a:lumMod val="105000"/>
+                <a:satMod val="109000"/>
+                <a:tint val="81000"/>
+              </a:schemeClr>
+            </a:gs>
+          </a:gsLst>
+          <a:lin ang="5400000" scaled="0"/>
+        </a:gradFill>
+        <a:gradFill rotWithShape="1">
+          <a:gsLst>
+            <a:gs pos="0">
+              <a:schemeClr val="phClr">
+                <a:satMod val="103000"/>
+                <a:lumMod val="102000"/>
+                <a:tint val="94000"/>
+              </a:schemeClr>
+            </a:gs>
+            <a:gs pos="50000">
+              <a:schemeClr val="phClr">
+                <a:satMod val="110000"/>
+                <a:lumMod val="100000"/>
+                <a:shade val="100000"/>
+              </a:schemeClr>
+            </a:gs>
+            <a:gs pos="100000">
+              <a:schemeClr val="phClr">
+                <a:lumMod val="99000"/>
+                <a:satMod val="120000"/>
+                <a:shade val="78000"/>
+              </a:schemeClr>
+            </a:gs>
+          </a:gsLst>
+          <a:lin ang="5400000" scaled="0"/>
+        </a:gradFill>
+      </a:fillStyleLst>
+      <a:lnStyleLst>
+        <a:ln w="6350" cap="flat" cmpd="sng" algn="ctr">
+          <a:solidFill>
+            <a:schemeClr val="phClr"/>
+          </a:solidFill>
+          <a:prstDash val="solid"/>
+          <a:miter lim="800000"/>
+        </a:ln>
+        <a:ln w="12700" cap="flat" cmpd="sng" algn="ctr">
+          <a:solidFill>
+            <a:schemeClr val="phClr"/>
+          </a:solidFill>
+          <a:prstDash val="solid"/>
+          <a:miter lim="800000"/>
+        </a:ln>
+        <a:ln w="19050" cap="flat" cmpd="sng" algn="ctr">
+          <a:solidFill>
+            <a:schemeClr val="phClr"/>
+          </a:solidFill>
+          <a:prstDash val="solid"/>
+          <a:miter lim="800000"/>
+        </a:ln>
+      </a:lnStyleLst>
+      <a:effectStyleLst>
+        <a:effectStyle>
+          <a:effectLst/>
+        </a:effectStyle>
+        <a:effectStyle>
+          <a:effectLst/>
+        </a:effectStyle>
+        <a:effectStyle>
+          <a:effectLst>
+            <a:outerShdw blurRad="57150" dist="19050" dir="5400000" algn="ctr" rotWithShape="0">
+              <a:srgbClr val="000000">
+                <a:alpha val="63000"/>
+              </a:srgbClr>
+            </a:outerShdw>
+          </a:effectLst>
+        </a:effectStyle>
+      </a:effectStyleLst>
+      <a:bgFillStyleLst>
+        <a:solidFill>
+          <a:schemeClr val="phClr"/>
+        </a:solidFill>
+        <a:solidFill>
+          <a:schemeClr val="phClr">
+            <a:tint val="95000"/>
+            <a:satMod val="170000"/>
+          </a:schemeClr>
+        </a:solidFill>
+        <a:gradFill rotWithShape="1">
+          <a:gsLst>
+            <a:gs pos="0">
+              <a:schemeClr val="phClr">
+                <a:tint val="93000"/>
+                <a:satMod val="150000"/>
+                <a:shade val="98000"/>
+                <a:lumMod val="102000"/>
+              </a:schemeClr>
+            </a:gs>
+            <a:gs pos="50000">
+              <a:schemeClr val="phClr">
+                <a:tint val="98000"/>
+                <a:satMod val="130000"/>
+                <a:shade val="90000"/>
+                <a:lumMod val="103000"/>
+              </a:schemeClr>
+            </a:gs>
+            <a:gs pos="100000">
+              <a:schemeClr val="phClr">
+                <a:shade val="63000"/>
+                <a:satMod val="120000"/>
+              </a:schemeClr>
+            </a:gs>
+          </a:gsLst>
+          <a:lin ang="5400000" scaled="0"/>
+        </a:gradFill>
+      </a:bgFillStyleLst>
+    </a:fmtScheme>
+  </a:themeElements>
+  <a:objectDefaults/>
+  <a:extraClrSchemeLst/>
+  <a:extLst>
+    <a:ext uri="{05A4C25C-085E-4340-85A3-A5531E510DB2}">
+      <thm15:themeFamily xmlns:thm15="http://schemas.microsoft.com/office/thememl/2012/main" name="Office Theme 2013 - 2022" id="{62F939B6-93AF-4DB8-9C6B-D6C7DFDC589F}" vid="{4A3C46E8-61CC-4603-A589-7422A47A8E4A}"/>
     </a:ext>
   </a:extLst>
 </a:theme>

--- a/docs/SportsPulse.pptx
+++ b/docs/SportsPulse.pptx
@@ -9,10 +9,10 @@
   </p:notesMasterIdLst>
   <p:sldIdLst>
     <p:sldId id="256" r:id="rId2"/>
-    <p:sldId id="257" r:id="rId3"/>
-    <p:sldId id="258" r:id="rId4"/>
-    <p:sldId id="259" r:id="rId5"/>
-    <p:sldId id="260" r:id="rId6"/>
+    <p:sldId id="258" r:id="rId3"/>
+    <p:sldId id="259" r:id="rId4"/>
+    <p:sldId id="260" r:id="rId5"/>
+    <p:sldId id="257" r:id="rId6"/>
     <p:sldId id="261" r:id="rId7"/>
     <p:sldId id="262" r:id="rId8"/>
     <p:sldId id="263" r:id="rId9"/>
@@ -116,6 +116,11 @@
       </a:defRPr>
     </a:lvl9pPr>
   </p:defaultTextStyle>
+  <p:extLst>
+    <p:ext uri="{EFAFB233-063F-42B5-8137-9DF3F51BA10A}">
+      <p15:sldGuideLst xmlns:p15="http://schemas.microsoft.com/office/powerpoint/2012/main"/>
+    </p:ext>
+  </p:extLst>
 </p:presentation>
 </file>
 
@@ -129,6 +134,144 @@
     </p:extLst>
   </p:cmAuthor>
 </p:cmAuthorLst>
+</file>
+
+<file path=ppt/changesInfos/changesInfo1.xml><?xml version="1.0" encoding="utf-8"?>
+<pc:chgInfo xmlns:a="http://schemas.openxmlformats.org/drawingml/2006/main" xmlns:r="http://schemas.openxmlformats.org/officeDocument/2006/relationships" xmlns:ac="http://schemas.microsoft.com/office/drawing/2013/main/command" xmlns:pc="http://schemas.microsoft.com/office/powerpoint/2013/main/command">
+  <pc:docChgLst>
+    <pc:chgData name="Tobias Schilling" userId="80b8404fc73cf6aa" providerId="LiveId" clId="{EBD7B824-B7C2-4947-8ED0-B7C1C9A2F4C3}"/>
+    <pc:docChg chg="custSel modSld sldOrd">
+      <pc:chgData name="Tobias Schilling" userId="80b8404fc73cf6aa" providerId="LiveId" clId="{EBD7B824-B7C2-4947-8ED0-B7C1C9A2F4C3}" dt="2023-03-14T15:09:00.967" v="203" actId="1076"/>
+      <pc:docMkLst>
+        <pc:docMk/>
+      </pc:docMkLst>
+      <pc:sldChg chg="modSp mod ord">
+        <pc:chgData name="Tobias Schilling" userId="80b8404fc73cf6aa" providerId="LiveId" clId="{EBD7B824-B7C2-4947-8ED0-B7C1C9A2F4C3}" dt="2023-03-14T15:07:12.346" v="199" actId="20577"/>
+        <pc:sldMkLst>
+          <pc:docMk/>
+          <pc:sldMk cId="1793698199" sldId="257"/>
+        </pc:sldMkLst>
+        <pc:spChg chg="mod">
+          <ac:chgData name="Tobias Schilling" userId="80b8404fc73cf6aa" providerId="LiveId" clId="{EBD7B824-B7C2-4947-8ED0-B7C1C9A2F4C3}" dt="2023-03-14T15:07:12.346" v="199" actId="20577"/>
+          <ac:spMkLst>
+            <pc:docMk/>
+            <pc:sldMk cId="1793698199" sldId="257"/>
+            <ac:spMk id="3" creationId="{1D911DDA-2549-49D8-98E2-7BB97927CA4D}"/>
+          </ac:spMkLst>
+        </pc:spChg>
+      </pc:sldChg>
+      <pc:sldChg chg="addSp delSp modSp mod">
+        <pc:chgData name="Tobias Schilling" userId="80b8404fc73cf6aa" providerId="LiveId" clId="{EBD7B824-B7C2-4947-8ED0-B7C1C9A2F4C3}" dt="2023-03-14T14:57:37.279" v="4" actId="1076"/>
+        <pc:sldMkLst>
+          <pc:docMk/>
+          <pc:sldMk cId="1391327284" sldId="258"/>
+        </pc:sldMkLst>
+        <pc:picChg chg="del">
+          <ac:chgData name="Tobias Schilling" userId="80b8404fc73cf6aa" providerId="LiveId" clId="{EBD7B824-B7C2-4947-8ED0-B7C1C9A2F4C3}" dt="2023-03-14T14:57:22.803" v="1" actId="478"/>
+          <ac:picMkLst>
+            <pc:docMk/>
+            <pc:sldMk cId="1391327284" sldId="258"/>
+            <ac:picMk id="6" creationId="{2D3492A2-8A1D-4B7D-B26E-9CE48CF1EF6F}"/>
+          </ac:picMkLst>
+        </pc:picChg>
+        <pc:picChg chg="add mod">
+          <ac:chgData name="Tobias Schilling" userId="80b8404fc73cf6aa" providerId="LiveId" clId="{EBD7B824-B7C2-4947-8ED0-B7C1C9A2F4C3}" dt="2023-03-14T14:57:37.279" v="4" actId="1076"/>
+          <ac:picMkLst>
+            <pc:docMk/>
+            <pc:sldMk cId="1391327284" sldId="258"/>
+            <ac:picMk id="8" creationId="{20D279D9-A6D7-4001-A18F-9E8B40902698}"/>
+          </ac:picMkLst>
+        </pc:picChg>
+      </pc:sldChg>
+      <pc:sldChg chg="addSp delSp modSp mod">
+        <pc:chgData name="Tobias Schilling" userId="80b8404fc73cf6aa" providerId="LiveId" clId="{EBD7B824-B7C2-4947-8ED0-B7C1C9A2F4C3}" dt="2023-03-14T15:05:54.545" v="145" actId="5793"/>
+        <pc:sldMkLst>
+          <pc:docMk/>
+          <pc:sldMk cId="220730721" sldId="259"/>
+        </pc:sldMkLst>
+        <pc:spChg chg="del mod">
+          <ac:chgData name="Tobias Schilling" userId="80b8404fc73cf6aa" providerId="LiveId" clId="{EBD7B824-B7C2-4947-8ED0-B7C1C9A2F4C3}" dt="2023-03-14T15:04:48.629" v="62" actId="478"/>
+          <ac:spMkLst>
+            <pc:docMk/>
+            <pc:sldMk cId="220730721" sldId="259"/>
+            <ac:spMk id="4" creationId="{8B4883B4-4DB0-4D19-9E8E-95BF80631FE5}"/>
+          </ac:spMkLst>
+        </pc:spChg>
+        <pc:spChg chg="add mod">
+          <ac:chgData name="Tobias Schilling" userId="80b8404fc73cf6aa" providerId="LiveId" clId="{EBD7B824-B7C2-4947-8ED0-B7C1C9A2F4C3}" dt="2023-03-14T15:05:14.873" v="96" actId="5793"/>
+          <ac:spMkLst>
+            <pc:docMk/>
+            <pc:sldMk cId="220730721" sldId="259"/>
+            <ac:spMk id="11" creationId="{DA555F3B-1B7D-4B1D-A95E-B6201E77D60F}"/>
+          </ac:spMkLst>
+        </pc:spChg>
+        <pc:spChg chg="add mod">
+          <ac:chgData name="Tobias Schilling" userId="80b8404fc73cf6aa" providerId="LiveId" clId="{EBD7B824-B7C2-4947-8ED0-B7C1C9A2F4C3}" dt="2023-03-14T15:05:54.545" v="145" actId="5793"/>
+          <ac:spMkLst>
+            <pc:docMk/>
+            <pc:sldMk cId="220730721" sldId="259"/>
+            <ac:spMk id="12" creationId="{8411436F-1EFC-42AE-A748-CB86EB946365}"/>
+          </ac:spMkLst>
+        </pc:spChg>
+        <pc:picChg chg="del">
+          <ac:chgData name="Tobias Schilling" userId="80b8404fc73cf6aa" providerId="LiveId" clId="{EBD7B824-B7C2-4947-8ED0-B7C1C9A2F4C3}" dt="2023-03-14T14:59:43.090" v="5" actId="478"/>
+          <ac:picMkLst>
+            <pc:docMk/>
+            <pc:sldMk cId="220730721" sldId="259"/>
+            <ac:picMk id="3" creationId="{5C3EAF3B-745F-4982-BF3C-E5FD451E8F8C}"/>
+          </ac:picMkLst>
+        </pc:picChg>
+        <pc:picChg chg="add mod">
+          <ac:chgData name="Tobias Schilling" userId="80b8404fc73cf6aa" providerId="LiveId" clId="{EBD7B824-B7C2-4947-8ED0-B7C1C9A2F4C3}" dt="2023-03-14T15:00:04.782" v="9" actId="14100"/>
+          <ac:picMkLst>
+            <pc:docMk/>
+            <pc:sldMk cId="220730721" sldId="259"/>
+            <ac:picMk id="8" creationId="{4505410A-8899-475F-9737-4E845A923FEE}"/>
+          </ac:picMkLst>
+        </pc:picChg>
+        <pc:picChg chg="add mod">
+          <ac:chgData name="Tobias Schilling" userId="80b8404fc73cf6aa" providerId="LiveId" clId="{EBD7B824-B7C2-4947-8ED0-B7C1C9A2F4C3}" dt="2023-03-14T15:05:25.383" v="97" actId="1076"/>
+          <ac:picMkLst>
+            <pc:docMk/>
+            <pc:sldMk cId="220730721" sldId="259"/>
+            <ac:picMk id="10" creationId="{FFB4BDD7-A1BB-448E-9565-AB21582171C6}"/>
+          </ac:picMkLst>
+        </pc:picChg>
+      </pc:sldChg>
+      <pc:sldChg chg="addSp delSp modSp mod">
+        <pc:chgData name="Tobias Schilling" userId="80b8404fc73cf6aa" providerId="LiveId" clId="{EBD7B824-B7C2-4947-8ED0-B7C1C9A2F4C3}" dt="2023-03-14T15:09:00.967" v="203" actId="1076"/>
+        <pc:sldMkLst>
+          <pc:docMk/>
+          <pc:sldMk cId="2398951243" sldId="260"/>
+        </pc:sldMkLst>
+        <pc:spChg chg="mod">
+          <ac:chgData name="Tobias Schilling" userId="80b8404fc73cf6aa" providerId="LiveId" clId="{EBD7B824-B7C2-4947-8ED0-B7C1C9A2F4C3}" dt="2023-03-14T15:09:00.967" v="203" actId="1076"/>
+          <ac:spMkLst>
+            <pc:docMk/>
+            <pc:sldMk cId="2398951243" sldId="260"/>
+            <ac:spMk id="4" creationId="{9AC53F0E-F45C-47BB-A256-6D5F4A259082}"/>
+          </ac:spMkLst>
+        </pc:spChg>
+        <pc:picChg chg="del">
+          <ac:chgData name="Tobias Schilling" userId="80b8404fc73cf6aa" providerId="LiveId" clId="{EBD7B824-B7C2-4947-8ED0-B7C1C9A2F4C3}" dt="2023-03-14T15:06:18.004" v="146" actId="478"/>
+          <ac:picMkLst>
+            <pc:docMk/>
+            <pc:sldMk cId="2398951243" sldId="260"/>
+            <ac:picMk id="3" creationId="{03F234BB-5E27-4FD5-A99F-87037EE20E51}"/>
+          </ac:picMkLst>
+        </pc:picChg>
+        <pc:picChg chg="add mod">
+          <ac:chgData name="Tobias Schilling" userId="80b8404fc73cf6aa" providerId="LiveId" clId="{EBD7B824-B7C2-4947-8ED0-B7C1C9A2F4C3}" dt="2023-03-14T15:08:48.225" v="202" actId="1076"/>
+          <ac:picMkLst>
+            <pc:docMk/>
+            <pc:sldMk cId="2398951243" sldId="260"/>
+            <ac:picMk id="8" creationId="{839FADE7-E9F0-4784-BED2-76B104C8BBA2}"/>
+          </ac:picMkLst>
+        </pc:picChg>
+      </pc:sldChg>
+    </pc:docChg>
+  </pc:docChgLst>
+</pc:chgInfo>
 </file>
 
 <file path=ppt/comments/comment1.xml><?xml version="1.0" encoding="utf-8"?>
@@ -6744,6 +6887,808 @@
           <p:cNvPr id="2" name="Titel 1">
             <a:extLst>
               <a:ext uri="{FF2B5EF4-FFF2-40B4-BE49-F238E27FC236}">
+                <a16:creationId xmlns:a16="http://schemas.microsoft.com/office/drawing/2014/main" id="{98560C70-F280-4982-A443-9EE3FF1C2063}"/>
+              </a:ext>
+            </a:extLst>
+          </p:cNvPr>
+          <p:cNvSpPr>
+            <a:spLocks noGrp="1"/>
+          </p:cNvSpPr>
+          <p:nvPr>
+            <p:ph type="title"/>
+          </p:nvPr>
+        </p:nvSpPr>
+        <p:spPr/>
+        <p:txBody>
+          <a:bodyPr/>
+          <a:lstStyle/>
+          <a:p>
+            <a:r>
+              <a:rPr lang="de-DE" dirty="0"/>
+              <a:t>Quiz.css</a:t>
+            </a:r>
+          </a:p>
+        </p:txBody>
+      </p:sp>
+      <p:sp>
+        <p:nvSpPr>
+          <p:cNvPr id="7" name="Textfeld 6">
+            <a:extLst>
+              <a:ext uri="{FF2B5EF4-FFF2-40B4-BE49-F238E27FC236}">
+                <a16:creationId xmlns:a16="http://schemas.microsoft.com/office/drawing/2014/main" id="{ED5BFFBB-4D8B-4E2E-9B59-784F85D2AE7A}"/>
+              </a:ext>
+            </a:extLst>
+          </p:cNvPr>
+          <p:cNvSpPr txBox="1"/>
+          <p:nvPr/>
+        </p:nvSpPr>
+        <p:spPr>
+          <a:xfrm>
+            <a:off x="5100918" y="1508176"/>
+            <a:ext cx="3935506" cy="2308324"/>
+          </a:xfrm>
+          <a:prstGeom prst="rect">
+            <a:avLst/>
+          </a:prstGeom>
+          <a:noFill/>
+        </p:spPr>
+        <p:txBody>
+          <a:bodyPr wrap="square" rtlCol="0">
+            <a:spAutoFit/>
+          </a:bodyPr>
+          <a:lstStyle/>
+          <a:p>
+            <a:pPr marL="285750" indent="-285750">
+              <a:buFontTx/>
+              <a:buChar char="-"/>
+            </a:pPr>
+            <a:endParaRPr lang="de-DE" dirty="0"/>
+          </a:p>
+          <a:p>
+            <a:pPr marL="285750" indent="-285750">
+              <a:buFontTx/>
+              <a:buChar char="-"/>
+            </a:pPr>
+            <a:endParaRPr lang="de-DE" dirty="0"/>
+          </a:p>
+          <a:p>
+            <a:pPr marL="285750" indent="-285750">
+              <a:buFontTx/>
+              <a:buChar char="-"/>
+            </a:pPr>
+            <a:r>
+              <a:rPr lang="de-DE" dirty="0"/>
+              <a:t>Die vom Browser erstellten </a:t>
+            </a:r>
+            <a:r>
+              <a:rPr lang="de-DE" dirty="0" err="1"/>
+              <a:t>checkboxen</a:t>
+            </a:r>
+            <a:r>
+              <a:rPr lang="de-DE" dirty="0"/>
+              <a:t> werden entfernt</a:t>
+            </a:r>
+          </a:p>
+          <a:p>
+            <a:pPr marL="285750" indent="-285750">
+              <a:buFontTx/>
+              <a:buChar char="-"/>
+            </a:pPr>
+            <a:endParaRPr lang="de-DE" dirty="0"/>
+          </a:p>
+          <a:p>
+            <a:pPr marL="285750" indent="-285750">
+              <a:buFontTx/>
+              <a:buChar char="-"/>
+            </a:pPr>
+            <a:endParaRPr lang="de-DE" dirty="0"/>
+          </a:p>
+          <a:p>
+            <a:pPr marL="285750" indent="-285750">
+              <a:buFontTx/>
+              <a:buChar char="-"/>
+            </a:pPr>
+            <a:r>
+              <a:rPr lang="de-DE" dirty="0"/>
+              <a:t>Selbsterstellte Checkboxen</a:t>
+            </a:r>
+          </a:p>
+          <a:p>
+            <a:pPr marL="285750" indent="-285750">
+              <a:buFontTx/>
+              <a:buChar char="-"/>
+            </a:pPr>
+            <a:endParaRPr lang="de-DE" dirty="0"/>
+          </a:p>
+        </p:txBody>
+      </p:sp>
+      <p:sp>
+        <p:nvSpPr>
+          <p:cNvPr id="3" name="Fußzeilenplatzhalter 2">
+            <a:extLst>
+              <a:ext uri="{FF2B5EF4-FFF2-40B4-BE49-F238E27FC236}">
+                <a16:creationId xmlns:a16="http://schemas.microsoft.com/office/drawing/2014/main" id="{29ADB3B2-6624-24F4-0E5A-2120284B6384}"/>
+              </a:ext>
+            </a:extLst>
+          </p:cNvPr>
+          <p:cNvSpPr>
+            <a:spLocks noGrp="1"/>
+          </p:cNvSpPr>
+          <p:nvPr>
+            <p:ph type="ftr" sz="quarter" idx="11"/>
+          </p:nvPr>
+        </p:nvSpPr>
+        <p:spPr/>
+        <p:txBody>
+          <a:bodyPr/>
+          <a:lstStyle/>
+          <a:p>
+            <a:r>
+              <a:rPr lang="en-US"/>
+              <a:t>Tobias Schilling, Daniel Balla, Marcus Unglert</a:t>
+            </a:r>
+            <a:endParaRPr lang="en-US" dirty="0"/>
+          </a:p>
+        </p:txBody>
+      </p:sp>
+      <p:sp>
+        <p:nvSpPr>
+          <p:cNvPr id="4" name="Foliennummernplatzhalter 3">
+            <a:extLst>
+              <a:ext uri="{FF2B5EF4-FFF2-40B4-BE49-F238E27FC236}">
+                <a16:creationId xmlns:a16="http://schemas.microsoft.com/office/drawing/2014/main" id="{06FE2CD6-EB68-5B24-7969-B93CADDF86A5}"/>
+              </a:ext>
+            </a:extLst>
+          </p:cNvPr>
+          <p:cNvSpPr>
+            <a:spLocks noGrp="1"/>
+          </p:cNvSpPr>
+          <p:nvPr>
+            <p:ph type="sldNum" sz="quarter" idx="12"/>
+          </p:nvPr>
+        </p:nvSpPr>
+        <p:spPr/>
+        <p:txBody>
+          <a:bodyPr/>
+          <a:lstStyle/>
+          <a:p>
+            <a:fld id="{D57F1E4F-1CFF-5643-939E-217C01CDF565}" type="slidenum">
+              <a:rPr lang="en-US" smtClean="0"/>
+              <a:pPr/>
+              <a:t>2</a:t>
+            </a:fld>
+            <a:endParaRPr lang="en-US" dirty="0"/>
+          </a:p>
+        </p:txBody>
+      </p:sp>
+      <p:pic>
+        <p:nvPicPr>
+          <p:cNvPr id="8" name="Grafik 7">
+            <a:extLst>
+              <a:ext uri="{FF2B5EF4-FFF2-40B4-BE49-F238E27FC236}">
+                <a16:creationId xmlns:a16="http://schemas.microsoft.com/office/drawing/2014/main" id="{20D279D9-A6D7-4001-A18F-9E8B40902698}"/>
+              </a:ext>
+            </a:extLst>
+          </p:cNvPr>
+          <p:cNvPicPr>
+            <a:picLocks noChangeAspect="1"/>
+          </p:cNvPicPr>
+          <p:nvPr/>
+        </p:nvPicPr>
+        <p:blipFill>
+          <a:blip r:embed="rId2"/>
+          <a:stretch>
+            <a:fillRect/>
+          </a:stretch>
+        </p:blipFill>
+        <p:spPr>
+          <a:xfrm>
+            <a:off x="1077878" y="1930400"/>
+            <a:ext cx="3431370" cy="3422571"/>
+          </a:xfrm>
+          <a:prstGeom prst="rect">
+            <a:avLst/>
+          </a:prstGeom>
+        </p:spPr>
+      </p:pic>
+    </p:spTree>
+    <p:extLst>
+      <p:ext uri="{BB962C8B-B14F-4D97-AF65-F5344CB8AC3E}">
+        <p14:creationId xmlns:p14="http://schemas.microsoft.com/office/powerpoint/2010/main" val="1391327284"/>
+      </p:ext>
+    </p:extLst>
+  </p:cSld>
+  <p:clrMapOvr>
+    <a:masterClrMapping/>
+  </p:clrMapOvr>
+</p:sld>
+</file>
+
+<file path=ppt/slides/slide3.xml><?xml version="1.0" encoding="utf-8"?>
+<p:sld xmlns:a="http://schemas.openxmlformats.org/drawingml/2006/main" xmlns:r="http://schemas.openxmlformats.org/officeDocument/2006/relationships" xmlns:p="http://schemas.openxmlformats.org/presentationml/2006/main">
+  <p:cSld>
+    <p:spTree>
+      <p:nvGrpSpPr>
+        <p:cNvPr id="1" name=""/>
+        <p:cNvGrpSpPr/>
+        <p:nvPr/>
+      </p:nvGrpSpPr>
+      <p:grpSpPr>
+        <a:xfrm>
+          <a:off x="0" y="0"/>
+          <a:ext cx="0" cy="0"/>
+          <a:chOff x="0" y="0"/>
+          <a:chExt cx="0" cy="0"/>
+        </a:xfrm>
+      </p:grpSpPr>
+      <p:sp>
+        <p:nvSpPr>
+          <p:cNvPr id="2" name="Titel 1">
+            <a:extLst>
+              <a:ext uri="{FF2B5EF4-FFF2-40B4-BE49-F238E27FC236}">
+                <a16:creationId xmlns:a16="http://schemas.microsoft.com/office/drawing/2014/main" id="{159B85A9-FF34-4501-B85B-6BA7869B8EFA}"/>
+              </a:ext>
+            </a:extLst>
+          </p:cNvPr>
+          <p:cNvSpPr>
+            <a:spLocks noGrp="1"/>
+          </p:cNvSpPr>
+          <p:nvPr>
+            <p:ph type="title"/>
+          </p:nvPr>
+        </p:nvSpPr>
+        <p:spPr/>
+        <p:txBody>
+          <a:bodyPr/>
+          <a:lstStyle/>
+          <a:p>
+            <a:r>
+              <a:rPr lang="de-DE" dirty="0"/>
+              <a:t>Quiz.css</a:t>
+            </a:r>
+          </a:p>
+        </p:txBody>
+      </p:sp>
+      <p:sp>
+        <p:nvSpPr>
+          <p:cNvPr id="5" name="Fußzeilenplatzhalter 4">
+            <a:extLst>
+              <a:ext uri="{FF2B5EF4-FFF2-40B4-BE49-F238E27FC236}">
+                <a16:creationId xmlns:a16="http://schemas.microsoft.com/office/drawing/2014/main" id="{4C29A20C-C0E1-B7FE-2538-17871A713E05}"/>
+              </a:ext>
+            </a:extLst>
+          </p:cNvPr>
+          <p:cNvSpPr>
+            <a:spLocks noGrp="1"/>
+          </p:cNvSpPr>
+          <p:nvPr>
+            <p:ph type="ftr" sz="quarter" idx="11"/>
+          </p:nvPr>
+        </p:nvSpPr>
+        <p:spPr/>
+        <p:txBody>
+          <a:bodyPr/>
+          <a:lstStyle/>
+          <a:p>
+            <a:r>
+              <a:rPr lang="en-US"/>
+              <a:t>Tobias Schilling, Daniel Balla, Marcus Unglert</a:t>
+            </a:r>
+            <a:endParaRPr lang="en-US" dirty="0"/>
+          </a:p>
+        </p:txBody>
+      </p:sp>
+      <p:sp>
+        <p:nvSpPr>
+          <p:cNvPr id="6" name="Foliennummernplatzhalter 5">
+            <a:extLst>
+              <a:ext uri="{FF2B5EF4-FFF2-40B4-BE49-F238E27FC236}">
+                <a16:creationId xmlns:a16="http://schemas.microsoft.com/office/drawing/2014/main" id="{0C689310-6A32-3B18-8C5F-CDE6F86E9B54}"/>
+              </a:ext>
+            </a:extLst>
+          </p:cNvPr>
+          <p:cNvSpPr>
+            <a:spLocks noGrp="1"/>
+          </p:cNvSpPr>
+          <p:nvPr>
+            <p:ph type="sldNum" sz="quarter" idx="12"/>
+          </p:nvPr>
+        </p:nvSpPr>
+        <p:spPr/>
+        <p:txBody>
+          <a:bodyPr/>
+          <a:lstStyle/>
+          <a:p>
+            <a:fld id="{D57F1E4F-1CFF-5643-939E-217C01CDF565}" type="slidenum">
+              <a:rPr lang="en-US" smtClean="0"/>
+              <a:pPr/>
+              <a:t>3</a:t>
+            </a:fld>
+            <a:endParaRPr lang="en-US" dirty="0"/>
+          </a:p>
+        </p:txBody>
+      </p:sp>
+      <p:pic>
+        <p:nvPicPr>
+          <p:cNvPr id="8" name="Grafik 7">
+            <a:extLst>
+              <a:ext uri="{FF2B5EF4-FFF2-40B4-BE49-F238E27FC236}">
+                <a16:creationId xmlns:a16="http://schemas.microsoft.com/office/drawing/2014/main" id="{4505410A-8899-475F-9737-4E845A923FEE}"/>
+              </a:ext>
+            </a:extLst>
+          </p:cNvPr>
+          <p:cNvPicPr>
+            <a:picLocks noChangeAspect="1"/>
+          </p:cNvPicPr>
+          <p:nvPr/>
+        </p:nvPicPr>
+        <p:blipFill>
+          <a:blip r:embed="rId2"/>
+          <a:stretch>
+            <a:fillRect/>
+          </a:stretch>
+        </p:blipFill>
+        <p:spPr>
+          <a:xfrm>
+            <a:off x="696576" y="1459462"/>
+            <a:ext cx="3812672" cy="4322773"/>
+          </a:xfrm>
+          <a:prstGeom prst="rect">
+            <a:avLst/>
+          </a:prstGeom>
+        </p:spPr>
+      </p:pic>
+      <p:pic>
+        <p:nvPicPr>
+          <p:cNvPr id="10" name="Grafik 9">
+            <a:extLst>
+              <a:ext uri="{FF2B5EF4-FFF2-40B4-BE49-F238E27FC236}">
+                <a16:creationId xmlns:a16="http://schemas.microsoft.com/office/drawing/2014/main" id="{FFB4BDD7-A1BB-448E-9565-AB21582171C6}"/>
+              </a:ext>
+            </a:extLst>
+          </p:cNvPr>
+          <p:cNvPicPr>
+            <a:picLocks noChangeAspect="1"/>
+          </p:cNvPicPr>
+          <p:nvPr/>
+        </p:nvPicPr>
+        <p:blipFill>
+          <a:blip r:embed="rId3"/>
+          <a:stretch>
+            <a:fillRect/>
+          </a:stretch>
+        </p:blipFill>
+        <p:spPr>
+          <a:xfrm>
+            <a:off x="4509248" y="5083855"/>
+            <a:ext cx="4061812" cy="698380"/>
+          </a:xfrm>
+          <a:prstGeom prst="rect">
+            <a:avLst/>
+          </a:prstGeom>
+        </p:spPr>
+      </p:pic>
+      <p:sp>
+        <p:nvSpPr>
+          <p:cNvPr id="11" name="Textfeld 10">
+            <a:extLst>
+              <a:ext uri="{FF2B5EF4-FFF2-40B4-BE49-F238E27FC236}">
+                <a16:creationId xmlns:a16="http://schemas.microsoft.com/office/drawing/2014/main" id="{DA555F3B-1B7D-4B1D-A95E-B6201E77D60F}"/>
+              </a:ext>
+            </a:extLst>
+          </p:cNvPr>
+          <p:cNvSpPr txBox="1"/>
+          <p:nvPr/>
+        </p:nvSpPr>
+        <p:spPr>
+          <a:xfrm>
+            <a:off x="4528851" y="1541929"/>
+            <a:ext cx="3812672" cy="646331"/>
+          </a:xfrm>
+          <a:prstGeom prst="rect">
+            <a:avLst/>
+          </a:prstGeom>
+          <a:noFill/>
+        </p:spPr>
+        <p:txBody>
+          <a:bodyPr wrap="square" rtlCol="0">
+            <a:spAutoFit/>
+          </a:bodyPr>
+          <a:lstStyle/>
+          <a:p>
+            <a:pPr marL="285750" indent="-285750">
+              <a:buFontTx/>
+              <a:buChar char="-"/>
+            </a:pPr>
+            <a:r>
+              <a:rPr lang="de-DE" dirty="0" err="1"/>
+              <a:t>checkbox</a:t>
+            </a:r>
+            <a:r>
+              <a:rPr lang="de-DE" dirty="0"/>
+              <a:t> vor dem Anklicken </a:t>
+            </a:r>
+          </a:p>
+          <a:p>
+            <a:pPr marL="285750" indent="-285750">
+              <a:buFontTx/>
+              <a:buChar char="-"/>
+            </a:pPr>
+            <a:endParaRPr lang="de-DE" dirty="0"/>
+          </a:p>
+        </p:txBody>
+      </p:sp>
+      <p:sp>
+        <p:nvSpPr>
+          <p:cNvPr id="12" name="Textfeld 11">
+            <a:extLst>
+              <a:ext uri="{FF2B5EF4-FFF2-40B4-BE49-F238E27FC236}">
+                <a16:creationId xmlns:a16="http://schemas.microsoft.com/office/drawing/2014/main" id="{8411436F-1EFC-42AE-A748-CB86EB946365}"/>
+              </a:ext>
+            </a:extLst>
+          </p:cNvPr>
+          <p:cNvSpPr txBox="1"/>
+          <p:nvPr/>
+        </p:nvSpPr>
+        <p:spPr>
+          <a:xfrm>
+            <a:off x="4528490" y="3245224"/>
+            <a:ext cx="3575604" cy="646331"/>
+          </a:xfrm>
+          <a:prstGeom prst="rect">
+            <a:avLst/>
+          </a:prstGeom>
+          <a:noFill/>
+        </p:spPr>
+        <p:txBody>
+          <a:bodyPr wrap="square" rtlCol="0">
+            <a:spAutoFit/>
+          </a:bodyPr>
+          <a:lstStyle/>
+          <a:p>
+            <a:pPr marL="285750" indent="-285750">
+              <a:buFontTx/>
+              <a:buChar char="-"/>
+            </a:pPr>
+            <a:r>
+              <a:rPr lang="de-DE" dirty="0"/>
+              <a:t>Checkbox nach dem Anklicken</a:t>
+            </a:r>
+          </a:p>
+          <a:p>
+            <a:pPr marL="285750" indent="-285750">
+              <a:buFontTx/>
+              <a:buChar char="-"/>
+            </a:pPr>
+            <a:endParaRPr lang="de-DE" dirty="0"/>
+          </a:p>
+        </p:txBody>
+      </p:sp>
+    </p:spTree>
+    <p:extLst>
+      <p:ext uri="{BB962C8B-B14F-4D97-AF65-F5344CB8AC3E}">
+        <p14:creationId xmlns:p14="http://schemas.microsoft.com/office/powerpoint/2010/main" val="220730721"/>
+      </p:ext>
+    </p:extLst>
+  </p:cSld>
+  <p:clrMapOvr>
+    <a:masterClrMapping/>
+  </p:clrMapOvr>
+</p:sld>
+</file>
+
+<file path=ppt/slides/slide4.xml><?xml version="1.0" encoding="utf-8"?>
+<p:sld xmlns:a="http://schemas.openxmlformats.org/drawingml/2006/main" xmlns:r="http://schemas.openxmlformats.org/officeDocument/2006/relationships" xmlns:p="http://schemas.openxmlformats.org/presentationml/2006/main">
+  <p:cSld>
+    <p:spTree>
+      <p:nvGrpSpPr>
+        <p:cNvPr id="1" name=""/>
+        <p:cNvGrpSpPr/>
+        <p:nvPr/>
+      </p:nvGrpSpPr>
+      <p:grpSpPr>
+        <a:xfrm>
+          <a:off x="0" y="0"/>
+          <a:ext cx="0" cy="0"/>
+          <a:chOff x="0" y="0"/>
+          <a:chExt cx="0" cy="0"/>
+        </a:xfrm>
+      </p:grpSpPr>
+      <p:sp>
+        <p:nvSpPr>
+          <p:cNvPr id="2" name="Titel 1">
+            <a:extLst>
+              <a:ext uri="{FF2B5EF4-FFF2-40B4-BE49-F238E27FC236}">
+                <a16:creationId xmlns:a16="http://schemas.microsoft.com/office/drawing/2014/main" id="{6F430F57-2D31-4AE3-B18B-E83F2594DC5A}"/>
+              </a:ext>
+            </a:extLst>
+          </p:cNvPr>
+          <p:cNvSpPr>
+            <a:spLocks noGrp="1"/>
+          </p:cNvSpPr>
+          <p:nvPr>
+            <p:ph type="title"/>
+          </p:nvPr>
+        </p:nvSpPr>
+        <p:spPr>
+          <a:xfrm>
+            <a:off x="677334" y="609600"/>
+            <a:ext cx="8596668" cy="908807"/>
+          </a:xfrm>
+        </p:spPr>
+        <p:txBody>
+          <a:bodyPr>
+            <a:normAutofit/>
+          </a:bodyPr>
+          <a:lstStyle/>
+          <a:p>
+            <a:r>
+              <a:rPr lang="de-DE" dirty="0"/>
+              <a:t>Quiz.css</a:t>
+            </a:r>
+          </a:p>
+        </p:txBody>
+      </p:sp>
+      <p:sp>
+        <p:nvSpPr>
+          <p:cNvPr id="4" name="Textfeld 3">
+            <a:extLst>
+              <a:ext uri="{FF2B5EF4-FFF2-40B4-BE49-F238E27FC236}">
+                <a16:creationId xmlns:a16="http://schemas.microsoft.com/office/drawing/2014/main" id="{9AC53F0E-F45C-47BB-A256-6D5F4A259082}"/>
+              </a:ext>
+            </a:extLst>
+          </p:cNvPr>
+          <p:cNvSpPr txBox="1"/>
+          <p:nvPr/>
+        </p:nvSpPr>
+        <p:spPr>
+          <a:xfrm>
+            <a:off x="4506999" y="1951211"/>
+            <a:ext cx="3178002" cy="3970318"/>
+          </a:xfrm>
+          <a:prstGeom prst="rect">
+            <a:avLst/>
+          </a:prstGeom>
+          <a:noFill/>
+        </p:spPr>
+        <p:txBody>
+          <a:bodyPr wrap="square" rtlCol="0">
+            <a:spAutoFit/>
+          </a:bodyPr>
+          <a:lstStyle/>
+          <a:p>
+            <a:pPr marL="285750" indent="-285750">
+              <a:buFontTx/>
+              <a:buChar char="-"/>
+            </a:pPr>
+            <a:r>
+              <a:rPr lang="de-DE" dirty="0"/>
+              <a:t>Styling des „</a:t>
+            </a:r>
+            <a:r>
+              <a:rPr lang="de-DE" dirty="0" err="1"/>
+              <a:t>submit</a:t>
+            </a:r>
+            <a:r>
+              <a:rPr lang="de-DE" dirty="0"/>
+              <a:t>-buttons“</a:t>
+            </a:r>
+          </a:p>
+          <a:p>
+            <a:pPr marL="285750" indent="-285750">
+              <a:buFontTx/>
+              <a:buChar char="-"/>
+            </a:pPr>
+            <a:endParaRPr lang="de-DE" dirty="0"/>
+          </a:p>
+          <a:p>
+            <a:pPr marL="285750" indent="-285750">
+              <a:buFontTx/>
+              <a:buChar char="-"/>
+            </a:pPr>
+            <a:endParaRPr lang="de-DE" dirty="0"/>
+          </a:p>
+          <a:p>
+            <a:pPr marL="285750" indent="-285750">
+              <a:buFontTx/>
+              <a:buChar char="-"/>
+            </a:pPr>
+            <a:endParaRPr lang="de-DE" dirty="0"/>
+          </a:p>
+          <a:p>
+            <a:pPr marL="285750" indent="-285750">
+              <a:buFontTx/>
+              <a:buChar char="-"/>
+            </a:pPr>
+            <a:endParaRPr lang="de-DE" dirty="0"/>
+          </a:p>
+          <a:p>
+            <a:pPr marL="285750" indent="-285750">
+              <a:buFontTx/>
+              <a:buChar char="-"/>
+            </a:pPr>
+            <a:endParaRPr lang="de-DE" dirty="0"/>
+          </a:p>
+          <a:p>
+            <a:pPr marL="285750" indent="-285750">
+              <a:buFontTx/>
+              <a:buChar char="-"/>
+            </a:pPr>
+            <a:endParaRPr lang="de-DE" dirty="0"/>
+          </a:p>
+          <a:p>
+            <a:pPr marL="285750" indent="-285750">
+              <a:buFontTx/>
+              <a:buChar char="-"/>
+            </a:pPr>
+            <a:endParaRPr lang="de-DE" dirty="0"/>
+          </a:p>
+          <a:p>
+            <a:pPr marL="285750" indent="-285750">
+              <a:buFontTx/>
+              <a:buChar char="-"/>
+            </a:pPr>
+            <a:endParaRPr lang="de-DE" dirty="0"/>
+          </a:p>
+          <a:p>
+            <a:pPr marL="285750" indent="-285750">
+              <a:buFontTx/>
+              <a:buChar char="-"/>
+            </a:pPr>
+            <a:endParaRPr lang="de-DE" dirty="0"/>
+          </a:p>
+          <a:p>
+            <a:pPr marL="285750" indent="-285750">
+              <a:buFontTx/>
+              <a:buChar char="-"/>
+            </a:pPr>
+            <a:r>
+              <a:rPr lang="de-DE" dirty="0"/>
+              <a:t>Styling des „</a:t>
+            </a:r>
+            <a:r>
+              <a:rPr lang="de-DE" dirty="0" err="1"/>
+              <a:t>submit</a:t>
+            </a:r>
+            <a:r>
+              <a:rPr lang="de-DE" dirty="0"/>
+              <a:t>-buttons“ beim </a:t>
+            </a:r>
+            <a:r>
+              <a:rPr lang="de-DE" dirty="0" err="1"/>
+              <a:t>hovern</a:t>
+            </a:r>
+            <a:r>
+              <a:rPr lang="de-DE" dirty="0"/>
+              <a:t> über diesen </a:t>
+            </a:r>
+          </a:p>
+        </p:txBody>
+      </p:sp>
+      <p:sp>
+        <p:nvSpPr>
+          <p:cNvPr id="5" name="Fußzeilenplatzhalter 4">
+            <a:extLst>
+              <a:ext uri="{FF2B5EF4-FFF2-40B4-BE49-F238E27FC236}">
+                <a16:creationId xmlns:a16="http://schemas.microsoft.com/office/drawing/2014/main" id="{EFF19168-8184-FD2B-92E6-07E85777E7B3}"/>
+              </a:ext>
+            </a:extLst>
+          </p:cNvPr>
+          <p:cNvSpPr>
+            <a:spLocks noGrp="1"/>
+          </p:cNvSpPr>
+          <p:nvPr>
+            <p:ph type="ftr" sz="quarter" idx="11"/>
+          </p:nvPr>
+        </p:nvSpPr>
+        <p:spPr/>
+        <p:txBody>
+          <a:bodyPr/>
+          <a:lstStyle/>
+          <a:p>
+            <a:r>
+              <a:rPr lang="en-US"/>
+              <a:t>Tobias Schilling, Daniel Balla, Marcus Unglert</a:t>
+            </a:r>
+            <a:endParaRPr lang="en-US" dirty="0"/>
+          </a:p>
+        </p:txBody>
+      </p:sp>
+      <p:sp>
+        <p:nvSpPr>
+          <p:cNvPr id="6" name="Foliennummernplatzhalter 5">
+            <a:extLst>
+              <a:ext uri="{FF2B5EF4-FFF2-40B4-BE49-F238E27FC236}">
+                <a16:creationId xmlns:a16="http://schemas.microsoft.com/office/drawing/2014/main" id="{D765CB23-EF6C-B842-88E0-A8214DBFDA5F}"/>
+              </a:ext>
+            </a:extLst>
+          </p:cNvPr>
+          <p:cNvSpPr>
+            <a:spLocks noGrp="1"/>
+          </p:cNvSpPr>
+          <p:nvPr>
+            <p:ph type="sldNum" sz="quarter" idx="12"/>
+          </p:nvPr>
+        </p:nvSpPr>
+        <p:spPr/>
+        <p:txBody>
+          <a:bodyPr/>
+          <a:lstStyle/>
+          <a:p>
+            <a:fld id="{D57F1E4F-1CFF-5643-939E-217C01CDF565}" type="slidenum">
+              <a:rPr lang="en-US" smtClean="0"/>
+              <a:pPr/>
+              <a:t>4</a:t>
+            </a:fld>
+            <a:endParaRPr lang="en-US" dirty="0"/>
+          </a:p>
+        </p:txBody>
+      </p:sp>
+      <p:pic>
+        <p:nvPicPr>
+          <p:cNvPr id="8" name="Grafik 7">
+            <a:extLst>
+              <a:ext uri="{FF2B5EF4-FFF2-40B4-BE49-F238E27FC236}">
+                <a16:creationId xmlns:a16="http://schemas.microsoft.com/office/drawing/2014/main" id="{839FADE7-E9F0-4784-BED2-76B104C8BBA2}"/>
+              </a:ext>
+            </a:extLst>
+          </p:cNvPr>
+          <p:cNvPicPr>
+            <a:picLocks noChangeAspect="1"/>
+          </p:cNvPicPr>
+          <p:nvPr/>
+        </p:nvPicPr>
+        <p:blipFill>
+          <a:blip r:embed="rId2"/>
+          <a:stretch>
+            <a:fillRect/>
+          </a:stretch>
+        </p:blipFill>
+        <p:spPr>
+          <a:xfrm>
+            <a:off x="677334" y="1930400"/>
+            <a:ext cx="3581710" cy="3871295"/>
+          </a:xfrm>
+          <a:prstGeom prst="rect">
+            <a:avLst/>
+          </a:prstGeom>
+        </p:spPr>
+      </p:pic>
+    </p:spTree>
+    <p:extLst>
+      <p:ext uri="{BB962C8B-B14F-4D97-AF65-F5344CB8AC3E}">
+        <p14:creationId xmlns:p14="http://schemas.microsoft.com/office/powerpoint/2010/main" val="2398951243"/>
+      </p:ext>
+    </p:extLst>
+  </p:cSld>
+  <p:clrMapOvr>
+    <a:masterClrMapping/>
+  </p:clrMapOvr>
+</p:sld>
+</file>
+
+<file path=ppt/slides/slide5.xml><?xml version="1.0" encoding="utf-8"?>
+<p:sld xmlns:a="http://schemas.openxmlformats.org/drawingml/2006/main" xmlns:r="http://schemas.openxmlformats.org/officeDocument/2006/relationships" xmlns:p="http://schemas.openxmlformats.org/presentationml/2006/main">
+  <p:cSld>
+    <p:spTree>
+      <p:nvGrpSpPr>
+        <p:cNvPr id="1" name=""/>
+        <p:cNvGrpSpPr/>
+        <p:nvPr/>
+      </p:nvGrpSpPr>
+      <p:grpSpPr>
+        <a:xfrm>
+          <a:off x="0" y="0"/>
+          <a:ext cx="0" cy="0"/>
+          <a:chOff x="0" y="0"/>
+          <a:chExt cx="0" cy="0"/>
+        </a:xfrm>
+      </p:grpSpPr>
+      <p:sp>
+        <p:nvSpPr>
+          <p:cNvPr id="2" name="Titel 1">
+            <a:extLst>
+              <a:ext uri="{FF2B5EF4-FFF2-40B4-BE49-F238E27FC236}">
                 <a16:creationId xmlns:a16="http://schemas.microsoft.com/office/drawing/2014/main" id="{81325527-2EDC-4194-8179-B67B9AA0C194}"/>
               </a:ext>
             </a:extLst>
@@ -6851,7 +7796,7 @@
             </a:r>
             <a:r>
               <a:rPr lang="de-DE" dirty="0"/>
-              <a:t> -&gt; wird in einer Variable gespeichert</a:t>
+              <a:t> -&gt;sucht die Daten im HTML-file</a:t>
             </a:r>
           </a:p>
           <a:p>
@@ -6861,7 +7806,7 @@
             </a:pPr>
             <a:r>
               <a:rPr lang="de-DE" dirty="0" err="1"/>
-              <a:t>If</a:t>
+              <a:t>if</a:t>
             </a:r>
             <a:r>
               <a:rPr lang="de-DE" dirty="0"/>
@@ -6873,7 +7818,7 @@
             </a:r>
             <a:r>
               <a:rPr lang="de-DE" dirty="0"/>
-              <a:t>-Funktion, für jede Antwortmöglichkeit</a:t>
+              <a:t>-Funktion für jede Antwortmöglichkeit</a:t>
             </a:r>
           </a:p>
           <a:p>
@@ -6934,7 +7879,7 @@
             <a:fld id="{D57F1E4F-1CFF-5643-939E-217C01CDF565}" type="slidenum">
               <a:rPr lang="en-US" smtClean="0"/>
               <a:pPr/>
-              <a:t>2</a:t>
+              <a:t>5</a:t>
             </a:fld>
             <a:endParaRPr lang="en-US" dirty="0"/>
           </a:p>
@@ -6944,743 +7889,6 @@
     <p:extLst>
       <p:ext uri="{BB962C8B-B14F-4D97-AF65-F5344CB8AC3E}">
         <p14:creationId xmlns:p14="http://schemas.microsoft.com/office/powerpoint/2010/main" val="1793698199"/>
-      </p:ext>
-    </p:extLst>
-  </p:cSld>
-  <p:clrMapOvr>
-    <a:masterClrMapping/>
-  </p:clrMapOvr>
-</p:sld>
-</file>
-
-<file path=ppt/slides/slide3.xml><?xml version="1.0" encoding="utf-8"?>
-<p:sld xmlns:a="http://schemas.openxmlformats.org/drawingml/2006/main" xmlns:r="http://schemas.openxmlformats.org/officeDocument/2006/relationships" xmlns:p="http://schemas.openxmlformats.org/presentationml/2006/main">
-  <p:cSld>
-    <p:spTree>
-      <p:nvGrpSpPr>
-        <p:cNvPr id="1" name=""/>
-        <p:cNvGrpSpPr/>
-        <p:nvPr/>
-      </p:nvGrpSpPr>
-      <p:grpSpPr>
-        <a:xfrm>
-          <a:off x="0" y="0"/>
-          <a:ext cx="0" cy="0"/>
-          <a:chOff x="0" y="0"/>
-          <a:chExt cx="0" cy="0"/>
-        </a:xfrm>
-      </p:grpSpPr>
-      <p:sp>
-        <p:nvSpPr>
-          <p:cNvPr id="2" name="Titel 1">
-            <a:extLst>
-              <a:ext uri="{FF2B5EF4-FFF2-40B4-BE49-F238E27FC236}">
-                <a16:creationId xmlns:a16="http://schemas.microsoft.com/office/drawing/2014/main" id="{98560C70-F280-4982-A443-9EE3FF1C2063}"/>
-              </a:ext>
-            </a:extLst>
-          </p:cNvPr>
-          <p:cNvSpPr>
-            <a:spLocks noGrp="1"/>
-          </p:cNvSpPr>
-          <p:nvPr>
-            <p:ph type="title"/>
-          </p:nvPr>
-        </p:nvSpPr>
-        <p:spPr/>
-        <p:txBody>
-          <a:bodyPr/>
-          <a:lstStyle/>
-          <a:p>
-            <a:r>
-              <a:rPr lang="de-DE" dirty="0"/>
-              <a:t>Quiz.css</a:t>
-            </a:r>
-          </a:p>
-        </p:txBody>
-      </p:sp>
-      <p:pic>
-        <p:nvPicPr>
-          <p:cNvPr id="6" name="Grafik 5">
-            <a:extLst>
-              <a:ext uri="{FF2B5EF4-FFF2-40B4-BE49-F238E27FC236}">
-                <a16:creationId xmlns:a16="http://schemas.microsoft.com/office/drawing/2014/main" id="{2D3492A2-8A1D-4B7D-B26E-9CE48CF1EF6F}"/>
-              </a:ext>
-            </a:extLst>
-          </p:cNvPr>
-          <p:cNvPicPr>
-            <a:picLocks noChangeAspect="1"/>
-          </p:cNvPicPr>
-          <p:nvPr/>
-        </p:nvPicPr>
-        <p:blipFill>
-          <a:blip r:embed="rId2"/>
-          <a:stretch>
-            <a:fillRect/>
-          </a:stretch>
-        </p:blipFill>
-        <p:spPr>
-          <a:xfrm>
-            <a:off x="775946" y="1930400"/>
-            <a:ext cx="3848433" cy="3124471"/>
-          </a:xfrm>
-          <a:prstGeom prst="rect">
-            <a:avLst/>
-          </a:prstGeom>
-        </p:spPr>
-      </p:pic>
-      <p:sp>
-        <p:nvSpPr>
-          <p:cNvPr id="7" name="Textfeld 6">
-            <a:extLst>
-              <a:ext uri="{FF2B5EF4-FFF2-40B4-BE49-F238E27FC236}">
-                <a16:creationId xmlns:a16="http://schemas.microsoft.com/office/drawing/2014/main" id="{ED5BFFBB-4D8B-4E2E-9B59-784F85D2AE7A}"/>
-              </a:ext>
-            </a:extLst>
-          </p:cNvPr>
-          <p:cNvSpPr txBox="1"/>
-          <p:nvPr/>
-        </p:nvSpPr>
-        <p:spPr>
-          <a:xfrm>
-            <a:off x="5100918" y="1508176"/>
-            <a:ext cx="3935506" cy="2308324"/>
-          </a:xfrm>
-          <a:prstGeom prst="rect">
-            <a:avLst/>
-          </a:prstGeom>
-          <a:noFill/>
-        </p:spPr>
-        <p:txBody>
-          <a:bodyPr wrap="square" rtlCol="0">
-            <a:spAutoFit/>
-          </a:bodyPr>
-          <a:lstStyle/>
-          <a:p>
-            <a:pPr marL="285750" indent="-285750">
-              <a:buFontTx/>
-              <a:buChar char="-"/>
-            </a:pPr>
-            <a:endParaRPr lang="de-DE" dirty="0"/>
-          </a:p>
-          <a:p>
-            <a:pPr marL="285750" indent="-285750">
-              <a:buFontTx/>
-              <a:buChar char="-"/>
-            </a:pPr>
-            <a:endParaRPr lang="de-DE" dirty="0"/>
-          </a:p>
-          <a:p>
-            <a:pPr marL="285750" indent="-285750">
-              <a:buFontTx/>
-              <a:buChar char="-"/>
-            </a:pPr>
-            <a:r>
-              <a:rPr lang="de-DE" dirty="0"/>
-              <a:t>Die vom Browser erstellten </a:t>
-            </a:r>
-            <a:r>
-              <a:rPr lang="de-DE" dirty="0" err="1"/>
-              <a:t>checkboxen</a:t>
-            </a:r>
-            <a:r>
-              <a:rPr lang="de-DE" dirty="0"/>
-              <a:t> werden entfernt</a:t>
-            </a:r>
-          </a:p>
-          <a:p>
-            <a:pPr marL="285750" indent="-285750">
-              <a:buFontTx/>
-              <a:buChar char="-"/>
-            </a:pPr>
-            <a:endParaRPr lang="de-DE" dirty="0"/>
-          </a:p>
-          <a:p>
-            <a:pPr marL="285750" indent="-285750">
-              <a:buFontTx/>
-              <a:buChar char="-"/>
-            </a:pPr>
-            <a:endParaRPr lang="de-DE" dirty="0"/>
-          </a:p>
-          <a:p>
-            <a:pPr marL="285750" indent="-285750">
-              <a:buFontTx/>
-              <a:buChar char="-"/>
-            </a:pPr>
-            <a:r>
-              <a:rPr lang="de-DE" dirty="0"/>
-              <a:t>Selbsterstellte Checkboxen</a:t>
-            </a:r>
-          </a:p>
-          <a:p>
-            <a:pPr marL="285750" indent="-285750">
-              <a:buFontTx/>
-              <a:buChar char="-"/>
-            </a:pPr>
-            <a:endParaRPr lang="de-DE" dirty="0"/>
-          </a:p>
-        </p:txBody>
-      </p:sp>
-      <p:sp>
-        <p:nvSpPr>
-          <p:cNvPr id="3" name="Fußzeilenplatzhalter 2">
-            <a:extLst>
-              <a:ext uri="{FF2B5EF4-FFF2-40B4-BE49-F238E27FC236}">
-                <a16:creationId xmlns:a16="http://schemas.microsoft.com/office/drawing/2014/main" id="{29ADB3B2-6624-24F4-0E5A-2120284B6384}"/>
-              </a:ext>
-            </a:extLst>
-          </p:cNvPr>
-          <p:cNvSpPr>
-            <a:spLocks noGrp="1"/>
-          </p:cNvSpPr>
-          <p:nvPr>
-            <p:ph type="ftr" sz="quarter" idx="11"/>
-          </p:nvPr>
-        </p:nvSpPr>
-        <p:spPr/>
-        <p:txBody>
-          <a:bodyPr/>
-          <a:lstStyle/>
-          <a:p>
-            <a:r>
-              <a:rPr lang="en-US"/>
-              <a:t>Tobias Schilling, Daniel Balla, Marcus Unglert</a:t>
-            </a:r>
-            <a:endParaRPr lang="en-US" dirty="0"/>
-          </a:p>
-        </p:txBody>
-      </p:sp>
-      <p:sp>
-        <p:nvSpPr>
-          <p:cNvPr id="4" name="Foliennummernplatzhalter 3">
-            <a:extLst>
-              <a:ext uri="{FF2B5EF4-FFF2-40B4-BE49-F238E27FC236}">
-                <a16:creationId xmlns:a16="http://schemas.microsoft.com/office/drawing/2014/main" id="{06FE2CD6-EB68-5B24-7969-B93CADDF86A5}"/>
-              </a:ext>
-            </a:extLst>
-          </p:cNvPr>
-          <p:cNvSpPr>
-            <a:spLocks noGrp="1"/>
-          </p:cNvSpPr>
-          <p:nvPr>
-            <p:ph type="sldNum" sz="quarter" idx="12"/>
-          </p:nvPr>
-        </p:nvSpPr>
-        <p:spPr/>
-        <p:txBody>
-          <a:bodyPr/>
-          <a:lstStyle/>
-          <a:p>
-            <a:fld id="{D57F1E4F-1CFF-5643-939E-217C01CDF565}" type="slidenum">
-              <a:rPr lang="en-US" smtClean="0"/>
-              <a:pPr/>
-              <a:t>3</a:t>
-            </a:fld>
-            <a:endParaRPr lang="en-US" dirty="0"/>
-          </a:p>
-        </p:txBody>
-      </p:sp>
-    </p:spTree>
-    <p:extLst>
-      <p:ext uri="{BB962C8B-B14F-4D97-AF65-F5344CB8AC3E}">
-        <p14:creationId xmlns:p14="http://schemas.microsoft.com/office/powerpoint/2010/main" val="1391327284"/>
-      </p:ext>
-    </p:extLst>
-  </p:cSld>
-  <p:clrMapOvr>
-    <a:masterClrMapping/>
-  </p:clrMapOvr>
-</p:sld>
-</file>
-
-<file path=ppt/slides/slide4.xml><?xml version="1.0" encoding="utf-8"?>
-<p:sld xmlns:a="http://schemas.openxmlformats.org/drawingml/2006/main" xmlns:r="http://schemas.openxmlformats.org/officeDocument/2006/relationships" xmlns:p="http://schemas.openxmlformats.org/presentationml/2006/main">
-  <p:cSld>
-    <p:spTree>
-      <p:nvGrpSpPr>
-        <p:cNvPr id="1" name=""/>
-        <p:cNvGrpSpPr/>
-        <p:nvPr/>
-      </p:nvGrpSpPr>
-      <p:grpSpPr>
-        <a:xfrm>
-          <a:off x="0" y="0"/>
-          <a:ext cx="0" cy="0"/>
-          <a:chOff x="0" y="0"/>
-          <a:chExt cx="0" cy="0"/>
-        </a:xfrm>
-      </p:grpSpPr>
-      <p:sp>
-        <p:nvSpPr>
-          <p:cNvPr id="2" name="Titel 1">
-            <a:extLst>
-              <a:ext uri="{FF2B5EF4-FFF2-40B4-BE49-F238E27FC236}">
-                <a16:creationId xmlns:a16="http://schemas.microsoft.com/office/drawing/2014/main" id="{159B85A9-FF34-4501-B85B-6BA7869B8EFA}"/>
-              </a:ext>
-            </a:extLst>
-          </p:cNvPr>
-          <p:cNvSpPr>
-            <a:spLocks noGrp="1"/>
-          </p:cNvSpPr>
-          <p:nvPr>
-            <p:ph type="title"/>
-          </p:nvPr>
-        </p:nvSpPr>
-        <p:spPr/>
-        <p:txBody>
-          <a:bodyPr/>
-          <a:lstStyle/>
-          <a:p>
-            <a:r>
-              <a:rPr lang="de-DE" dirty="0"/>
-              <a:t>Quiz.css</a:t>
-            </a:r>
-          </a:p>
-        </p:txBody>
-      </p:sp>
-      <p:pic>
-        <p:nvPicPr>
-          <p:cNvPr id="3" name="Grafik 2">
-            <a:extLst>
-              <a:ext uri="{FF2B5EF4-FFF2-40B4-BE49-F238E27FC236}">
-                <a16:creationId xmlns:a16="http://schemas.microsoft.com/office/drawing/2014/main" id="{5C3EAF3B-745F-4982-BF3C-E5FD451E8F8C}"/>
-              </a:ext>
-            </a:extLst>
-          </p:cNvPr>
-          <p:cNvPicPr>
-            <a:picLocks noChangeAspect="1"/>
-          </p:cNvPicPr>
-          <p:nvPr/>
-        </p:nvPicPr>
-        <p:blipFill>
-          <a:blip r:embed="rId2"/>
-          <a:stretch>
-            <a:fillRect/>
-          </a:stretch>
-        </p:blipFill>
-        <p:spPr>
-          <a:xfrm>
-            <a:off x="677335" y="2079812"/>
-            <a:ext cx="3589866" cy="4517652"/>
-          </a:xfrm>
-          <a:prstGeom prst="rect">
-            <a:avLst/>
-          </a:prstGeom>
-        </p:spPr>
-      </p:pic>
-      <p:sp>
-        <p:nvSpPr>
-          <p:cNvPr id="4" name="Textfeld 3">
-            <a:extLst>
-              <a:ext uri="{FF2B5EF4-FFF2-40B4-BE49-F238E27FC236}">
-                <a16:creationId xmlns:a16="http://schemas.microsoft.com/office/drawing/2014/main" id="{8B4883B4-4DB0-4D19-9E8E-95BF80631FE5}"/>
-              </a:ext>
-            </a:extLst>
-          </p:cNvPr>
-          <p:cNvSpPr txBox="1"/>
-          <p:nvPr/>
-        </p:nvSpPr>
-        <p:spPr>
-          <a:xfrm>
-            <a:off x="4509247" y="2079812"/>
-            <a:ext cx="4764755" cy="1200329"/>
-          </a:xfrm>
-          <a:prstGeom prst="rect">
-            <a:avLst/>
-          </a:prstGeom>
-          <a:noFill/>
-        </p:spPr>
-        <p:txBody>
-          <a:bodyPr wrap="square" rtlCol="0">
-            <a:spAutoFit/>
-          </a:bodyPr>
-          <a:lstStyle/>
-          <a:p>
-            <a:pPr marL="285750" indent="-285750">
-              <a:buFontTx/>
-              <a:buChar char="-"/>
-            </a:pPr>
-            <a:r>
-              <a:rPr lang="de-DE" dirty="0" err="1"/>
-              <a:t>styling</a:t>
-            </a:r>
-            <a:r>
-              <a:rPr lang="de-DE" dirty="0"/>
-              <a:t> des </a:t>
-            </a:r>
-            <a:r>
-              <a:rPr lang="de-DE" dirty="0" err="1"/>
-              <a:t>checkmarks</a:t>
-            </a:r>
-            <a:r>
-              <a:rPr lang="de-DE" dirty="0"/>
-              <a:t> nach dem Anklicken der Checkbox </a:t>
-            </a:r>
-          </a:p>
-          <a:p>
-            <a:pPr marL="285750" indent="-285750">
-              <a:buFontTx/>
-              <a:buChar char="-"/>
-            </a:pPr>
-            <a:endParaRPr lang="de-DE" dirty="0"/>
-          </a:p>
-          <a:p>
-            <a:endParaRPr lang="de-DE" dirty="0"/>
-          </a:p>
-        </p:txBody>
-      </p:sp>
-      <p:sp>
-        <p:nvSpPr>
-          <p:cNvPr id="5" name="Fußzeilenplatzhalter 4">
-            <a:extLst>
-              <a:ext uri="{FF2B5EF4-FFF2-40B4-BE49-F238E27FC236}">
-                <a16:creationId xmlns:a16="http://schemas.microsoft.com/office/drawing/2014/main" id="{4C29A20C-C0E1-B7FE-2538-17871A713E05}"/>
-              </a:ext>
-            </a:extLst>
-          </p:cNvPr>
-          <p:cNvSpPr>
-            <a:spLocks noGrp="1"/>
-          </p:cNvSpPr>
-          <p:nvPr>
-            <p:ph type="ftr" sz="quarter" idx="11"/>
-          </p:nvPr>
-        </p:nvSpPr>
-        <p:spPr/>
-        <p:txBody>
-          <a:bodyPr/>
-          <a:lstStyle/>
-          <a:p>
-            <a:r>
-              <a:rPr lang="en-US"/>
-              <a:t>Tobias Schilling, Daniel Balla, Marcus Unglert</a:t>
-            </a:r>
-            <a:endParaRPr lang="en-US" dirty="0"/>
-          </a:p>
-        </p:txBody>
-      </p:sp>
-      <p:sp>
-        <p:nvSpPr>
-          <p:cNvPr id="6" name="Foliennummernplatzhalter 5">
-            <a:extLst>
-              <a:ext uri="{FF2B5EF4-FFF2-40B4-BE49-F238E27FC236}">
-                <a16:creationId xmlns:a16="http://schemas.microsoft.com/office/drawing/2014/main" id="{0C689310-6A32-3B18-8C5F-CDE6F86E9B54}"/>
-              </a:ext>
-            </a:extLst>
-          </p:cNvPr>
-          <p:cNvSpPr>
-            <a:spLocks noGrp="1"/>
-          </p:cNvSpPr>
-          <p:nvPr>
-            <p:ph type="sldNum" sz="quarter" idx="12"/>
-          </p:nvPr>
-        </p:nvSpPr>
-        <p:spPr/>
-        <p:txBody>
-          <a:bodyPr/>
-          <a:lstStyle/>
-          <a:p>
-            <a:fld id="{D57F1E4F-1CFF-5643-939E-217C01CDF565}" type="slidenum">
-              <a:rPr lang="en-US" smtClean="0"/>
-              <a:pPr/>
-              <a:t>4</a:t>
-            </a:fld>
-            <a:endParaRPr lang="en-US" dirty="0"/>
-          </a:p>
-        </p:txBody>
-      </p:sp>
-    </p:spTree>
-    <p:extLst>
-      <p:ext uri="{BB962C8B-B14F-4D97-AF65-F5344CB8AC3E}">
-        <p14:creationId xmlns:p14="http://schemas.microsoft.com/office/powerpoint/2010/main" val="220730721"/>
-      </p:ext>
-    </p:extLst>
-  </p:cSld>
-  <p:clrMapOvr>
-    <a:masterClrMapping/>
-  </p:clrMapOvr>
-</p:sld>
-</file>
-
-<file path=ppt/slides/slide5.xml><?xml version="1.0" encoding="utf-8"?>
-<p:sld xmlns:a="http://schemas.openxmlformats.org/drawingml/2006/main" xmlns:r="http://schemas.openxmlformats.org/officeDocument/2006/relationships" xmlns:p="http://schemas.openxmlformats.org/presentationml/2006/main">
-  <p:cSld>
-    <p:spTree>
-      <p:nvGrpSpPr>
-        <p:cNvPr id="1" name=""/>
-        <p:cNvGrpSpPr/>
-        <p:nvPr/>
-      </p:nvGrpSpPr>
-      <p:grpSpPr>
-        <a:xfrm>
-          <a:off x="0" y="0"/>
-          <a:ext cx="0" cy="0"/>
-          <a:chOff x="0" y="0"/>
-          <a:chExt cx="0" cy="0"/>
-        </a:xfrm>
-      </p:grpSpPr>
-      <p:sp>
-        <p:nvSpPr>
-          <p:cNvPr id="2" name="Titel 1">
-            <a:extLst>
-              <a:ext uri="{FF2B5EF4-FFF2-40B4-BE49-F238E27FC236}">
-                <a16:creationId xmlns:a16="http://schemas.microsoft.com/office/drawing/2014/main" id="{6F430F57-2D31-4AE3-B18B-E83F2594DC5A}"/>
-              </a:ext>
-            </a:extLst>
-          </p:cNvPr>
-          <p:cNvSpPr>
-            <a:spLocks noGrp="1"/>
-          </p:cNvSpPr>
-          <p:nvPr>
-            <p:ph type="title"/>
-          </p:nvPr>
-        </p:nvSpPr>
-        <p:spPr>
-          <a:xfrm>
-            <a:off x="677334" y="609600"/>
-            <a:ext cx="8596668" cy="908807"/>
-          </a:xfrm>
-        </p:spPr>
-        <p:txBody>
-          <a:bodyPr>
-            <a:normAutofit/>
-          </a:bodyPr>
-          <a:lstStyle/>
-          <a:p>
-            <a:r>
-              <a:rPr lang="de-DE" dirty="0"/>
-              <a:t>Quiz.css</a:t>
-            </a:r>
-          </a:p>
-        </p:txBody>
-      </p:sp>
-      <p:pic>
-        <p:nvPicPr>
-          <p:cNvPr id="3" name="Grafik 2">
-            <a:extLst>
-              <a:ext uri="{FF2B5EF4-FFF2-40B4-BE49-F238E27FC236}">
-                <a16:creationId xmlns:a16="http://schemas.microsoft.com/office/drawing/2014/main" id="{03F234BB-5E27-4FD5-A99F-87037EE20E51}"/>
-              </a:ext>
-            </a:extLst>
-          </p:cNvPr>
-          <p:cNvPicPr>
-            <a:picLocks noChangeAspect="1"/>
-          </p:cNvPicPr>
-          <p:nvPr/>
-        </p:nvPicPr>
-        <p:blipFill>
-          <a:blip r:embed="rId2"/>
-          <a:stretch>
-            <a:fillRect/>
-          </a:stretch>
-        </p:blipFill>
-        <p:spPr>
-          <a:xfrm>
-            <a:off x="677334" y="1930400"/>
-            <a:ext cx="5258256" cy="4115157"/>
-          </a:xfrm>
-          <a:prstGeom prst="rect">
-            <a:avLst/>
-          </a:prstGeom>
-        </p:spPr>
-      </p:pic>
-      <p:sp>
-        <p:nvSpPr>
-          <p:cNvPr id="4" name="Textfeld 3">
-            <a:extLst>
-              <a:ext uri="{FF2B5EF4-FFF2-40B4-BE49-F238E27FC236}">
-                <a16:creationId xmlns:a16="http://schemas.microsoft.com/office/drawing/2014/main" id="{9AC53F0E-F45C-47BB-A256-6D5F4A259082}"/>
-              </a:ext>
-            </a:extLst>
-          </p:cNvPr>
-          <p:cNvSpPr txBox="1"/>
-          <p:nvPr/>
-        </p:nvSpPr>
-        <p:spPr>
-          <a:xfrm>
-            <a:off x="6096000" y="1930400"/>
-            <a:ext cx="3178002" cy="3970318"/>
-          </a:xfrm>
-          <a:prstGeom prst="rect">
-            <a:avLst/>
-          </a:prstGeom>
-          <a:noFill/>
-        </p:spPr>
-        <p:txBody>
-          <a:bodyPr wrap="square" rtlCol="0">
-            <a:spAutoFit/>
-          </a:bodyPr>
-          <a:lstStyle/>
-          <a:p>
-            <a:pPr marL="285750" indent="-285750">
-              <a:buFontTx/>
-              <a:buChar char="-"/>
-            </a:pPr>
-            <a:r>
-              <a:rPr lang="de-DE" dirty="0"/>
-              <a:t>Styling des „</a:t>
-            </a:r>
-            <a:r>
-              <a:rPr lang="de-DE" dirty="0" err="1"/>
-              <a:t>submit</a:t>
-            </a:r>
-            <a:r>
-              <a:rPr lang="de-DE" dirty="0"/>
-              <a:t>-buttons“</a:t>
-            </a:r>
-          </a:p>
-          <a:p>
-            <a:pPr marL="285750" indent="-285750">
-              <a:buFontTx/>
-              <a:buChar char="-"/>
-            </a:pPr>
-            <a:endParaRPr lang="de-DE" dirty="0"/>
-          </a:p>
-          <a:p>
-            <a:pPr marL="285750" indent="-285750">
-              <a:buFontTx/>
-              <a:buChar char="-"/>
-            </a:pPr>
-            <a:endParaRPr lang="de-DE" dirty="0"/>
-          </a:p>
-          <a:p>
-            <a:pPr marL="285750" indent="-285750">
-              <a:buFontTx/>
-              <a:buChar char="-"/>
-            </a:pPr>
-            <a:endParaRPr lang="de-DE" dirty="0"/>
-          </a:p>
-          <a:p>
-            <a:pPr marL="285750" indent="-285750">
-              <a:buFontTx/>
-              <a:buChar char="-"/>
-            </a:pPr>
-            <a:endParaRPr lang="de-DE" dirty="0"/>
-          </a:p>
-          <a:p>
-            <a:pPr marL="285750" indent="-285750">
-              <a:buFontTx/>
-              <a:buChar char="-"/>
-            </a:pPr>
-            <a:endParaRPr lang="de-DE" dirty="0"/>
-          </a:p>
-          <a:p>
-            <a:pPr marL="285750" indent="-285750">
-              <a:buFontTx/>
-              <a:buChar char="-"/>
-            </a:pPr>
-            <a:endParaRPr lang="de-DE" dirty="0"/>
-          </a:p>
-          <a:p>
-            <a:pPr marL="285750" indent="-285750">
-              <a:buFontTx/>
-              <a:buChar char="-"/>
-            </a:pPr>
-            <a:endParaRPr lang="de-DE" dirty="0"/>
-          </a:p>
-          <a:p>
-            <a:pPr marL="285750" indent="-285750">
-              <a:buFontTx/>
-              <a:buChar char="-"/>
-            </a:pPr>
-            <a:endParaRPr lang="de-DE" dirty="0"/>
-          </a:p>
-          <a:p>
-            <a:pPr marL="285750" indent="-285750">
-              <a:buFontTx/>
-              <a:buChar char="-"/>
-            </a:pPr>
-            <a:endParaRPr lang="de-DE" dirty="0"/>
-          </a:p>
-          <a:p>
-            <a:pPr marL="285750" indent="-285750">
-              <a:buFontTx/>
-              <a:buChar char="-"/>
-            </a:pPr>
-            <a:r>
-              <a:rPr lang="de-DE" dirty="0"/>
-              <a:t>Styling des „</a:t>
-            </a:r>
-            <a:r>
-              <a:rPr lang="de-DE" dirty="0" err="1"/>
-              <a:t>submit</a:t>
-            </a:r>
-            <a:r>
-              <a:rPr lang="de-DE" dirty="0"/>
-              <a:t>-buttons“ beim </a:t>
-            </a:r>
-            <a:r>
-              <a:rPr lang="de-DE" dirty="0" err="1"/>
-              <a:t>hovern</a:t>
-            </a:r>
-            <a:r>
-              <a:rPr lang="de-DE" dirty="0"/>
-              <a:t> über diesen </a:t>
-            </a:r>
-          </a:p>
-        </p:txBody>
-      </p:sp>
-      <p:sp>
-        <p:nvSpPr>
-          <p:cNvPr id="5" name="Fußzeilenplatzhalter 4">
-            <a:extLst>
-              <a:ext uri="{FF2B5EF4-FFF2-40B4-BE49-F238E27FC236}">
-                <a16:creationId xmlns:a16="http://schemas.microsoft.com/office/drawing/2014/main" id="{EFF19168-8184-FD2B-92E6-07E85777E7B3}"/>
-              </a:ext>
-            </a:extLst>
-          </p:cNvPr>
-          <p:cNvSpPr>
-            <a:spLocks noGrp="1"/>
-          </p:cNvSpPr>
-          <p:nvPr>
-            <p:ph type="ftr" sz="quarter" idx="11"/>
-          </p:nvPr>
-        </p:nvSpPr>
-        <p:spPr/>
-        <p:txBody>
-          <a:bodyPr/>
-          <a:lstStyle/>
-          <a:p>
-            <a:r>
-              <a:rPr lang="en-US"/>
-              <a:t>Tobias Schilling, Daniel Balla, Marcus Unglert</a:t>
-            </a:r>
-            <a:endParaRPr lang="en-US" dirty="0"/>
-          </a:p>
-        </p:txBody>
-      </p:sp>
-      <p:sp>
-        <p:nvSpPr>
-          <p:cNvPr id="6" name="Foliennummernplatzhalter 5">
-            <a:extLst>
-              <a:ext uri="{FF2B5EF4-FFF2-40B4-BE49-F238E27FC236}">
-                <a16:creationId xmlns:a16="http://schemas.microsoft.com/office/drawing/2014/main" id="{D765CB23-EF6C-B842-88E0-A8214DBFDA5F}"/>
-              </a:ext>
-            </a:extLst>
-          </p:cNvPr>
-          <p:cNvSpPr>
-            <a:spLocks noGrp="1"/>
-          </p:cNvSpPr>
-          <p:nvPr>
-            <p:ph type="sldNum" sz="quarter" idx="12"/>
-          </p:nvPr>
-        </p:nvSpPr>
-        <p:spPr/>
-        <p:txBody>
-          <a:bodyPr/>
-          <a:lstStyle/>
-          <a:p>
-            <a:fld id="{D57F1E4F-1CFF-5643-939E-217C01CDF565}" type="slidenum">
-              <a:rPr lang="en-US" smtClean="0"/>
-              <a:pPr/>
-              <a:t>5</a:t>
-            </a:fld>
-            <a:endParaRPr lang="en-US" dirty="0"/>
-          </a:p>
-        </p:txBody>
-      </p:sp>
-    </p:spTree>
-    <p:extLst>
-      <p:ext uri="{BB962C8B-B14F-4D97-AF65-F5344CB8AC3E}">
-        <p14:creationId xmlns:p14="http://schemas.microsoft.com/office/powerpoint/2010/main" val="2398951243"/>
       </p:ext>
     </p:extLst>
   </p:cSld>

--- a/docs/SportsPulse.pptx
+++ b/docs/SportsPulse.pptx
@@ -6590,10 +6590,17 @@
           <a:lstStyle/>
           <a:p>
             <a:r>
-              <a:rPr lang="en-US"/>
-              <a:t>Tobias Schilling, Daniel Balla, Marcus Unglert</a:t>
-            </a:r>
-            <a:endParaRPr lang="en-US" dirty="0"/>
+              <a:rPr lang="en-US" dirty="0"/>
+              <a:t>Tobias Schilling, Daniel </a:t>
+            </a:r>
+            <a:r>
+              <a:rPr lang="en-US" dirty="0" err="1"/>
+              <a:t>Balla</a:t>
+            </a:r>
+            <a:r>
+              <a:rPr lang="en-US" dirty="0"/>
+              <a:t>, Marcus Unglert</a:t>
+            </a:r>
           </a:p>
         </p:txBody>
       </p:sp>
@@ -6715,7 +6722,7 @@
         </p:blipFill>
         <p:spPr>
           <a:xfrm>
-            <a:off x="677334" y="2508309"/>
+            <a:off x="677334" y="2461096"/>
             <a:ext cx="7078246" cy="2902590"/>
           </a:xfrm>
           <a:prstGeom prst="rect">
@@ -6737,8 +6744,8 @@
         </p:nvSpPr>
         <p:spPr>
           <a:xfrm>
-            <a:off x="677334" y="5541464"/>
-            <a:ext cx="6978192" cy="369332"/>
+            <a:off x="2669693" y="4870086"/>
+            <a:ext cx="7409652" cy="369332"/>
           </a:xfrm>
           <a:prstGeom prst="rect">
             <a:avLst/>
@@ -6746,18 +6753,14 @@
           <a:noFill/>
         </p:spPr>
         <p:txBody>
-          <a:bodyPr wrap="none" rtlCol="0">
+          <a:bodyPr wrap="square" rtlCol="0">
             <a:spAutoFit/>
           </a:bodyPr>
           <a:lstStyle/>
           <a:p>
             <a:r>
-              <a:rPr lang="de-DE" dirty="0" err="1"/>
-              <a:t>Implentierung</a:t>
-            </a:r>
-            <a:r>
               <a:rPr lang="de-DE" dirty="0"/>
-              <a:t>: </a:t>
+              <a:t>Andere HTML: </a:t>
             </a:r>
             <a:r>
               <a:rPr lang="de-DE" b="0" dirty="0">
@@ -6848,6 +6851,202 @@
                 <a:latin typeface="Consolas" panose="020B0609020204030204" pitchFamily="49" charset="0"/>
               </a:rPr>
               <a:t>); %&gt;</a:t>
+            </a:r>
+          </a:p>
+        </p:txBody>
+      </p:sp>
+      <p:sp>
+        <p:nvSpPr>
+          <p:cNvPr id="9" name="Textfeld 8">
+            <a:extLst>
+              <a:ext uri="{FF2B5EF4-FFF2-40B4-BE49-F238E27FC236}">
+                <a16:creationId xmlns:a16="http://schemas.microsoft.com/office/drawing/2014/main" id="{8180D82E-C9A0-6AD6-6D0E-3243300774F8}"/>
+              </a:ext>
+            </a:extLst>
+          </p:cNvPr>
+          <p:cNvSpPr txBox="1"/>
+          <p:nvPr/>
+        </p:nvSpPr>
+        <p:spPr>
+          <a:xfrm>
+            <a:off x="677334" y="5551234"/>
+            <a:ext cx="8162812" cy="369332"/>
+          </a:xfrm>
+          <a:prstGeom prst="rect">
+            <a:avLst/>
+          </a:prstGeom>
+          <a:noFill/>
+        </p:spPr>
+        <p:txBody>
+          <a:bodyPr wrap="none" rtlCol="0">
+            <a:spAutoFit/>
+          </a:bodyPr>
+          <a:lstStyle/>
+          <a:p>
+            <a:r>
+              <a:rPr lang="de-DE" dirty="0">
+                <a:latin typeface="Consolas" panose="020B0609020204030204" pitchFamily="49" charset="0"/>
+              </a:rPr>
+              <a:t>Express</a:t>
+            </a:r>
+            <a:r>
+              <a:rPr lang="de-DE" dirty="0">
+                <a:solidFill>
+                  <a:srgbClr val="001080"/>
+                </a:solidFill>
+                <a:latin typeface="Consolas" panose="020B0609020204030204" pitchFamily="49" charset="0"/>
+              </a:rPr>
+              <a:t>: </a:t>
+            </a:r>
+            <a:r>
+              <a:rPr lang="de-DE" b="0" dirty="0" err="1">
+                <a:solidFill>
+                  <a:srgbClr val="001080"/>
+                </a:solidFill>
+                <a:effectLst/>
+                <a:latin typeface="Consolas" panose="020B0609020204030204" pitchFamily="49" charset="0"/>
+              </a:rPr>
+              <a:t>res</a:t>
+            </a:r>
+            <a:r>
+              <a:rPr lang="de-DE" b="0" dirty="0" err="1">
+                <a:solidFill>
+                  <a:srgbClr val="000000"/>
+                </a:solidFill>
+                <a:effectLst/>
+                <a:latin typeface="Consolas" panose="020B0609020204030204" pitchFamily="49" charset="0"/>
+              </a:rPr>
+              <a:t>.</a:t>
+            </a:r>
+            <a:r>
+              <a:rPr lang="de-DE" b="0" dirty="0" err="1">
+                <a:solidFill>
+                  <a:srgbClr val="795E26"/>
+                </a:solidFill>
+                <a:effectLst/>
+                <a:latin typeface="Consolas" panose="020B0609020204030204" pitchFamily="49" charset="0"/>
+              </a:rPr>
+              <a:t>render</a:t>
+            </a:r>
+            <a:r>
+              <a:rPr lang="de-DE" b="0" dirty="0">
+                <a:solidFill>
+                  <a:srgbClr val="000000"/>
+                </a:solidFill>
+                <a:effectLst/>
+                <a:latin typeface="Consolas" panose="020B0609020204030204" pitchFamily="49" charset="0"/>
+              </a:rPr>
+              <a:t>(</a:t>
+            </a:r>
+            <a:r>
+              <a:rPr lang="de-DE" b="0" dirty="0">
+                <a:solidFill>
+                  <a:srgbClr val="A31515"/>
+                </a:solidFill>
+                <a:effectLst/>
+                <a:latin typeface="Consolas" panose="020B0609020204030204" pitchFamily="49" charset="0"/>
+              </a:rPr>
+              <a:t>"</a:t>
+            </a:r>
+            <a:r>
+              <a:rPr lang="de-DE" b="0" dirty="0" err="1">
+                <a:solidFill>
+                  <a:srgbClr val="A31515"/>
+                </a:solidFill>
+                <a:effectLst/>
+                <a:latin typeface="Consolas" panose="020B0609020204030204" pitchFamily="49" charset="0"/>
+              </a:rPr>
+              <a:t>pages</a:t>
+            </a:r>
+            <a:r>
+              <a:rPr lang="de-DE" b="0" dirty="0">
+                <a:solidFill>
+                  <a:srgbClr val="A31515"/>
+                </a:solidFill>
+                <a:effectLst/>
+                <a:latin typeface="Consolas" panose="020B0609020204030204" pitchFamily="49" charset="0"/>
+              </a:rPr>
+              <a:t>/</a:t>
+            </a:r>
+            <a:r>
+              <a:rPr lang="de-DE" b="0" dirty="0" err="1">
+                <a:solidFill>
+                  <a:srgbClr val="A31515"/>
+                </a:solidFill>
+                <a:effectLst/>
+                <a:latin typeface="Consolas" panose="020B0609020204030204" pitchFamily="49" charset="0"/>
+              </a:rPr>
+              <a:t>artikel</a:t>
+            </a:r>
+            <a:r>
+              <a:rPr lang="de-DE" b="0" dirty="0">
+                <a:solidFill>
+                  <a:srgbClr val="A31515"/>
+                </a:solidFill>
+                <a:effectLst/>
+                <a:latin typeface="Consolas" panose="020B0609020204030204" pitchFamily="49" charset="0"/>
+              </a:rPr>
+              <a:t>"</a:t>
+            </a:r>
+            <a:r>
+              <a:rPr lang="de-DE" b="0" dirty="0">
+                <a:solidFill>
+                  <a:srgbClr val="000000"/>
+                </a:solidFill>
+                <a:effectLst/>
+                <a:latin typeface="Consolas" panose="020B0609020204030204" pitchFamily="49" charset="0"/>
+              </a:rPr>
+              <a:t>, { </a:t>
+            </a:r>
+            <a:r>
+              <a:rPr lang="de-DE" b="0" dirty="0" err="1">
+                <a:solidFill>
+                  <a:srgbClr val="001080"/>
+                </a:solidFill>
+                <a:effectLst/>
+                <a:latin typeface="Consolas" panose="020B0609020204030204" pitchFamily="49" charset="0"/>
+              </a:rPr>
+              <a:t>comments</a:t>
+            </a:r>
+            <a:r>
+              <a:rPr lang="de-DE" b="0" dirty="0">
+                <a:solidFill>
+                  <a:srgbClr val="001080"/>
+                </a:solidFill>
+                <a:effectLst/>
+                <a:latin typeface="Consolas" panose="020B0609020204030204" pitchFamily="49" charset="0"/>
+              </a:rPr>
+              <a:t>:</a:t>
+            </a:r>
+            <a:r>
+              <a:rPr lang="de-DE" b="0" dirty="0">
+                <a:solidFill>
+                  <a:srgbClr val="000000"/>
+                </a:solidFill>
+                <a:effectLst/>
+                <a:latin typeface="Consolas" panose="020B0609020204030204" pitchFamily="49" charset="0"/>
+              </a:rPr>
+              <a:t> </a:t>
+            </a:r>
+            <a:r>
+              <a:rPr lang="de-DE" b="0" dirty="0" err="1">
+                <a:solidFill>
+                  <a:srgbClr val="001080"/>
+                </a:solidFill>
+                <a:effectLst/>
+                <a:latin typeface="Consolas" panose="020B0609020204030204" pitchFamily="49" charset="0"/>
+              </a:rPr>
+              <a:t>kommentare</a:t>
+            </a:r>
+            <a:r>
+              <a:rPr lang="de-DE" b="0" dirty="0">
+                <a:solidFill>
+                  <a:srgbClr val="000000"/>
+                </a:solidFill>
+                <a:effectLst/>
+                <a:latin typeface="Consolas" panose="020B0609020204030204" pitchFamily="49" charset="0"/>
+              </a:rPr>
+              <a:t> });</a:t>
             </a:r>
           </a:p>
         </p:txBody>
@@ -8248,7 +8447,7 @@
 </file>
 
 <file path=ppt/slides/slide7.xml><?xml version="1.0" encoding="utf-8"?>
-<p:sld xmlns:a="http://schemas.openxmlformats.org/drawingml/2006/main" xmlns:r="http://schemas.openxmlformats.org/officeDocument/2006/relationships" xmlns:p="http://schemas.openxmlformats.org/presentationml/2006/main">
+<p:sld xmlns:a="http://schemas.openxmlformats.org/drawingml/2006/main" xmlns:r="http://schemas.openxmlformats.org/officeDocument/2006/relationships" xmlns:p="http://schemas.openxmlformats.org/presentationml/2006/main" show="0">
   <p:cSld>
     <p:spTree>
       <p:nvGrpSpPr>
@@ -8442,7 +8641,7 @@
 </file>
 
 <file path=ppt/slides/slide8.xml><?xml version="1.0" encoding="utf-8"?>
-<p:sld xmlns:a="http://schemas.openxmlformats.org/drawingml/2006/main" xmlns:r="http://schemas.openxmlformats.org/officeDocument/2006/relationships" xmlns:p="http://schemas.openxmlformats.org/presentationml/2006/main">
+<p:sld xmlns:a="http://schemas.openxmlformats.org/drawingml/2006/main" xmlns:r="http://schemas.openxmlformats.org/officeDocument/2006/relationships" xmlns:p="http://schemas.openxmlformats.org/presentationml/2006/main" show="0">
   <p:cSld>
     <p:spTree>
       <p:nvGrpSpPr>
@@ -8674,8 +8873,8 @@
         </p:blipFill>
         <p:spPr>
           <a:xfrm>
-            <a:off x="3329929" y="609600"/>
-            <a:ext cx="5944073" cy="4994246"/>
+            <a:off x="3289991" y="517321"/>
+            <a:ext cx="5984011" cy="5027802"/>
           </a:xfrm>
           <a:prstGeom prst="rect">
             <a:avLst/>
